--- a/Notas/22.99 - TP1 - G1.pptx
+++ b/Notas/22.99 - TP1 - G1.pptx
@@ -19145,8 +19145,8 @@
         </p:nvSpPr>
         <p:spPr>
           <a:xfrm>
-            <a:off x="1507067" y="1397000"/>
-            <a:ext cx="7766936" cy="2653836"/>
+            <a:off x="1507067" y="516835"/>
+            <a:ext cx="7766936" cy="3534001"/>
           </a:xfrm>
         </p:spPr>
         <p:txBody>
@@ -19161,54 +19161,54 @@
               </a:lnSpc>
             </a:pPr>
             <a:r>
-              <a:rPr lang="en-US" sz="3000" err="1"/>
+              <a:rPr lang="en-US" sz="3500" cap="small" dirty="0" err="1"/>
               <a:t>Laboratorio</a:t>
             </a:r>
             <a:r>
-              <a:rPr lang="en-US" sz="3000"/>
+              <a:rPr lang="en-US" sz="3500" cap="small" dirty="0"/>
               <a:t> de </a:t>
             </a:r>
             <a:r>
-              <a:rPr lang="en-US" sz="3000" err="1"/>
+              <a:rPr lang="en-US" sz="3500" cap="small" dirty="0" err="1"/>
               <a:t>Microprocesadores</a:t>
             </a:r>
             <a:br>
-              <a:rPr lang="en-US" sz="3000"/>
+              <a:rPr lang="en-US" sz="3500" dirty="0"/>
             </a:br>
             <a:br>
-              <a:rPr lang="en-US" sz="3000"/>
+              <a:rPr lang="en-US" sz="3500" dirty="0"/>
             </a:br>
             <a:r>
-              <a:rPr lang="en-US" sz="3000" err="1"/>
+              <a:rPr lang="en-US" sz="3500" cap="small" dirty="0" err="1"/>
               <a:t>Trabajo</a:t>
             </a:r>
             <a:r>
-              <a:rPr lang="en-US" sz="3000"/>
+              <a:rPr lang="en-US" sz="3500" cap="small" dirty="0"/>
               <a:t> </a:t>
             </a:r>
             <a:r>
-              <a:rPr lang="en-US" sz="3000" err="1"/>
+              <a:rPr lang="en-US" sz="3500" cap="small" dirty="0" err="1"/>
               <a:t>práctico</a:t>
             </a:r>
             <a:r>
-              <a:rPr lang="en-US" sz="3000"/>
+              <a:rPr lang="en-US" sz="3500" cap="small" dirty="0"/>
               <a:t> Nº1</a:t>
             </a:r>
             <a:br>
-              <a:rPr lang="en-US" sz="3000"/>
+              <a:rPr lang="en-US" sz="3500" cap="small" dirty="0"/>
             </a:br>
             <a:r>
-              <a:rPr lang="en-US" sz="3000" err="1"/>
+              <a:rPr lang="en-US" sz="3500" cap="small" dirty="0" err="1"/>
               <a:t>Interrupciones</a:t>
             </a:r>
             <a:br>
-              <a:rPr lang="en-US" sz="3000"/>
+              <a:rPr lang="en-US" sz="3000" cap="small" dirty="0"/>
             </a:br>
             <a:br>
-              <a:rPr lang="en-US" sz="3000"/>
+              <a:rPr lang="en-US" sz="3000" cap="small" dirty="0"/>
             </a:br>
             <a:r>
-              <a:rPr lang="en-US" sz="3000"/>
+              <a:rPr lang="en-US" sz="3000" cap="small" dirty="0"/>
               <a:t>Grupo 1</a:t>
             </a:r>
           </a:p>
@@ -25151,7 +25151,7 @@
       </p:pic>
       <p:pic>
         <p:nvPicPr>
-          <p:cNvPr id="16" name="Picture 15" descr="Screen of a cell phone&#10;&#10;Description automatically generated">
+          <p:cNvPr id="16" name="Picture 15">
             <a:extLst>
               <a:ext uri="{FF2B5EF4-FFF2-40B4-BE49-F238E27FC236}">
                 <a16:creationId xmlns:a16="http://schemas.microsoft.com/office/drawing/2014/main" id="{2A1FF539-F7DA-4A50-B6F4-B5210DFBBD7F}"/>
@@ -25171,14 +25171,13 @@
               </a:ext>
             </a:extLst>
           </a:blip>
-          <a:stretch>
-            <a:fillRect/>
-          </a:stretch>
+          <a:srcRect/>
+          <a:stretch/>
         </p:blipFill>
         <p:spPr>
           <a:xfrm>
-            <a:off x="5356533" y="4600048"/>
-            <a:ext cx="3234130" cy="1413928"/>
+            <a:off x="5356533" y="4644281"/>
+            <a:ext cx="3234130" cy="1325462"/>
           </a:xfrm>
           <a:prstGeom prst="rect">
             <a:avLst/>

--- a/Notas/22.99 - TP1 - G1.pptx
+++ b/Notas/22.99 - TP1 - G1.pptx
@@ -19017,7 +19017,7 @@
           <a:p>
             <a:fld id="{307F6F8B-672D-46C5-9158-85FC9D30A049}" type="slidenum">
               <a:rPr lang="en-US" smtClean="0"/>
-              <a:t>‹#›</a:t>
+              <a:t>‹Nº›</a:t>
             </a:fld>
             <a:endParaRPr lang="en-US"/>
           </a:p>
@@ -19894,7 +19894,7 @@
           <a:p>
             <a:fld id="{C56C165F-EEF2-41CF-BC2E-932F6DFC370B}" type="slidenum">
               <a:rPr lang="en-US" smtClean="0"/>
-              <a:t>‹#›</a:t>
+              <a:t>‹Nº›</a:t>
             </a:fld>
             <a:endParaRPr lang="en-US"/>
           </a:p>
@@ -20149,7 +20149,7 @@
           <a:p>
             <a:fld id="{C56C165F-EEF2-41CF-BC2E-932F6DFC370B}" type="slidenum">
               <a:rPr lang="en-US" smtClean="0"/>
-              <a:t>‹#›</a:t>
+              <a:t>‹Nº›</a:t>
             </a:fld>
             <a:endParaRPr lang="en-US"/>
           </a:p>
@@ -20467,7 +20467,7 @@
           <a:p>
             <a:fld id="{C56C165F-EEF2-41CF-BC2E-932F6DFC370B}" type="slidenum">
               <a:rPr lang="en-US" smtClean="0"/>
-              <a:t>‹#›</a:t>
+              <a:t>‹Nº›</a:t>
             </a:fld>
             <a:endParaRPr lang="en-US"/>
           </a:p>
@@ -20812,7 +20812,7 @@
           <a:p>
             <a:fld id="{C56C165F-EEF2-41CF-BC2E-932F6DFC370B}" type="slidenum">
               <a:rPr lang="en-US" smtClean="0"/>
-              <a:t>‹#›</a:t>
+              <a:t>‹Nº›</a:t>
             </a:fld>
             <a:endParaRPr lang="en-US"/>
           </a:p>
@@ -21130,7 +21130,7 @@
           <a:p>
             <a:fld id="{C56C165F-EEF2-41CF-BC2E-932F6DFC370B}" type="slidenum">
               <a:rPr lang="en-US" smtClean="0"/>
-              <a:t>‹#›</a:t>
+              <a:t>‹Nº›</a:t>
             </a:fld>
             <a:endParaRPr lang="en-US"/>
           </a:p>
@@ -21527,7 +21527,7 @@
           <a:p>
             <a:fld id="{C56C165F-EEF2-41CF-BC2E-932F6DFC370B}" type="slidenum">
               <a:rPr lang="en-US" smtClean="0"/>
-              <a:t>‹#›</a:t>
+              <a:t>‹Nº›</a:t>
             </a:fld>
             <a:endParaRPr lang="en-US"/>
           </a:p>
@@ -21701,7 +21701,7 @@
           <a:p>
             <a:fld id="{C56C165F-EEF2-41CF-BC2E-932F6DFC370B}" type="slidenum">
               <a:rPr lang="en-US" smtClean="0"/>
-              <a:t>‹#›</a:t>
+              <a:t>‹Nº›</a:t>
             </a:fld>
             <a:endParaRPr lang="en-US"/>
           </a:p>
@@ -21885,7 +21885,7 @@
           <a:p>
             <a:fld id="{C56C165F-EEF2-41CF-BC2E-932F6DFC370B}" type="slidenum">
               <a:rPr lang="en-US" smtClean="0"/>
-              <a:t>‹#›</a:t>
+              <a:t>‹Nº›</a:t>
             </a:fld>
             <a:endParaRPr lang="en-US"/>
           </a:p>
@@ -22065,7 +22065,7 @@
           <a:p>
             <a:fld id="{C56C165F-EEF2-41CF-BC2E-932F6DFC370B}" type="slidenum">
               <a:rPr lang="en-US" smtClean="0"/>
-              <a:t>‹#›</a:t>
+              <a:t>‹Nº›</a:t>
             </a:fld>
             <a:endParaRPr lang="en-US"/>
           </a:p>
@@ -22316,7 +22316,7 @@
           <a:p>
             <a:fld id="{C56C165F-EEF2-41CF-BC2E-932F6DFC370B}" type="slidenum">
               <a:rPr lang="en-US" smtClean="0"/>
-              <a:t>‹#›</a:t>
+              <a:t>‹Nº›</a:t>
             </a:fld>
             <a:endParaRPr lang="en-US"/>
           </a:p>
@@ -22552,7 +22552,7 @@
           <a:p>
             <a:fld id="{C56C165F-EEF2-41CF-BC2E-932F6DFC370B}" type="slidenum">
               <a:rPr lang="en-US" smtClean="0"/>
-              <a:t>‹#›</a:t>
+              <a:t>‹Nº›</a:t>
             </a:fld>
             <a:endParaRPr lang="en-US"/>
           </a:p>
@@ -22930,7 +22930,7 @@
           <a:p>
             <a:fld id="{C56C165F-EEF2-41CF-BC2E-932F6DFC370B}" type="slidenum">
               <a:rPr lang="en-US" smtClean="0"/>
-              <a:t>‹#›</a:t>
+              <a:t>‹Nº›</a:t>
             </a:fld>
             <a:endParaRPr lang="en-US"/>
           </a:p>
@@ -23057,7 +23057,7 @@
           <a:p>
             <a:fld id="{C56C165F-EEF2-41CF-BC2E-932F6DFC370B}" type="slidenum">
               <a:rPr lang="en-US" smtClean="0"/>
-              <a:t>‹#›</a:t>
+              <a:t>‹Nº›</a:t>
             </a:fld>
             <a:endParaRPr lang="en-US"/>
           </a:p>
@@ -23156,7 +23156,7 @@
           <a:p>
             <a:fld id="{C56C165F-EEF2-41CF-BC2E-932F6DFC370B}" type="slidenum">
               <a:rPr lang="en-US" smtClean="0"/>
-              <a:t>‹#›</a:t>
+              <a:t>‹Nº›</a:t>
             </a:fld>
             <a:endParaRPr lang="en-US"/>
           </a:p>
@@ -23415,7 +23415,7 @@
           <a:p>
             <a:fld id="{C56C165F-EEF2-41CF-BC2E-932F6DFC370B}" type="slidenum">
               <a:rPr lang="en-US" smtClean="0"/>
-              <a:t>‹#›</a:t>
+              <a:t>‹Nº›</a:t>
             </a:fld>
             <a:endParaRPr lang="en-US"/>
           </a:p>
@@ -23682,7 +23682,7 @@
           <a:p>
             <a:fld id="{C56C165F-EEF2-41CF-BC2E-932F6DFC370B}" type="slidenum">
               <a:rPr lang="en-US" smtClean="0"/>
-              <a:t>‹#›</a:t>
+              <a:t>‹Nº›</a:t>
             </a:fld>
             <a:endParaRPr lang="en-US"/>
           </a:p>
@@ -24463,7 +24463,7 @@
           <a:p>
             <a:fld id="{C56C165F-EEF2-41CF-BC2E-932F6DFC370B}" type="slidenum">
               <a:rPr lang="en-US" smtClean="0"/>
-              <a:t>‹#›</a:t>
+              <a:t>‹Nº›</a:t>
             </a:fld>
             <a:endParaRPr lang="en-US"/>
           </a:p>
@@ -34920,11 +34920,15 @@
           <a:p>
             <a:r>
               <a:rPr lang="es-ES" dirty="0"/>
-              <a:t>Luego de ingresar, modo </a:t>
+              <a:t>Modos</a:t>
             </a:r>
             <a:r>
-              <a:rPr lang="es-ES" dirty="0" err="1"/>
-              <a:t>admin</a:t>
+              <a:rPr lang="es-AR" dirty="0"/>
+              <a:t>: Access y </a:t>
+            </a:r>
+            <a:r>
+              <a:rPr lang="es-AR"/>
+              <a:t>Config</a:t>
             </a:r>
             <a:endParaRPr lang="es-ES" dirty="0"/>
           </a:p>

--- a/Notas/22.99 - TP1 - G1.pptx
+++ b/Notas/22.99 - TP1 - G1.pptx
@@ -5063,7 +5063,7 @@
 <dgm:dataModel xmlns:dgm="http://schemas.openxmlformats.org/drawingml/2006/diagram" xmlns:a="http://schemas.openxmlformats.org/drawingml/2006/main">
   <dgm:ptLst>
     <dgm:pt modelId="{B2365749-8760-4291-85E1-2037986A7092}" type="doc">
-      <dgm:prSet loTypeId="urn:microsoft.com/office/officeart/2005/8/layout/orgChart1" loCatId="hierarchy" qsTypeId="urn:microsoft.com/office/officeart/2005/8/quickstyle/simple5" qsCatId="simple" csTypeId="urn:microsoft.com/office/officeart/2005/8/colors/colorful1" csCatId="colorful" phldr="1"/>
+      <dgm:prSet loTypeId="urn:microsoft.com/office/officeart/2005/8/layout/hierarchy4" loCatId="hierarchy" qsTypeId="urn:microsoft.com/office/officeart/2005/8/quickstyle/simple5" qsCatId="simple" csTypeId="urn:microsoft.com/office/officeart/2005/8/colors/colorful1" csCatId="colorful" phldr="1"/>
       <dgm:spPr/>
       <dgm:t>
         <a:bodyPr/>
@@ -5416,10 +5416,46 @@
         </a:p>
       </dgm:t>
     </dgm:pt>
-    <dgm:pt modelId="{37D48ECB-1E8E-4A73-B9B3-D4510EB29FD9}" type="pres">
-      <dgm:prSet presAssocID="{B2365749-8760-4291-85E1-2037986A7092}" presName="hierChild1" presStyleCnt="0">
+    <dgm:pt modelId="{5C708CE8-57E6-4A0C-B531-12EF1DB32383}">
+      <dgm:prSet phldrT="[Text]"/>
+      <dgm:spPr/>
+      <dgm:t>
+        <a:bodyPr/>
+        <a:lstStyle/>
+        <a:p>
+          <a:r>
+            <a:rPr lang="es-AR" dirty="0" err="1"/>
+            <a:t>SysTick</a:t>
+          </a:r>
+          <a:endParaRPr lang="en-US" dirty="0"/>
+        </a:p>
+      </dgm:t>
+    </dgm:pt>
+    <dgm:pt modelId="{16F75829-2AD2-49C6-A4A2-2E66723257E1}" type="parTrans" cxnId="{81532516-0191-48B9-BED6-C5FD40DBB53D}">
+      <dgm:prSet/>
+      <dgm:spPr/>
+      <dgm:t>
+        <a:bodyPr/>
+        <a:lstStyle/>
+        <a:p>
+          <a:endParaRPr lang="en-US"/>
+        </a:p>
+      </dgm:t>
+    </dgm:pt>
+    <dgm:pt modelId="{E74460A5-FFC6-445F-8B31-74F083739AC7}" type="sibTrans" cxnId="{81532516-0191-48B9-BED6-C5FD40DBB53D}">
+      <dgm:prSet/>
+      <dgm:spPr/>
+      <dgm:t>
+        <a:bodyPr/>
+        <a:lstStyle/>
+        <a:p>
+          <a:endParaRPr lang="en-US"/>
+        </a:p>
+      </dgm:t>
+    </dgm:pt>
+    <dgm:pt modelId="{4BD7EC80-85F3-427E-BC12-0D8F40B5BA56}" type="pres">
+      <dgm:prSet presAssocID="{B2365749-8760-4291-85E1-2037986A7092}" presName="Name0" presStyleCnt="0">
         <dgm:presLayoutVars>
-          <dgm:orgChart val="1"/>
           <dgm:chPref val="1"/>
           <dgm:dir/>
           <dgm:animOne val="branch"/>
@@ -5429,420 +5465,264 @@
       </dgm:prSet>
       <dgm:spPr/>
     </dgm:pt>
-    <dgm:pt modelId="{B55A844E-B9A3-478D-870F-FA2EE44F9DF8}" type="pres">
-      <dgm:prSet presAssocID="{00BBFF42-7A93-481F-937E-0847C70A93A5}" presName="hierRoot1" presStyleCnt="0">
-        <dgm:presLayoutVars>
-          <dgm:hierBranch val="init"/>
-        </dgm:presLayoutVars>
-      </dgm:prSet>
+    <dgm:pt modelId="{7D763417-112C-4C91-8FEB-7DC391844D3E}" type="pres">
+      <dgm:prSet presAssocID="{00BBFF42-7A93-481F-937E-0847C70A93A5}" presName="vertOne" presStyleCnt="0"/>
       <dgm:spPr/>
     </dgm:pt>
-    <dgm:pt modelId="{CF438BD2-A8D8-4F85-ACAB-9B6EA6F39805}" type="pres">
-      <dgm:prSet presAssocID="{00BBFF42-7A93-481F-937E-0847C70A93A5}" presName="rootComposite1" presStyleCnt="0"/>
-      <dgm:spPr/>
-    </dgm:pt>
-    <dgm:pt modelId="{99FA4E85-81DC-4E4D-A65D-D4D0F93028A0}" type="pres">
-      <dgm:prSet presAssocID="{00BBFF42-7A93-481F-937E-0847C70A93A5}" presName="rootText1" presStyleLbl="node0" presStyleIdx="0" presStyleCnt="2">
+    <dgm:pt modelId="{2562A761-AAAB-49CA-B44C-3A26863901E5}" type="pres">
+      <dgm:prSet presAssocID="{00BBFF42-7A93-481F-937E-0847C70A93A5}" presName="txOne" presStyleLbl="node0" presStyleIdx="0" presStyleCnt="2">
         <dgm:presLayoutVars>
           <dgm:chPref val="3"/>
         </dgm:presLayoutVars>
       </dgm:prSet>
       <dgm:spPr/>
     </dgm:pt>
-    <dgm:pt modelId="{AC7634B8-6EB3-4974-934B-6FCF14FC5EE2}" type="pres">
-      <dgm:prSet presAssocID="{00BBFF42-7A93-481F-937E-0847C70A93A5}" presName="rootConnector1" presStyleLbl="node1" presStyleIdx="0" presStyleCnt="0"/>
+    <dgm:pt modelId="{B797B509-4611-44AA-BBE9-4862CAFE4A92}" type="pres">
+      <dgm:prSet presAssocID="{00BBFF42-7A93-481F-937E-0847C70A93A5}" presName="parTransOne" presStyleCnt="0"/>
       <dgm:spPr/>
     </dgm:pt>
-    <dgm:pt modelId="{8E0A66B1-825F-4CC8-8E75-45A3262D1AA7}" type="pres">
-      <dgm:prSet presAssocID="{00BBFF42-7A93-481F-937E-0847C70A93A5}" presName="hierChild2" presStyleCnt="0"/>
+    <dgm:pt modelId="{FBC4CD44-4A91-482F-B902-9E787AEE991D}" type="pres">
+      <dgm:prSet presAssocID="{00BBFF42-7A93-481F-937E-0847C70A93A5}" presName="horzOne" presStyleCnt="0"/>
       <dgm:spPr/>
     </dgm:pt>
-    <dgm:pt modelId="{8B4B8631-2C1F-4B38-92B8-4475AF0EC457}" type="pres">
-      <dgm:prSet presAssocID="{A0807AA7-60E8-42BF-B0CB-D735E2748A0C}" presName="Name37" presStyleLbl="parChTrans1D2" presStyleIdx="0" presStyleCnt="3"/>
+    <dgm:pt modelId="{FCC10E07-2114-431A-ABC5-0903F405E33E}" type="pres">
+      <dgm:prSet presAssocID="{FAC6CDBC-2C02-414D-9CDB-EE12D26C9FC6}" presName="vertTwo" presStyleCnt="0"/>
       <dgm:spPr/>
     </dgm:pt>
-    <dgm:pt modelId="{7DFFB63A-C85E-4CEE-9706-2C09AF08B9DD}" type="pres">
-      <dgm:prSet presAssocID="{FAC6CDBC-2C02-414D-9CDB-EE12D26C9FC6}" presName="hierRoot2" presStyleCnt="0">
-        <dgm:presLayoutVars>
-          <dgm:hierBranch val="init"/>
-        </dgm:presLayoutVars>
-      </dgm:prSet>
-      <dgm:spPr/>
-    </dgm:pt>
-    <dgm:pt modelId="{9AA8BC89-1D63-47E9-9EF2-FFAD00739B13}" type="pres">
-      <dgm:prSet presAssocID="{FAC6CDBC-2C02-414D-9CDB-EE12D26C9FC6}" presName="rootComposite" presStyleCnt="0"/>
-      <dgm:spPr/>
-    </dgm:pt>
-    <dgm:pt modelId="{C1D4CE90-245A-4C18-940D-82E92D3A70DD}" type="pres">
-      <dgm:prSet presAssocID="{FAC6CDBC-2C02-414D-9CDB-EE12D26C9FC6}" presName="rootText" presStyleLbl="node2" presStyleIdx="0" presStyleCnt="3">
+    <dgm:pt modelId="{B398A156-90CA-4A8F-810A-2CC337503166}" type="pres">
+      <dgm:prSet presAssocID="{FAC6CDBC-2C02-414D-9CDB-EE12D26C9FC6}" presName="txTwo" presStyleLbl="node2" presStyleIdx="0" presStyleCnt="4">
         <dgm:presLayoutVars>
           <dgm:chPref val="3"/>
         </dgm:presLayoutVars>
       </dgm:prSet>
       <dgm:spPr/>
     </dgm:pt>
-    <dgm:pt modelId="{82E289C7-F4A1-4325-895E-2B2DC9B3ACA0}" type="pres">
-      <dgm:prSet presAssocID="{FAC6CDBC-2C02-414D-9CDB-EE12D26C9FC6}" presName="rootConnector" presStyleLbl="node2" presStyleIdx="0" presStyleCnt="3"/>
+    <dgm:pt modelId="{AEF50CF0-0210-4E35-B788-1D0D485F79E4}" type="pres">
+      <dgm:prSet presAssocID="{FAC6CDBC-2C02-414D-9CDB-EE12D26C9FC6}" presName="parTransTwo" presStyleCnt="0"/>
       <dgm:spPr/>
     </dgm:pt>
-    <dgm:pt modelId="{0A5A4228-EFBF-48AC-BFD2-1AE326928493}" type="pres">
-      <dgm:prSet presAssocID="{FAC6CDBC-2C02-414D-9CDB-EE12D26C9FC6}" presName="hierChild4" presStyleCnt="0"/>
+    <dgm:pt modelId="{501C891B-C7C7-48A2-A38E-628A7BB12A99}" type="pres">
+      <dgm:prSet presAssocID="{FAC6CDBC-2C02-414D-9CDB-EE12D26C9FC6}" presName="horzTwo" presStyleCnt="0"/>
       <dgm:spPr/>
     </dgm:pt>
-    <dgm:pt modelId="{BF099527-4E62-4A18-B686-44C65FB15A0F}" type="pres">
-      <dgm:prSet presAssocID="{934EA749-63E7-44D8-A2CD-01045D7ED715}" presName="Name37" presStyleLbl="parChTrans1D3" presStyleIdx="0" presStyleCnt="4"/>
+    <dgm:pt modelId="{72C062E1-B509-4154-B8C3-66B536567C9D}" type="pres">
+      <dgm:prSet presAssocID="{BF7B27F5-0556-467C-AE9B-58F697AAE3E2}" presName="vertThree" presStyleCnt="0"/>
       <dgm:spPr/>
     </dgm:pt>
-    <dgm:pt modelId="{ACAF74A3-8123-4B26-9D6C-894FC465CD9C}" type="pres">
-      <dgm:prSet presAssocID="{BF7B27F5-0556-467C-AE9B-58F697AAE3E2}" presName="hierRoot2" presStyleCnt="0">
-        <dgm:presLayoutVars>
-          <dgm:hierBranch val="init"/>
-        </dgm:presLayoutVars>
-      </dgm:prSet>
-      <dgm:spPr/>
-    </dgm:pt>
-    <dgm:pt modelId="{952B6BF3-CE12-462B-A832-B33F2B117BDC}" type="pres">
-      <dgm:prSet presAssocID="{BF7B27F5-0556-467C-AE9B-58F697AAE3E2}" presName="rootComposite" presStyleCnt="0"/>
-      <dgm:spPr/>
-    </dgm:pt>
-    <dgm:pt modelId="{C61E8997-7F4A-4AE0-9611-3F593B12637D}" type="pres">
-      <dgm:prSet presAssocID="{BF7B27F5-0556-467C-AE9B-58F697AAE3E2}" presName="rootText" presStyleLbl="node3" presStyleIdx="0" presStyleCnt="4">
+    <dgm:pt modelId="{C943332F-98E4-43B4-99D7-A4C6438397DF}" type="pres">
+      <dgm:prSet presAssocID="{BF7B27F5-0556-467C-AE9B-58F697AAE3E2}" presName="txThree" presStyleLbl="node3" presStyleIdx="0" presStyleCnt="4">
         <dgm:presLayoutVars>
           <dgm:chPref val="3"/>
         </dgm:presLayoutVars>
       </dgm:prSet>
       <dgm:spPr/>
     </dgm:pt>
-    <dgm:pt modelId="{85E412FB-6D7B-4D0C-92D2-ED29065DDD90}" type="pres">
-      <dgm:prSet presAssocID="{BF7B27F5-0556-467C-AE9B-58F697AAE3E2}" presName="rootConnector" presStyleLbl="node3" presStyleIdx="0" presStyleCnt="4"/>
+    <dgm:pt modelId="{3CC6DC92-E9FB-4D77-84B6-8E19517E2BB1}" type="pres">
+      <dgm:prSet presAssocID="{BF7B27F5-0556-467C-AE9B-58F697AAE3E2}" presName="horzThree" presStyleCnt="0"/>
       <dgm:spPr/>
     </dgm:pt>
-    <dgm:pt modelId="{3753937F-F012-43E0-9E2B-C233D47B71A3}" type="pres">
-      <dgm:prSet presAssocID="{BF7B27F5-0556-467C-AE9B-58F697AAE3E2}" presName="hierChild4" presStyleCnt="0"/>
+    <dgm:pt modelId="{58FCF3FE-69DC-412A-BD21-6B90CD6CFDF7}" type="pres">
+      <dgm:prSet presAssocID="{F32B90EB-1F86-4725-A511-7866BE2D1F16}" presName="sibSpaceThree" presStyleCnt="0"/>
       <dgm:spPr/>
     </dgm:pt>
-    <dgm:pt modelId="{68186B52-1A65-42DE-94EE-171D49BD595F}" type="pres">
-      <dgm:prSet presAssocID="{BF7B27F5-0556-467C-AE9B-58F697AAE3E2}" presName="hierChild5" presStyleCnt="0"/>
+    <dgm:pt modelId="{10DAA6DA-3795-4957-8823-86CFC99F322F}" type="pres">
+      <dgm:prSet presAssocID="{5C708CE8-57E6-4A0C-B531-12EF1DB32383}" presName="vertThree" presStyleCnt="0"/>
       <dgm:spPr/>
     </dgm:pt>
-    <dgm:pt modelId="{06C0D8CA-28C6-40B6-AE8F-E9FE64110A1E}" type="pres">
-      <dgm:prSet presAssocID="{FAC6CDBC-2C02-414D-9CDB-EE12D26C9FC6}" presName="hierChild5" presStyleCnt="0"/>
-      <dgm:spPr/>
-    </dgm:pt>
-    <dgm:pt modelId="{4C631FAE-DD42-4FD5-B6BB-224690EB2D32}" type="pres">
-      <dgm:prSet presAssocID="{76B22C52-4D2A-4A19-B8ED-E0E5D9B32520}" presName="Name37" presStyleLbl="parChTrans1D2" presStyleIdx="1" presStyleCnt="3"/>
-      <dgm:spPr/>
-    </dgm:pt>
-    <dgm:pt modelId="{CFF77EE1-C326-4990-B613-1BB657B0ADEF}" type="pres">
-      <dgm:prSet presAssocID="{732B20B4-39B9-46AA-A3D6-34EFC46A65B7}" presName="hierRoot2" presStyleCnt="0">
-        <dgm:presLayoutVars>
-          <dgm:hierBranch val="init"/>
-        </dgm:presLayoutVars>
-      </dgm:prSet>
-      <dgm:spPr/>
-    </dgm:pt>
-    <dgm:pt modelId="{09044890-FC54-42C1-8209-1434EE2A6BAB}" type="pres">
-      <dgm:prSet presAssocID="{732B20B4-39B9-46AA-A3D6-34EFC46A65B7}" presName="rootComposite" presStyleCnt="0"/>
-      <dgm:spPr/>
-    </dgm:pt>
-    <dgm:pt modelId="{102EEC43-5DFD-4721-BD50-C07D3B3CB77D}" type="pres">
-      <dgm:prSet presAssocID="{732B20B4-39B9-46AA-A3D6-34EFC46A65B7}" presName="rootText" presStyleLbl="node2" presStyleIdx="1" presStyleCnt="3">
+    <dgm:pt modelId="{452E2428-BA60-4353-93D1-F3E5AEFDC879}" type="pres">
+      <dgm:prSet presAssocID="{5C708CE8-57E6-4A0C-B531-12EF1DB32383}" presName="txThree" presStyleLbl="node3" presStyleIdx="1" presStyleCnt="4" custLinFactNeighborX="2657" custLinFactNeighborY="-894">
         <dgm:presLayoutVars>
           <dgm:chPref val="3"/>
         </dgm:presLayoutVars>
       </dgm:prSet>
       <dgm:spPr/>
     </dgm:pt>
-    <dgm:pt modelId="{F42F4B88-26CA-4C56-BBDD-F30AADB6FCEE}" type="pres">
-      <dgm:prSet presAssocID="{732B20B4-39B9-46AA-A3D6-34EFC46A65B7}" presName="rootConnector" presStyleLbl="node2" presStyleIdx="1" presStyleCnt="3"/>
+    <dgm:pt modelId="{C5306CCC-7741-44B6-B3A1-F50A5AEA3056}" type="pres">
+      <dgm:prSet presAssocID="{5C708CE8-57E6-4A0C-B531-12EF1DB32383}" presName="horzThree" presStyleCnt="0"/>
       <dgm:spPr/>
     </dgm:pt>
-    <dgm:pt modelId="{29E860EF-FF7F-41EA-B52E-ED5497C53B87}" type="pres">
-      <dgm:prSet presAssocID="{732B20B4-39B9-46AA-A3D6-34EFC46A65B7}" presName="hierChild4" presStyleCnt="0"/>
+    <dgm:pt modelId="{9D5E04FD-EE89-40F3-B0F5-104954467E61}" type="pres">
+      <dgm:prSet presAssocID="{D71904A9-DDA3-4A79-97BB-B1AB6C3C39EC}" presName="sibSpaceTwo" presStyleCnt="0"/>
       <dgm:spPr/>
     </dgm:pt>
-    <dgm:pt modelId="{14A310ED-58A5-48B0-9CD0-7FE82B4B5503}" type="pres">
-      <dgm:prSet presAssocID="{48227871-3F8A-4030-91C9-9F5835768F1B}" presName="Name37" presStyleLbl="parChTrans1D3" presStyleIdx="1" presStyleCnt="4"/>
+    <dgm:pt modelId="{0EFBB0FA-C29F-4DF5-A6AB-16CB0B34B25F}" type="pres">
+      <dgm:prSet presAssocID="{732B20B4-39B9-46AA-A3D6-34EFC46A65B7}" presName="vertTwo" presStyleCnt="0"/>
       <dgm:spPr/>
     </dgm:pt>
-    <dgm:pt modelId="{BDD10063-58BF-4FBF-95B9-E199EB6FABF0}" type="pres">
-      <dgm:prSet presAssocID="{1B5F3F71-AE75-4706-997B-3F74E92FAF45}" presName="hierRoot2" presStyleCnt="0">
-        <dgm:presLayoutVars>
-          <dgm:hierBranch val="init"/>
-        </dgm:presLayoutVars>
-      </dgm:prSet>
-      <dgm:spPr/>
-    </dgm:pt>
-    <dgm:pt modelId="{A15E9EFF-6CDA-49F6-A4D1-11E6256645FE}" type="pres">
-      <dgm:prSet presAssocID="{1B5F3F71-AE75-4706-997B-3F74E92FAF45}" presName="rootComposite" presStyleCnt="0"/>
-      <dgm:spPr/>
-    </dgm:pt>
-    <dgm:pt modelId="{5F675612-2F39-455F-BBA2-9FB87721620C}" type="pres">
-      <dgm:prSet presAssocID="{1B5F3F71-AE75-4706-997B-3F74E92FAF45}" presName="rootText" presStyleLbl="node3" presStyleIdx="1" presStyleCnt="4">
+    <dgm:pt modelId="{ACADEBCA-98F3-40BB-AC69-9633312B7D78}" type="pres">
+      <dgm:prSet presAssocID="{732B20B4-39B9-46AA-A3D6-34EFC46A65B7}" presName="txTwo" presStyleLbl="node2" presStyleIdx="1" presStyleCnt="4">
         <dgm:presLayoutVars>
           <dgm:chPref val="3"/>
         </dgm:presLayoutVars>
       </dgm:prSet>
       <dgm:spPr/>
     </dgm:pt>
-    <dgm:pt modelId="{5ABBD23D-DA05-4FFC-A932-0A91534B4C57}" type="pres">
-      <dgm:prSet presAssocID="{1B5F3F71-AE75-4706-997B-3F74E92FAF45}" presName="rootConnector" presStyleLbl="node3" presStyleIdx="1" presStyleCnt="4"/>
+    <dgm:pt modelId="{9286627B-3439-40C7-885C-40B2D1A7A8B8}" type="pres">
+      <dgm:prSet presAssocID="{732B20B4-39B9-46AA-A3D6-34EFC46A65B7}" presName="parTransTwo" presStyleCnt="0"/>
       <dgm:spPr/>
     </dgm:pt>
-    <dgm:pt modelId="{7A2AF5C5-B554-4657-8663-B0EE7874EB96}" type="pres">
-      <dgm:prSet presAssocID="{1B5F3F71-AE75-4706-997B-3F74E92FAF45}" presName="hierChild4" presStyleCnt="0"/>
+    <dgm:pt modelId="{E19CE739-015F-4437-B5AC-B2E66352285F}" type="pres">
+      <dgm:prSet presAssocID="{732B20B4-39B9-46AA-A3D6-34EFC46A65B7}" presName="horzTwo" presStyleCnt="0"/>
       <dgm:spPr/>
     </dgm:pt>
-    <dgm:pt modelId="{9F690095-F364-4135-BE55-1B87CFC22970}" type="pres">
-      <dgm:prSet presAssocID="{1B5F3F71-AE75-4706-997B-3F74E92FAF45}" presName="hierChild5" presStyleCnt="0"/>
+    <dgm:pt modelId="{E4A28DCE-5577-4D15-97CA-9CF0A1E21DAD}" type="pres">
+      <dgm:prSet presAssocID="{1B5F3F71-AE75-4706-997B-3F74E92FAF45}" presName="vertThree" presStyleCnt="0"/>
       <dgm:spPr/>
     </dgm:pt>
-    <dgm:pt modelId="{A9D6541A-DE77-4490-907C-E1F0CA83EB89}" type="pres">
-      <dgm:prSet presAssocID="{732B20B4-39B9-46AA-A3D6-34EFC46A65B7}" presName="hierChild5" presStyleCnt="0"/>
-      <dgm:spPr/>
-    </dgm:pt>
-    <dgm:pt modelId="{64E1B90A-B90F-41C2-B8ED-466D14DB5D78}" type="pres">
-      <dgm:prSet presAssocID="{6B7741F0-1DC3-41FD-814C-766428F447B7}" presName="Name37" presStyleLbl="parChTrans1D2" presStyleIdx="2" presStyleCnt="3"/>
-      <dgm:spPr/>
-    </dgm:pt>
-    <dgm:pt modelId="{BBACD5F6-8D84-47CE-87B4-E0787E148BA2}" type="pres">
-      <dgm:prSet presAssocID="{F73D25D0-5041-4A2B-974C-E5DC6CA0EC86}" presName="hierRoot2" presStyleCnt="0">
-        <dgm:presLayoutVars>
-          <dgm:hierBranch val="init"/>
-        </dgm:presLayoutVars>
-      </dgm:prSet>
-      <dgm:spPr/>
-    </dgm:pt>
-    <dgm:pt modelId="{BDBEFB1E-BBA3-474C-9CC1-D3889B415F59}" type="pres">
-      <dgm:prSet presAssocID="{F73D25D0-5041-4A2B-974C-E5DC6CA0EC86}" presName="rootComposite" presStyleCnt="0"/>
-      <dgm:spPr/>
-    </dgm:pt>
-    <dgm:pt modelId="{9427073D-523A-414B-8333-31CD6FA992C2}" type="pres">
-      <dgm:prSet presAssocID="{F73D25D0-5041-4A2B-974C-E5DC6CA0EC86}" presName="rootText" presStyleLbl="node2" presStyleIdx="2" presStyleCnt="3">
+    <dgm:pt modelId="{261243F7-1EA0-4615-A2A9-F8E5EEFE1B81}" type="pres">
+      <dgm:prSet presAssocID="{1B5F3F71-AE75-4706-997B-3F74E92FAF45}" presName="txThree" presStyleLbl="node3" presStyleIdx="2" presStyleCnt="4">
         <dgm:presLayoutVars>
           <dgm:chPref val="3"/>
         </dgm:presLayoutVars>
       </dgm:prSet>
       <dgm:spPr/>
     </dgm:pt>
-    <dgm:pt modelId="{B8898634-43FB-44DE-AE51-E661D29674B6}" type="pres">
-      <dgm:prSet presAssocID="{F73D25D0-5041-4A2B-974C-E5DC6CA0EC86}" presName="rootConnector" presStyleLbl="node2" presStyleIdx="2" presStyleCnt="3"/>
+    <dgm:pt modelId="{F16965CD-115E-4334-A93B-D89CE626C6EF}" type="pres">
+      <dgm:prSet presAssocID="{1B5F3F71-AE75-4706-997B-3F74E92FAF45}" presName="horzThree" presStyleCnt="0"/>
       <dgm:spPr/>
     </dgm:pt>
-    <dgm:pt modelId="{C5B49DF4-0F10-4162-9D55-3672616200A3}" type="pres">
-      <dgm:prSet presAssocID="{F73D25D0-5041-4A2B-974C-E5DC6CA0EC86}" presName="hierChild4" presStyleCnt="0"/>
+    <dgm:pt modelId="{6D723B89-4CCC-4ED0-A0E3-29A866F2ED2C}" type="pres">
+      <dgm:prSet presAssocID="{E34E2206-7CB4-446C-B36F-054BFB1E14D3}" presName="sibSpaceTwo" presStyleCnt="0"/>
       <dgm:spPr/>
     </dgm:pt>
-    <dgm:pt modelId="{4739B041-4F2C-4BE5-937B-62C72DA93F26}" type="pres">
-      <dgm:prSet presAssocID="{6BC72DAE-4978-4ACA-9731-D808B27B9232}" presName="Name37" presStyleLbl="parChTrans1D3" presStyleIdx="2" presStyleCnt="4"/>
+    <dgm:pt modelId="{15D22D56-1EA1-40D5-AA4B-AD5BC4A8324F}" type="pres">
+      <dgm:prSet presAssocID="{F73D25D0-5041-4A2B-974C-E5DC6CA0EC86}" presName="vertTwo" presStyleCnt="0"/>
       <dgm:spPr/>
     </dgm:pt>
-    <dgm:pt modelId="{31324F9D-FD66-4093-927B-F7872C9DBB80}" type="pres">
-      <dgm:prSet presAssocID="{5489887C-8938-4F2E-948E-210211000A01}" presName="hierRoot2" presStyleCnt="0">
-        <dgm:presLayoutVars>
-          <dgm:hierBranch val="init"/>
-        </dgm:presLayoutVars>
-      </dgm:prSet>
-      <dgm:spPr/>
-    </dgm:pt>
-    <dgm:pt modelId="{65FD8D86-7651-42E3-9CA2-E70DE04DDB36}" type="pres">
-      <dgm:prSet presAssocID="{5489887C-8938-4F2E-948E-210211000A01}" presName="rootComposite" presStyleCnt="0"/>
-      <dgm:spPr/>
-    </dgm:pt>
-    <dgm:pt modelId="{A1201F8A-26BB-4C8B-8C01-EBB5EDE60F47}" type="pres">
-      <dgm:prSet presAssocID="{5489887C-8938-4F2E-948E-210211000A01}" presName="rootText" presStyleLbl="node3" presStyleIdx="2" presStyleCnt="4">
+    <dgm:pt modelId="{8AADE217-201E-4DDC-ADDA-787E0AF61F02}" type="pres">
+      <dgm:prSet presAssocID="{F73D25D0-5041-4A2B-974C-E5DC6CA0EC86}" presName="txTwo" presStyleLbl="node2" presStyleIdx="2" presStyleCnt="4">
         <dgm:presLayoutVars>
           <dgm:chPref val="3"/>
         </dgm:presLayoutVars>
       </dgm:prSet>
       <dgm:spPr/>
     </dgm:pt>
-    <dgm:pt modelId="{58DC4AC7-E829-410C-AF42-036D3B2A3738}" type="pres">
-      <dgm:prSet presAssocID="{5489887C-8938-4F2E-948E-210211000A01}" presName="rootConnector" presStyleLbl="node3" presStyleIdx="2" presStyleCnt="4"/>
+    <dgm:pt modelId="{5FC80247-F558-4494-80D5-7CA64252C0AE}" type="pres">
+      <dgm:prSet presAssocID="{F73D25D0-5041-4A2B-974C-E5DC6CA0EC86}" presName="parTransTwo" presStyleCnt="0"/>
       <dgm:spPr/>
     </dgm:pt>
-    <dgm:pt modelId="{680735C4-112A-40B1-A9C1-9C223E674718}" type="pres">
-      <dgm:prSet presAssocID="{5489887C-8938-4F2E-948E-210211000A01}" presName="hierChild4" presStyleCnt="0"/>
+    <dgm:pt modelId="{9B4C33C6-53E9-4038-8865-04E7A836F3F5}" type="pres">
+      <dgm:prSet presAssocID="{F73D25D0-5041-4A2B-974C-E5DC6CA0EC86}" presName="horzTwo" presStyleCnt="0"/>
       <dgm:spPr/>
     </dgm:pt>
-    <dgm:pt modelId="{6B6AFBB0-31A2-4E4F-960D-324F6F4C5961}" type="pres">
-      <dgm:prSet presAssocID="{5489887C-8938-4F2E-948E-210211000A01}" presName="hierChild5" presStyleCnt="0"/>
+    <dgm:pt modelId="{4A68B6E5-2D4A-45D2-8E08-A9506570C5A3}" type="pres">
+      <dgm:prSet presAssocID="{5489887C-8938-4F2E-948E-210211000A01}" presName="vertThree" presStyleCnt="0"/>
       <dgm:spPr/>
     </dgm:pt>
-    <dgm:pt modelId="{778567A7-AA4D-49EB-BB4A-FB5C15D9BCEA}" type="pres">
-      <dgm:prSet presAssocID="{473A097E-7FA1-42C7-A378-0A1D24C0B265}" presName="Name37" presStyleLbl="parChTrans1D3" presStyleIdx="3" presStyleCnt="4"/>
-      <dgm:spPr/>
-    </dgm:pt>
-    <dgm:pt modelId="{9BFE859F-8930-4970-A7A1-F76145973FC9}" type="pres">
-      <dgm:prSet presAssocID="{9064DEF8-A810-4F02-B25F-491B16AF9F09}" presName="hierRoot2" presStyleCnt="0">
-        <dgm:presLayoutVars>
-          <dgm:hierBranch val="init"/>
-        </dgm:presLayoutVars>
-      </dgm:prSet>
-      <dgm:spPr/>
-    </dgm:pt>
-    <dgm:pt modelId="{2BC38B9C-4F7F-48E5-9E7E-B5244ECAE80E}" type="pres">
-      <dgm:prSet presAssocID="{9064DEF8-A810-4F02-B25F-491B16AF9F09}" presName="rootComposite" presStyleCnt="0"/>
-      <dgm:spPr/>
-    </dgm:pt>
-    <dgm:pt modelId="{3708C7D8-94D8-4FDF-8A09-CBD0C88345BB}" type="pres">
-      <dgm:prSet presAssocID="{9064DEF8-A810-4F02-B25F-491B16AF9F09}" presName="rootText" presStyleLbl="node3" presStyleIdx="3" presStyleCnt="4">
+    <dgm:pt modelId="{F10B9C03-1045-450C-BE15-CB9A01E7B89B}" type="pres">
+      <dgm:prSet presAssocID="{5489887C-8938-4F2E-948E-210211000A01}" presName="txThree" presStyleLbl="node3" presStyleIdx="3" presStyleCnt="4">
         <dgm:presLayoutVars>
           <dgm:chPref val="3"/>
         </dgm:presLayoutVars>
       </dgm:prSet>
       <dgm:spPr/>
     </dgm:pt>
-    <dgm:pt modelId="{493ADC3A-8767-4D1D-9AC1-BEC87C732976}" type="pres">
-      <dgm:prSet presAssocID="{9064DEF8-A810-4F02-B25F-491B16AF9F09}" presName="rootConnector" presStyleLbl="node3" presStyleIdx="3" presStyleCnt="4"/>
+    <dgm:pt modelId="{9B682BB5-EBBB-4A74-AAB8-C8AE17CEF10F}" type="pres">
+      <dgm:prSet presAssocID="{5489887C-8938-4F2E-948E-210211000A01}" presName="horzThree" presStyleCnt="0"/>
       <dgm:spPr/>
     </dgm:pt>
-    <dgm:pt modelId="{81B87B6F-DB3A-4CB1-865E-C47AADDDDB7A}" type="pres">
-      <dgm:prSet presAssocID="{9064DEF8-A810-4F02-B25F-491B16AF9F09}" presName="hierChild4" presStyleCnt="0"/>
+    <dgm:pt modelId="{C9D6FB85-D03E-4F9A-B5B3-AEEC67C91AFC}" type="pres">
+      <dgm:prSet presAssocID="{2F896BC7-9C64-420B-8F8C-49A7FE18CBB4}" presName="sibSpaceTwo" presStyleCnt="0"/>
       <dgm:spPr/>
     </dgm:pt>
-    <dgm:pt modelId="{52AF9E82-4D4A-48F9-87C9-5612BC09DF7A}" type="pres">
-      <dgm:prSet presAssocID="{9064DEF8-A810-4F02-B25F-491B16AF9F09}" presName="hierChild5" presStyleCnt="0"/>
+    <dgm:pt modelId="{C6FD61F2-0DAA-4610-A2AC-BE6653F5B0E2}" type="pres">
+      <dgm:prSet presAssocID="{9064DEF8-A810-4F02-B25F-491B16AF9F09}" presName="vertTwo" presStyleCnt="0"/>
       <dgm:spPr/>
     </dgm:pt>
-    <dgm:pt modelId="{A67B1B18-1647-4C3B-94DA-27A719C373CE}" type="pres">
-      <dgm:prSet presAssocID="{F73D25D0-5041-4A2B-974C-E5DC6CA0EC86}" presName="hierChild5" presStyleCnt="0"/>
-      <dgm:spPr/>
-    </dgm:pt>
-    <dgm:pt modelId="{250087E2-7F46-4B17-AB97-1E9597137CA6}" type="pres">
-      <dgm:prSet presAssocID="{00BBFF42-7A93-481F-937E-0847C70A93A5}" presName="hierChild3" presStyleCnt="0"/>
-      <dgm:spPr/>
-    </dgm:pt>
-    <dgm:pt modelId="{84072DF8-A0DE-43AF-A507-632F848ABE32}" type="pres">
-      <dgm:prSet presAssocID="{D4B143AD-C352-4FCF-B092-367314A031AF}" presName="hierRoot1" presStyleCnt="0">
-        <dgm:presLayoutVars>
-          <dgm:hierBranch val="init"/>
-        </dgm:presLayoutVars>
-      </dgm:prSet>
-      <dgm:spPr/>
-    </dgm:pt>
-    <dgm:pt modelId="{59BB6C4A-8DFE-40E9-818D-91C926278F13}" type="pres">
-      <dgm:prSet presAssocID="{D4B143AD-C352-4FCF-B092-367314A031AF}" presName="rootComposite1" presStyleCnt="0"/>
-      <dgm:spPr/>
-    </dgm:pt>
-    <dgm:pt modelId="{F6C858FB-85BC-4E05-836D-3E1B4990E461}" type="pres">
-      <dgm:prSet presAssocID="{D4B143AD-C352-4FCF-B092-367314A031AF}" presName="rootText1" presStyleLbl="node0" presStyleIdx="1" presStyleCnt="2">
+    <dgm:pt modelId="{A1B4FFEF-3E00-452D-9846-82DBFBC5348B}" type="pres">
+      <dgm:prSet presAssocID="{9064DEF8-A810-4F02-B25F-491B16AF9F09}" presName="txTwo" presStyleLbl="node2" presStyleIdx="3" presStyleCnt="4">
         <dgm:presLayoutVars>
           <dgm:chPref val="3"/>
         </dgm:presLayoutVars>
       </dgm:prSet>
       <dgm:spPr/>
     </dgm:pt>
-    <dgm:pt modelId="{454ABA71-4EF6-4580-A00E-AEE37FDEFCA1}" type="pres">
-      <dgm:prSet presAssocID="{D4B143AD-C352-4FCF-B092-367314A031AF}" presName="rootConnector1" presStyleLbl="node1" presStyleIdx="0" presStyleCnt="0"/>
+    <dgm:pt modelId="{BFDBF08D-0D2A-4D8B-A894-B7D8BA9C32A9}" type="pres">
+      <dgm:prSet presAssocID="{9064DEF8-A810-4F02-B25F-491B16AF9F09}" presName="horzTwo" presStyleCnt="0"/>
       <dgm:spPr/>
     </dgm:pt>
-    <dgm:pt modelId="{0F3989D6-0410-4FFB-ACAB-DB370F7AD05E}" type="pres">
-      <dgm:prSet presAssocID="{D4B143AD-C352-4FCF-B092-367314A031AF}" presName="hierChild2" presStyleCnt="0"/>
+    <dgm:pt modelId="{4E77AD66-1FFD-4A37-AC11-CFDEA8BC7E52}" type="pres">
+      <dgm:prSet presAssocID="{0982E9EA-77F6-434B-BA3F-E3D53FCB5B2D}" presName="sibSpaceOne" presStyleCnt="0"/>
       <dgm:spPr/>
     </dgm:pt>
-    <dgm:pt modelId="{7E333A67-9A1F-40DC-80BA-F9E9D5B0309E}" type="pres">
-      <dgm:prSet presAssocID="{D4B143AD-C352-4FCF-B092-367314A031AF}" presName="hierChild3" presStyleCnt="0"/>
+    <dgm:pt modelId="{40DB67FB-5123-4C5F-BF0E-81C81E8D91C5}" type="pres">
+      <dgm:prSet presAssocID="{D4B143AD-C352-4FCF-B092-367314A031AF}" presName="vertOne" presStyleCnt="0"/>
+      <dgm:spPr/>
+    </dgm:pt>
+    <dgm:pt modelId="{1A8168E8-91B6-418D-BF35-B080EB8F3A33}" type="pres">
+      <dgm:prSet presAssocID="{D4B143AD-C352-4FCF-B092-367314A031AF}" presName="txOne" presStyleLbl="node0" presStyleIdx="1" presStyleCnt="2">
+        <dgm:presLayoutVars>
+          <dgm:chPref val="3"/>
+        </dgm:presLayoutVars>
+      </dgm:prSet>
+      <dgm:spPr/>
+    </dgm:pt>
+    <dgm:pt modelId="{A8AE032B-D607-4E7D-873A-573B8ED6D5FE}" type="pres">
+      <dgm:prSet presAssocID="{D4B143AD-C352-4FCF-B092-367314A031AF}" presName="horzOne" presStyleCnt="0"/>
       <dgm:spPr/>
     </dgm:pt>
   </dgm:ptLst>
   <dgm:cxnLst>
-    <dgm:cxn modelId="{F5CDFE01-DB8D-4772-9127-94B9BD1A68E1}" type="presOf" srcId="{5489887C-8938-4F2E-948E-210211000A01}" destId="{A1201F8A-26BB-4C8B-8C01-EBB5EDE60F47}" srcOrd="0" destOrd="0" presId="urn:microsoft.com/office/officeart/2005/8/layout/orgChart1"/>
-    <dgm:cxn modelId="{AC3D910A-86EB-41D2-95E4-09C953B7F70A}" type="presOf" srcId="{934EA749-63E7-44D8-A2CD-01045D7ED715}" destId="{BF099527-4E62-4A18-B686-44C65FB15A0F}" srcOrd="0" destOrd="0" presId="urn:microsoft.com/office/officeart/2005/8/layout/orgChart1"/>
-    <dgm:cxn modelId="{794A8A0B-CEA8-40F7-8CA6-6363E995D485}" type="presOf" srcId="{00BBFF42-7A93-481F-937E-0847C70A93A5}" destId="{99FA4E85-81DC-4E4D-A65D-D4D0F93028A0}" srcOrd="0" destOrd="0" presId="urn:microsoft.com/office/officeart/2005/8/layout/orgChart1"/>
-    <dgm:cxn modelId="{D83B6310-567D-4CAD-B861-7A557BDEF074}" type="presOf" srcId="{9064DEF8-A810-4F02-B25F-491B16AF9F09}" destId="{493ADC3A-8767-4D1D-9AC1-BEC87C732976}" srcOrd="1" destOrd="0" presId="urn:microsoft.com/office/officeart/2005/8/layout/orgChart1"/>
-    <dgm:cxn modelId="{7EBB0D15-988E-44C9-A86C-88C02D02C553}" type="presOf" srcId="{00BBFF42-7A93-481F-937E-0847C70A93A5}" destId="{AC7634B8-6EB3-4974-934B-6FCF14FC5EE2}" srcOrd="1" destOrd="0" presId="urn:microsoft.com/office/officeart/2005/8/layout/orgChart1"/>
-    <dgm:cxn modelId="{AA8C3415-93A1-415A-A54A-189AC2EE5680}" srcId="{F73D25D0-5041-4A2B-974C-E5DC6CA0EC86}" destId="{9064DEF8-A810-4F02-B25F-491B16AF9F09}" srcOrd="1" destOrd="0" parTransId="{473A097E-7FA1-42C7-A378-0A1D24C0B265}" sibTransId="{902AEC00-05DF-4D97-A611-15DB1F77DDB5}"/>
+    <dgm:cxn modelId="{AA8C3415-93A1-415A-A54A-189AC2EE5680}" srcId="{00BBFF42-7A93-481F-937E-0847C70A93A5}" destId="{9064DEF8-A810-4F02-B25F-491B16AF9F09}" srcOrd="3" destOrd="0" parTransId="{473A097E-7FA1-42C7-A378-0A1D24C0B265}" sibTransId="{902AEC00-05DF-4D97-A611-15DB1F77DDB5}"/>
+    <dgm:cxn modelId="{81532516-0191-48B9-BED6-C5FD40DBB53D}" srcId="{FAC6CDBC-2C02-414D-9CDB-EE12D26C9FC6}" destId="{5C708CE8-57E6-4A0C-B531-12EF1DB32383}" srcOrd="1" destOrd="0" parTransId="{16F75829-2AD2-49C6-A4A2-2E66723257E1}" sibTransId="{E74460A5-FFC6-445F-8B31-74F083739AC7}"/>
     <dgm:cxn modelId="{2059AA1D-4982-4669-8754-DF08DEAE122A}" srcId="{732B20B4-39B9-46AA-A3D6-34EFC46A65B7}" destId="{1B5F3F71-AE75-4706-997B-3F74E92FAF45}" srcOrd="0" destOrd="0" parTransId="{48227871-3F8A-4030-91C9-9F5835768F1B}" sibTransId="{0FE7F655-0716-4BAC-9BAD-7B466D2A8FE5}"/>
-    <dgm:cxn modelId="{96406720-EAFE-4C0D-85E9-1354B6871E22}" type="presOf" srcId="{9064DEF8-A810-4F02-B25F-491B16AF9F09}" destId="{3708C7D8-94D8-4FDF-8A09-CBD0C88345BB}" srcOrd="0" destOrd="0" presId="urn:microsoft.com/office/officeart/2005/8/layout/orgChart1"/>
-    <dgm:cxn modelId="{77E1BE2F-B40D-4F50-9CDE-C98663780245}" type="presOf" srcId="{732B20B4-39B9-46AA-A3D6-34EFC46A65B7}" destId="{102EEC43-5DFD-4721-BD50-C07D3B3CB77D}" srcOrd="0" destOrd="0" presId="urn:microsoft.com/office/officeart/2005/8/layout/orgChart1"/>
-    <dgm:cxn modelId="{9B3F3338-0588-4C7D-8FF1-B56D4CF3107C}" type="presOf" srcId="{BF7B27F5-0556-467C-AE9B-58F697AAE3E2}" destId="{C61E8997-7F4A-4AE0-9611-3F593B12637D}" srcOrd="0" destOrd="0" presId="urn:microsoft.com/office/officeart/2005/8/layout/orgChart1"/>
-    <dgm:cxn modelId="{485E2341-7F09-4795-933C-AB6D8A9A87C3}" type="presOf" srcId="{BF7B27F5-0556-467C-AE9B-58F697AAE3E2}" destId="{85E412FB-6D7B-4D0C-92D2-ED29065DDD90}" srcOrd="1" destOrd="0" presId="urn:microsoft.com/office/officeart/2005/8/layout/orgChart1"/>
-    <dgm:cxn modelId="{2AE9CD47-5313-4656-8210-1FE99CCE4EDD}" type="presOf" srcId="{B2365749-8760-4291-85E1-2037986A7092}" destId="{37D48ECB-1E8E-4A73-B9B3-D4510EB29FD9}" srcOrd="0" destOrd="0" presId="urn:microsoft.com/office/officeart/2005/8/layout/orgChart1"/>
-    <dgm:cxn modelId="{5C029C69-E182-46D7-AF06-54E6BFE05446}" type="presOf" srcId="{5489887C-8938-4F2E-948E-210211000A01}" destId="{58DC4AC7-E829-410C-AF42-036D3B2A3738}" srcOrd="1" destOrd="0" presId="urn:microsoft.com/office/officeart/2005/8/layout/orgChart1"/>
+    <dgm:cxn modelId="{E6B4FB28-2A5C-47FC-BA30-9216F9D3C2A6}" type="presOf" srcId="{5C708CE8-57E6-4A0C-B531-12EF1DB32383}" destId="{452E2428-BA60-4353-93D1-F3E5AEFDC879}" srcOrd="0" destOrd="0" presId="urn:microsoft.com/office/officeart/2005/8/layout/hierarchy4"/>
+    <dgm:cxn modelId="{2A411540-98BF-4472-9CA9-8CB0DB2374BB}" type="presOf" srcId="{FAC6CDBC-2C02-414D-9CDB-EE12D26C9FC6}" destId="{B398A156-90CA-4A8F-810A-2CC337503166}" srcOrd="0" destOrd="0" presId="urn:microsoft.com/office/officeart/2005/8/layout/hierarchy4"/>
+    <dgm:cxn modelId="{D2E91064-60D1-41B1-9709-3C8DF99BB229}" type="presOf" srcId="{5489887C-8938-4F2E-948E-210211000A01}" destId="{F10B9C03-1045-450C-BE15-CB9A01E7B89B}" srcOrd="0" destOrd="0" presId="urn:microsoft.com/office/officeart/2005/8/layout/hierarchy4"/>
+    <dgm:cxn modelId="{428EEB4E-00E0-46F4-8D7F-BD0D5BC13AE5}" type="presOf" srcId="{B2365749-8760-4291-85E1-2037986A7092}" destId="{4BD7EC80-85F3-427E-BC12-0D8F40B5BA56}" srcOrd="0" destOrd="0" presId="urn:microsoft.com/office/officeart/2005/8/layout/hierarchy4"/>
     <dgm:cxn modelId="{91D59C57-0258-4084-A730-1E83F5B68B3D}" srcId="{00BBFF42-7A93-481F-937E-0847C70A93A5}" destId="{732B20B4-39B9-46AA-A3D6-34EFC46A65B7}" srcOrd="1" destOrd="0" parTransId="{76B22C52-4D2A-4A19-B8ED-E0E5D9B32520}" sibTransId="{E34E2206-7CB4-446C-B36F-054BFB1E14D3}"/>
-    <dgm:cxn modelId="{6019DF8D-26C2-48E7-9A15-A7C223A5055D}" type="presOf" srcId="{FAC6CDBC-2C02-414D-9CDB-EE12D26C9FC6}" destId="{82E289C7-F4A1-4325-895E-2B2DC9B3ACA0}" srcOrd="1" destOrd="0" presId="urn:microsoft.com/office/officeart/2005/8/layout/orgChart1"/>
-    <dgm:cxn modelId="{B9F925A1-8918-49A6-BBF8-28606CACD3E3}" type="presOf" srcId="{1B5F3F71-AE75-4706-997B-3F74E92FAF45}" destId="{5F675612-2F39-455F-BBA2-9FB87721620C}" srcOrd="0" destOrd="0" presId="urn:microsoft.com/office/officeart/2005/8/layout/orgChart1"/>
-    <dgm:cxn modelId="{0107F8A1-B883-4529-B479-7396411FEA08}" type="presOf" srcId="{F73D25D0-5041-4A2B-974C-E5DC6CA0EC86}" destId="{9427073D-523A-414B-8333-31CD6FA992C2}" srcOrd="0" destOrd="0" presId="urn:microsoft.com/office/officeart/2005/8/layout/orgChart1"/>
-    <dgm:cxn modelId="{DE6B4DAA-68B1-4489-A946-6E9001CE3466}" type="presOf" srcId="{D4B143AD-C352-4FCF-B092-367314A031AF}" destId="{454ABA71-4EF6-4580-A00E-AEE37FDEFCA1}" srcOrd="1" destOrd="0" presId="urn:microsoft.com/office/officeart/2005/8/layout/orgChart1"/>
+    <dgm:cxn modelId="{CA6B4E7E-BC19-45A2-A8E4-421989621DF4}" type="presOf" srcId="{00BBFF42-7A93-481F-937E-0847C70A93A5}" destId="{2562A761-AAAB-49CA-B44C-3A26863901E5}" srcOrd="0" destOrd="0" presId="urn:microsoft.com/office/officeart/2005/8/layout/hierarchy4"/>
+    <dgm:cxn modelId="{0B31BF8A-AC31-4E81-875E-E8BF9D180F0A}" type="presOf" srcId="{F73D25D0-5041-4A2B-974C-E5DC6CA0EC86}" destId="{8AADE217-201E-4DDC-ADDA-787E0AF61F02}" srcOrd="0" destOrd="0" presId="urn:microsoft.com/office/officeart/2005/8/layout/hierarchy4"/>
+    <dgm:cxn modelId="{7A8D809C-53BD-4A9E-B4B8-C567D2F76920}" type="presOf" srcId="{732B20B4-39B9-46AA-A3D6-34EFC46A65B7}" destId="{ACADEBCA-98F3-40BB-AC69-9633312B7D78}" srcOrd="0" destOrd="0" presId="urn:microsoft.com/office/officeart/2005/8/layout/hierarchy4"/>
+    <dgm:cxn modelId="{1C930FA0-6AEC-45E5-86E5-1AEAFBC3361F}" type="presOf" srcId="{1B5F3F71-AE75-4706-997B-3F74E92FAF45}" destId="{261243F7-1EA0-4615-A2A9-F8E5EEFE1B81}" srcOrd="0" destOrd="0" presId="urn:microsoft.com/office/officeart/2005/8/layout/hierarchy4"/>
+    <dgm:cxn modelId="{2CBDEDA7-0056-4A30-B51A-56D09502A91B}" type="presOf" srcId="{9064DEF8-A810-4F02-B25F-491B16AF9F09}" destId="{A1B4FFEF-3E00-452D-9846-82DBFBC5348B}" srcOrd="0" destOrd="0" presId="urn:microsoft.com/office/officeart/2005/8/layout/hierarchy4"/>
     <dgm:cxn modelId="{B135B9AB-2DAF-4D7A-BAB4-13F1A20397FE}" srcId="{B2365749-8760-4291-85E1-2037986A7092}" destId="{00BBFF42-7A93-481F-937E-0847C70A93A5}" srcOrd="0" destOrd="0" parTransId="{0D2175AB-6273-4620-8E27-3CE801D69289}" sibTransId="{0982E9EA-77F6-434B-BA3F-E3D53FCB5B2D}"/>
-    <dgm:cxn modelId="{501C93AE-6C05-4923-A4B0-836FE7213BE2}" type="presOf" srcId="{732B20B4-39B9-46AA-A3D6-34EFC46A65B7}" destId="{F42F4B88-26CA-4C56-BBDD-F30AADB6FCEE}" srcOrd="1" destOrd="0" presId="urn:microsoft.com/office/officeart/2005/8/layout/orgChart1"/>
     <dgm:cxn modelId="{89CD53C7-F3B4-4592-951E-76BB75A51971}" srcId="{B2365749-8760-4291-85E1-2037986A7092}" destId="{D4B143AD-C352-4FCF-B092-367314A031AF}" srcOrd="1" destOrd="0" parTransId="{4B2B815C-08B2-44B2-9AAD-B06F7B8D74AE}" sibTransId="{0A929A93-A239-46F3-9339-03C1F147B180}"/>
-    <dgm:cxn modelId="{5FB0DFC8-9899-46B4-A1BD-42B2E5BB7022}" type="presOf" srcId="{D4B143AD-C352-4FCF-B092-367314A031AF}" destId="{F6C858FB-85BC-4E05-836D-3E1B4990E461}" srcOrd="0" destOrd="0" presId="urn:microsoft.com/office/officeart/2005/8/layout/orgChart1"/>
-    <dgm:cxn modelId="{1C3124C9-23A7-4073-B829-B7F644B63862}" type="presOf" srcId="{473A097E-7FA1-42C7-A378-0A1D24C0B265}" destId="{778567A7-AA4D-49EB-BB4A-FB5C15D9BCEA}" srcOrd="0" destOrd="0" presId="urn:microsoft.com/office/officeart/2005/8/layout/orgChart1"/>
-    <dgm:cxn modelId="{F1879EC9-7439-4187-910C-33A83D750D5F}" type="presOf" srcId="{1B5F3F71-AE75-4706-997B-3F74E92FAF45}" destId="{5ABBD23D-DA05-4FFC-A932-0A91534B4C57}" srcOrd="1" destOrd="0" presId="urn:microsoft.com/office/officeart/2005/8/layout/orgChart1"/>
-    <dgm:cxn modelId="{789685CE-7C9E-454B-AFF6-B9737558D12C}" type="presOf" srcId="{6B7741F0-1DC3-41FD-814C-766428F447B7}" destId="{64E1B90A-B90F-41C2-B8ED-466D14DB5D78}" srcOrd="0" destOrd="0" presId="urn:microsoft.com/office/officeart/2005/8/layout/orgChart1"/>
-    <dgm:cxn modelId="{8C5A25CF-901A-4905-A39A-BEDDFBC19774}" type="presOf" srcId="{F73D25D0-5041-4A2B-974C-E5DC6CA0EC86}" destId="{B8898634-43FB-44DE-AE51-E661D29674B6}" srcOrd="1" destOrd="0" presId="urn:microsoft.com/office/officeart/2005/8/layout/orgChart1"/>
+    <dgm:cxn modelId="{EC8039CD-CC1C-430D-941F-EEDF269FCA39}" type="presOf" srcId="{BF7B27F5-0556-467C-AE9B-58F697AAE3E2}" destId="{C943332F-98E4-43B4-99D7-A4C6438397DF}" srcOrd="0" destOrd="0" presId="urn:microsoft.com/office/officeart/2005/8/layout/hierarchy4"/>
     <dgm:cxn modelId="{CA1322DA-6E1F-4264-8678-9CA787493155}" srcId="{00BBFF42-7A93-481F-937E-0847C70A93A5}" destId="{FAC6CDBC-2C02-414D-9CDB-EE12D26C9FC6}" srcOrd="0" destOrd="0" parTransId="{A0807AA7-60E8-42BF-B0CB-D735E2748A0C}" sibTransId="{D71904A9-DDA3-4A79-97BB-B1AB6C3C39EC}"/>
-    <dgm:cxn modelId="{43776FDE-DE25-467B-82C4-DFD5D67CF2E4}" type="presOf" srcId="{6BC72DAE-4978-4ACA-9731-D808B27B9232}" destId="{4739B041-4F2C-4BE5-937B-62C72DA93F26}" srcOrd="0" destOrd="0" presId="urn:microsoft.com/office/officeart/2005/8/layout/orgChart1"/>
     <dgm:cxn modelId="{38C001E0-3586-43C7-855D-2C33E2083B61}" srcId="{F73D25D0-5041-4A2B-974C-E5DC6CA0EC86}" destId="{5489887C-8938-4F2E-948E-210211000A01}" srcOrd="0" destOrd="0" parTransId="{6BC72DAE-4978-4ACA-9731-D808B27B9232}" sibTransId="{E9BD7FE9-A771-4304-BD2A-A1A0B1B36D55}"/>
-    <dgm:cxn modelId="{A35AA3F1-C0BE-4484-934B-AD3AD433771E}" type="presOf" srcId="{76B22C52-4D2A-4A19-B8ED-E0E5D9B32520}" destId="{4C631FAE-DD42-4FD5-B6BB-224690EB2D32}" srcOrd="0" destOrd="0" presId="urn:microsoft.com/office/officeart/2005/8/layout/orgChart1"/>
-    <dgm:cxn modelId="{512B35F8-D4CF-4882-B183-7DDCD884E711}" type="presOf" srcId="{A0807AA7-60E8-42BF-B0CB-D735E2748A0C}" destId="{8B4B8631-2C1F-4B38-92B8-4475AF0EC457}" srcOrd="0" destOrd="0" presId="urn:microsoft.com/office/officeart/2005/8/layout/orgChart1"/>
-    <dgm:cxn modelId="{721A99F9-D3F6-4983-9A38-BBED02CF0D48}" type="presOf" srcId="{FAC6CDBC-2C02-414D-9CDB-EE12D26C9FC6}" destId="{C1D4CE90-245A-4C18-940D-82E92D3A70DD}" srcOrd="0" destOrd="0" presId="urn:microsoft.com/office/officeart/2005/8/layout/orgChart1"/>
+    <dgm:cxn modelId="{BAB03DF2-CC45-4A87-80E0-55F329A6E60F}" type="presOf" srcId="{D4B143AD-C352-4FCF-B092-367314A031AF}" destId="{1A8168E8-91B6-418D-BF35-B080EB8F3A33}" srcOrd="0" destOrd="0" presId="urn:microsoft.com/office/officeart/2005/8/layout/hierarchy4"/>
     <dgm:cxn modelId="{515654FD-FE5C-405B-9B28-8BA9AB07EB8C}" srcId="{FAC6CDBC-2C02-414D-9CDB-EE12D26C9FC6}" destId="{BF7B27F5-0556-467C-AE9B-58F697AAE3E2}" srcOrd="0" destOrd="0" parTransId="{934EA749-63E7-44D8-A2CD-01045D7ED715}" sibTransId="{F32B90EB-1F86-4725-A511-7866BE2D1F16}"/>
-    <dgm:cxn modelId="{770A1EFF-9E41-478B-B3C9-2D25C0E2E1A1}" type="presOf" srcId="{48227871-3F8A-4030-91C9-9F5835768F1B}" destId="{14A310ED-58A5-48B0-9CD0-7FE82B4B5503}" srcOrd="0" destOrd="0" presId="urn:microsoft.com/office/officeart/2005/8/layout/orgChart1"/>
     <dgm:cxn modelId="{83C25DFF-F2DC-44C9-87C8-AC1EF7C82C00}" srcId="{00BBFF42-7A93-481F-937E-0847C70A93A5}" destId="{F73D25D0-5041-4A2B-974C-E5DC6CA0EC86}" srcOrd="2" destOrd="0" parTransId="{6B7741F0-1DC3-41FD-814C-766428F447B7}" sibTransId="{2F896BC7-9C64-420B-8F8C-49A7FE18CBB4}"/>
-    <dgm:cxn modelId="{6D5C134F-85FF-45DD-8383-AF3136E4C823}" type="presParOf" srcId="{37D48ECB-1E8E-4A73-B9B3-D4510EB29FD9}" destId="{B55A844E-B9A3-478D-870F-FA2EE44F9DF8}" srcOrd="0" destOrd="0" presId="urn:microsoft.com/office/officeart/2005/8/layout/orgChart1"/>
-    <dgm:cxn modelId="{BBC87331-8F06-4F09-BE85-295F14E11AC5}" type="presParOf" srcId="{B55A844E-B9A3-478D-870F-FA2EE44F9DF8}" destId="{CF438BD2-A8D8-4F85-ACAB-9B6EA6F39805}" srcOrd="0" destOrd="0" presId="urn:microsoft.com/office/officeart/2005/8/layout/orgChart1"/>
-    <dgm:cxn modelId="{6F1CA752-A44D-4FAE-9D7B-2993A4F3FFE5}" type="presParOf" srcId="{CF438BD2-A8D8-4F85-ACAB-9B6EA6F39805}" destId="{99FA4E85-81DC-4E4D-A65D-D4D0F93028A0}" srcOrd="0" destOrd="0" presId="urn:microsoft.com/office/officeart/2005/8/layout/orgChart1"/>
-    <dgm:cxn modelId="{BBA0CB04-8800-4AC3-8B03-B391110728C8}" type="presParOf" srcId="{CF438BD2-A8D8-4F85-ACAB-9B6EA6F39805}" destId="{AC7634B8-6EB3-4974-934B-6FCF14FC5EE2}" srcOrd="1" destOrd="0" presId="urn:microsoft.com/office/officeart/2005/8/layout/orgChart1"/>
-    <dgm:cxn modelId="{E0B70299-CCC5-4BD3-A1FC-C11092D65F42}" type="presParOf" srcId="{B55A844E-B9A3-478D-870F-FA2EE44F9DF8}" destId="{8E0A66B1-825F-4CC8-8E75-45A3262D1AA7}" srcOrd="1" destOrd="0" presId="urn:microsoft.com/office/officeart/2005/8/layout/orgChart1"/>
-    <dgm:cxn modelId="{DB4CA452-E2DF-41C7-9BF1-EDBC2459B48E}" type="presParOf" srcId="{8E0A66B1-825F-4CC8-8E75-45A3262D1AA7}" destId="{8B4B8631-2C1F-4B38-92B8-4475AF0EC457}" srcOrd="0" destOrd="0" presId="urn:microsoft.com/office/officeart/2005/8/layout/orgChart1"/>
-    <dgm:cxn modelId="{A8982083-12EB-4A99-B161-DFD81207BFCE}" type="presParOf" srcId="{8E0A66B1-825F-4CC8-8E75-45A3262D1AA7}" destId="{7DFFB63A-C85E-4CEE-9706-2C09AF08B9DD}" srcOrd="1" destOrd="0" presId="urn:microsoft.com/office/officeart/2005/8/layout/orgChart1"/>
-    <dgm:cxn modelId="{91FD767A-0F64-4313-93CD-BCCB23DBDBC8}" type="presParOf" srcId="{7DFFB63A-C85E-4CEE-9706-2C09AF08B9DD}" destId="{9AA8BC89-1D63-47E9-9EF2-FFAD00739B13}" srcOrd="0" destOrd="0" presId="urn:microsoft.com/office/officeart/2005/8/layout/orgChart1"/>
-    <dgm:cxn modelId="{C920C9F8-8CFC-4092-97F2-EDED864DC8A1}" type="presParOf" srcId="{9AA8BC89-1D63-47E9-9EF2-FFAD00739B13}" destId="{C1D4CE90-245A-4C18-940D-82E92D3A70DD}" srcOrd="0" destOrd="0" presId="urn:microsoft.com/office/officeart/2005/8/layout/orgChart1"/>
-    <dgm:cxn modelId="{5B2119B6-C759-4ADD-B462-B92F25F669F9}" type="presParOf" srcId="{9AA8BC89-1D63-47E9-9EF2-FFAD00739B13}" destId="{82E289C7-F4A1-4325-895E-2B2DC9B3ACA0}" srcOrd="1" destOrd="0" presId="urn:microsoft.com/office/officeart/2005/8/layout/orgChart1"/>
-    <dgm:cxn modelId="{3C18B2E2-5EC8-4416-9647-30F2C36E9B7A}" type="presParOf" srcId="{7DFFB63A-C85E-4CEE-9706-2C09AF08B9DD}" destId="{0A5A4228-EFBF-48AC-BFD2-1AE326928493}" srcOrd="1" destOrd="0" presId="urn:microsoft.com/office/officeart/2005/8/layout/orgChart1"/>
-    <dgm:cxn modelId="{F466ADDF-E2A6-4F50-976F-69BCCC7A820D}" type="presParOf" srcId="{0A5A4228-EFBF-48AC-BFD2-1AE326928493}" destId="{BF099527-4E62-4A18-B686-44C65FB15A0F}" srcOrd="0" destOrd="0" presId="urn:microsoft.com/office/officeart/2005/8/layout/orgChart1"/>
-    <dgm:cxn modelId="{2745977E-2A85-4609-848E-AF3C57199D30}" type="presParOf" srcId="{0A5A4228-EFBF-48AC-BFD2-1AE326928493}" destId="{ACAF74A3-8123-4B26-9D6C-894FC465CD9C}" srcOrd="1" destOrd="0" presId="urn:microsoft.com/office/officeart/2005/8/layout/orgChart1"/>
-    <dgm:cxn modelId="{4F4085B9-7765-40C6-A99A-F2678737E2EE}" type="presParOf" srcId="{ACAF74A3-8123-4B26-9D6C-894FC465CD9C}" destId="{952B6BF3-CE12-462B-A832-B33F2B117BDC}" srcOrd="0" destOrd="0" presId="urn:microsoft.com/office/officeart/2005/8/layout/orgChart1"/>
-    <dgm:cxn modelId="{9B788C9B-BFCA-4058-9707-896AE82048C6}" type="presParOf" srcId="{952B6BF3-CE12-462B-A832-B33F2B117BDC}" destId="{C61E8997-7F4A-4AE0-9611-3F593B12637D}" srcOrd="0" destOrd="0" presId="urn:microsoft.com/office/officeart/2005/8/layout/orgChart1"/>
-    <dgm:cxn modelId="{802C24D0-1D89-4B10-8B0B-0460FD6FC6F4}" type="presParOf" srcId="{952B6BF3-CE12-462B-A832-B33F2B117BDC}" destId="{85E412FB-6D7B-4D0C-92D2-ED29065DDD90}" srcOrd="1" destOrd="0" presId="urn:microsoft.com/office/officeart/2005/8/layout/orgChart1"/>
-    <dgm:cxn modelId="{90F58E38-032A-4D43-BAAC-C847B8004057}" type="presParOf" srcId="{ACAF74A3-8123-4B26-9D6C-894FC465CD9C}" destId="{3753937F-F012-43E0-9E2B-C233D47B71A3}" srcOrd="1" destOrd="0" presId="urn:microsoft.com/office/officeart/2005/8/layout/orgChart1"/>
-    <dgm:cxn modelId="{A90F1BAF-74A6-4B66-9CC8-A38D8BD42E8C}" type="presParOf" srcId="{ACAF74A3-8123-4B26-9D6C-894FC465CD9C}" destId="{68186B52-1A65-42DE-94EE-171D49BD595F}" srcOrd="2" destOrd="0" presId="urn:microsoft.com/office/officeart/2005/8/layout/orgChart1"/>
-    <dgm:cxn modelId="{13A6C3B0-2DDD-4C65-B8D1-464EE9191783}" type="presParOf" srcId="{7DFFB63A-C85E-4CEE-9706-2C09AF08B9DD}" destId="{06C0D8CA-28C6-40B6-AE8F-E9FE64110A1E}" srcOrd="2" destOrd="0" presId="urn:microsoft.com/office/officeart/2005/8/layout/orgChart1"/>
-    <dgm:cxn modelId="{02FA5009-D54F-4BC7-9ACB-F2991B89E2F9}" type="presParOf" srcId="{8E0A66B1-825F-4CC8-8E75-45A3262D1AA7}" destId="{4C631FAE-DD42-4FD5-B6BB-224690EB2D32}" srcOrd="2" destOrd="0" presId="urn:microsoft.com/office/officeart/2005/8/layout/orgChart1"/>
-    <dgm:cxn modelId="{55F7200B-C7BF-4BFE-935C-3B0A7275979F}" type="presParOf" srcId="{8E0A66B1-825F-4CC8-8E75-45A3262D1AA7}" destId="{CFF77EE1-C326-4990-B613-1BB657B0ADEF}" srcOrd="3" destOrd="0" presId="urn:microsoft.com/office/officeart/2005/8/layout/orgChart1"/>
-    <dgm:cxn modelId="{8F9DEF83-93E9-4034-B1BB-C82079CB63A2}" type="presParOf" srcId="{CFF77EE1-C326-4990-B613-1BB657B0ADEF}" destId="{09044890-FC54-42C1-8209-1434EE2A6BAB}" srcOrd="0" destOrd="0" presId="urn:microsoft.com/office/officeart/2005/8/layout/orgChart1"/>
-    <dgm:cxn modelId="{BF2DDC55-F3FC-40E6-ABAB-A749703BDAC1}" type="presParOf" srcId="{09044890-FC54-42C1-8209-1434EE2A6BAB}" destId="{102EEC43-5DFD-4721-BD50-C07D3B3CB77D}" srcOrd="0" destOrd="0" presId="urn:microsoft.com/office/officeart/2005/8/layout/orgChart1"/>
-    <dgm:cxn modelId="{908C7664-27FB-4A80-9DC0-4A8D272B6852}" type="presParOf" srcId="{09044890-FC54-42C1-8209-1434EE2A6BAB}" destId="{F42F4B88-26CA-4C56-BBDD-F30AADB6FCEE}" srcOrd="1" destOrd="0" presId="urn:microsoft.com/office/officeart/2005/8/layout/orgChart1"/>
-    <dgm:cxn modelId="{24849510-A1EA-4178-9ED5-DCC60A8EDCBB}" type="presParOf" srcId="{CFF77EE1-C326-4990-B613-1BB657B0ADEF}" destId="{29E860EF-FF7F-41EA-B52E-ED5497C53B87}" srcOrd="1" destOrd="0" presId="urn:microsoft.com/office/officeart/2005/8/layout/orgChart1"/>
-    <dgm:cxn modelId="{E247A43D-3D4F-4D26-815A-5166C1FAB5ED}" type="presParOf" srcId="{29E860EF-FF7F-41EA-B52E-ED5497C53B87}" destId="{14A310ED-58A5-48B0-9CD0-7FE82B4B5503}" srcOrd="0" destOrd="0" presId="urn:microsoft.com/office/officeart/2005/8/layout/orgChart1"/>
-    <dgm:cxn modelId="{A60A6295-DD3E-42DA-A876-E5E6A6C686A4}" type="presParOf" srcId="{29E860EF-FF7F-41EA-B52E-ED5497C53B87}" destId="{BDD10063-58BF-4FBF-95B9-E199EB6FABF0}" srcOrd="1" destOrd="0" presId="urn:microsoft.com/office/officeart/2005/8/layout/orgChart1"/>
-    <dgm:cxn modelId="{EAB6A1AC-9292-4B4A-8559-E35DBEB4B04E}" type="presParOf" srcId="{BDD10063-58BF-4FBF-95B9-E199EB6FABF0}" destId="{A15E9EFF-6CDA-49F6-A4D1-11E6256645FE}" srcOrd="0" destOrd="0" presId="urn:microsoft.com/office/officeart/2005/8/layout/orgChart1"/>
-    <dgm:cxn modelId="{0C3E139A-1F54-4773-A0B8-3F9339776936}" type="presParOf" srcId="{A15E9EFF-6CDA-49F6-A4D1-11E6256645FE}" destId="{5F675612-2F39-455F-BBA2-9FB87721620C}" srcOrd="0" destOrd="0" presId="urn:microsoft.com/office/officeart/2005/8/layout/orgChart1"/>
-    <dgm:cxn modelId="{8305D72C-F2C9-43ED-B6F8-63B8466BE437}" type="presParOf" srcId="{A15E9EFF-6CDA-49F6-A4D1-11E6256645FE}" destId="{5ABBD23D-DA05-4FFC-A932-0A91534B4C57}" srcOrd="1" destOrd="0" presId="urn:microsoft.com/office/officeart/2005/8/layout/orgChart1"/>
-    <dgm:cxn modelId="{2368CA48-FD21-4E4C-A049-D2E8FCA91A68}" type="presParOf" srcId="{BDD10063-58BF-4FBF-95B9-E199EB6FABF0}" destId="{7A2AF5C5-B554-4657-8663-B0EE7874EB96}" srcOrd="1" destOrd="0" presId="urn:microsoft.com/office/officeart/2005/8/layout/orgChart1"/>
-    <dgm:cxn modelId="{43DE5480-6180-4157-BB96-00A961D52D66}" type="presParOf" srcId="{BDD10063-58BF-4FBF-95B9-E199EB6FABF0}" destId="{9F690095-F364-4135-BE55-1B87CFC22970}" srcOrd="2" destOrd="0" presId="urn:microsoft.com/office/officeart/2005/8/layout/orgChart1"/>
-    <dgm:cxn modelId="{A8552F77-7945-4C6F-B730-7B09EEC868C6}" type="presParOf" srcId="{CFF77EE1-C326-4990-B613-1BB657B0ADEF}" destId="{A9D6541A-DE77-4490-907C-E1F0CA83EB89}" srcOrd="2" destOrd="0" presId="urn:microsoft.com/office/officeart/2005/8/layout/orgChart1"/>
-    <dgm:cxn modelId="{D4B30EFA-F921-42AC-9ACA-A42E34033580}" type="presParOf" srcId="{8E0A66B1-825F-4CC8-8E75-45A3262D1AA7}" destId="{64E1B90A-B90F-41C2-B8ED-466D14DB5D78}" srcOrd="4" destOrd="0" presId="urn:microsoft.com/office/officeart/2005/8/layout/orgChart1"/>
-    <dgm:cxn modelId="{F30640B1-C6D2-469C-9369-A922D0513861}" type="presParOf" srcId="{8E0A66B1-825F-4CC8-8E75-45A3262D1AA7}" destId="{BBACD5F6-8D84-47CE-87B4-E0787E148BA2}" srcOrd="5" destOrd="0" presId="urn:microsoft.com/office/officeart/2005/8/layout/orgChart1"/>
-    <dgm:cxn modelId="{BE50EC89-F295-49AD-9BCD-E0097F60816C}" type="presParOf" srcId="{BBACD5F6-8D84-47CE-87B4-E0787E148BA2}" destId="{BDBEFB1E-BBA3-474C-9CC1-D3889B415F59}" srcOrd="0" destOrd="0" presId="urn:microsoft.com/office/officeart/2005/8/layout/orgChart1"/>
-    <dgm:cxn modelId="{9A5FD290-9539-4298-B4D2-18F103EA9A76}" type="presParOf" srcId="{BDBEFB1E-BBA3-474C-9CC1-D3889B415F59}" destId="{9427073D-523A-414B-8333-31CD6FA992C2}" srcOrd="0" destOrd="0" presId="urn:microsoft.com/office/officeart/2005/8/layout/orgChart1"/>
-    <dgm:cxn modelId="{04C4B14D-B9DE-466C-9987-55EFF335ACF1}" type="presParOf" srcId="{BDBEFB1E-BBA3-474C-9CC1-D3889B415F59}" destId="{B8898634-43FB-44DE-AE51-E661D29674B6}" srcOrd="1" destOrd="0" presId="urn:microsoft.com/office/officeart/2005/8/layout/orgChart1"/>
-    <dgm:cxn modelId="{704B305C-F446-437D-A88E-77F621C37154}" type="presParOf" srcId="{BBACD5F6-8D84-47CE-87B4-E0787E148BA2}" destId="{C5B49DF4-0F10-4162-9D55-3672616200A3}" srcOrd="1" destOrd="0" presId="urn:microsoft.com/office/officeart/2005/8/layout/orgChart1"/>
-    <dgm:cxn modelId="{BD904972-1602-44DE-9101-7EC2ED89E46F}" type="presParOf" srcId="{C5B49DF4-0F10-4162-9D55-3672616200A3}" destId="{4739B041-4F2C-4BE5-937B-62C72DA93F26}" srcOrd="0" destOrd="0" presId="urn:microsoft.com/office/officeart/2005/8/layout/orgChart1"/>
-    <dgm:cxn modelId="{9DC60B8B-D54C-491D-B3F4-2EDC96C5213F}" type="presParOf" srcId="{C5B49DF4-0F10-4162-9D55-3672616200A3}" destId="{31324F9D-FD66-4093-927B-F7872C9DBB80}" srcOrd="1" destOrd="0" presId="urn:microsoft.com/office/officeart/2005/8/layout/orgChart1"/>
-    <dgm:cxn modelId="{C400E230-ED60-4FA4-9AB5-B61BDEAD3649}" type="presParOf" srcId="{31324F9D-FD66-4093-927B-F7872C9DBB80}" destId="{65FD8D86-7651-42E3-9CA2-E70DE04DDB36}" srcOrd="0" destOrd="0" presId="urn:microsoft.com/office/officeart/2005/8/layout/orgChart1"/>
-    <dgm:cxn modelId="{C14F19E7-7507-4C09-8858-B9DEC88F77F1}" type="presParOf" srcId="{65FD8D86-7651-42E3-9CA2-E70DE04DDB36}" destId="{A1201F8A-26BB-4C8B-8C01-EBB5EDE60F47}" srcOrd="0" destOrd="0" presId="urn:microsoft.com/office/officeart/2005/8/layout/orgChart1"/>
-    <dgm:cxn modelId="{9796B8DA-4ADA-48DC-A7A1-C45A13AD87D5}" type="presParOf" srcId="{65FD8D86-7651-42E3-9CA2-E70DE04DDB36}" destId="{58DC4AC7-E829-410C-AF42-036D3B2A3738}" srcOrd="1" destOrd="0" presId="urn:microsoft.com/office/officeart/2005/8/layout/orgChart1"/>
-    <dgm:cxn modelId="{6486561A-AE19-4A47-A1DD-B0F8C46DFE94}" type="presParOf" srcId="{31324F9D-FD66-4093-927B-F7872C9DBB80}" destId="{680735C4-112A-40B1-A9C1-9C223E674718}" srcOrd="1" destOrd="0" presId="urn:microsoft.com/office/officeart/2005/8/layout/orgChart1"/>
-    <dgm:cxn modelId="{AD67B441-3550-4C8D-A3DD-50FEC937C36E}" type="presParOf" srcId="{31324F9D-FD66-4093-927B-F7872C9DBB80}" destId="{6B6AFBB0-31A2-4E4F-960D-324F6F4C5961}" srcOrd="2" destOrd="0" presId="urn:microsoft.com/office/officeart/2005/8/layout/orgChart1"/>
-    <dgm:cxn modelId="{447C7750-6D2C-43F6-9CE8-CCE9214223E8}" type="presParOf" srcId="{C5B49DF4-0F10-4162-9D55-3672616200A3}" destId="{778567A7-AA4D-49EB-BB4A-FB5C15D9BCEA}" srcOrd="2" destOrd="0" presId="urn:microsoft.com/office/officeart/2005/8/layout/orgChart1"/>
-    <dgm:cxn modelId="{C92A9207-A0E6-4B28-AFE3-7BF54D7A5BBD}" type="presParOf" srcId="{C5B49DF4-0F10-4162-9D55-3672616200A3}" destId="{9BFE859F-8930-4970-A7A1-F76145973FC9}" srcOrd="3" destOrd="0" presId="urn:microsoft.com/office/officeart/2005/8/layout/orgChart1"/>
-    <dgm:cxn modelId="{0A7F6C97-5366-44BE-A19D-840EDABB252A}" type="presParOf" srcId="{9BFE859F-8930-4970-A7A1-F76145973FC9}" destId="{2BC38B9C-4F7F-48E5-9E7E-B5244ECAE80E}" srcOrd="0" destOrd="0" presId="urn:microsoft.com/office/officeart/2005/8/layout/orgChart1"/>
-    <dgm:cxn modelId="{D8A3606B-F002-4231-A8AB-5168841714F6}" type="presParOf" srcId="{2BC38B9C-4F7F-48E5-9E7E-B5244ECAE80E}" destId="{3708C7D8-94D8-4FDF-8A09-CBD0C88345BB}" srcOrd="0" destOrd="0" presId="urn:microsoft.com/office/officeart/2005/8/layout/orgChart1"/>
-    <dgm:cxn modelId="{53FE2E19-E71C-47D3-8CF6-7ECB5B60EE19}" type="presParOf" srcId="{2BC38B9C-4F7F-48E5-9E7E-B5244ECAE80E}" destId="{493ADC3A-8767-4D1D-9AC1-BEC87C732976}" srcOrd="1" destOrd="0" presId="urn:microsoft.com/office/officeart/2005/8/layout/orgChart1"/>
-    <dgm:cxn modelId="{68EC124D-F447-42F6-9B04-B7F9D74B4BB1}" type="presParOf" srcId="{9BFE859F-8930-4970-A7A1-F76145973FC9}" destId="{81B87B6F-DB3A-4CB1-865E-C47AADDDDB7A}" srcOrd="1" destOrd="0" presId="urn:microsoft.com/office/officeart/2005/8/layout/orgChart1"/>
-    <dgm:cxn modelId="{D4983AC7-64A5-433F-84ED-7C9E1EDD3E2A}" type="presParOf" srcId="{9BFE859F-8930-4970-A7A1-F76145973FC9}" destId="{52AF9E82-4D4A-48F9-87C9-5612BC09DF7A}" srcOrd="2" destOrd="0" presId="urn:microsoft.com/office/officeart/2005/8/layout/orgChart1"/>
-    <dgm:cxn modelId="{8843023C-0011-4380-BC58-91146CBE9F16}" type="presParOf" srcId="{BBACD5F6-8D84-47CE-87B4-E0787E148BA2}" destId="{A67B1B18-1647-4C3B-94DA-27A719C373CE}" srcOrd="2" destOrd="0" presId="urn:microsoft.com/office/officeart/2005/8/layout/orgChart1"/>
-    <dgm:cxn modelId="{56C36438-BD4A-4EB0-966A-CD5A8FB92CF1}" type="presParOf" srcId="{B55A844E-B9A3-478D-870F-FA2EE44F9DF8}" destId="{250087E2-7F46-4B17-AB97-1E9597137CA6}" srcOrd="2" destOrd="0" presId="urn:microsoft.com/office/officeart/2005/8/layout/orgChart1"/>
-    <dgm:cxn modelId="{4A7A3A31-6FA3-4B4D-B306-B68BA0FDC487}" type="presParOf" srcId="{37D48ECB-1E8E-4A73-B9B3-D4510EB29FD9}" destId="{84072DF8-A0DE-43AF-A507-632F848ABE32}" srcOrd="1" destOrd="0" presId="urn:microsoft.com/office/officeart/2005/8/layout/orgChart1"/>
-    <dgm:cxn modelId="{F247C5E7-9EC9-4733-96EE-07B6367708CD}" type="presParOf" srcId="{84072DF8-A0DE-43AF-A507-632F848ABE32}" destId="{59BB6C4A-8DFE-40E9-818D-91C926278F13}" srcOrd="0" destOrd="0" presId="urn:microsoft.com/office/officeart/2005/8/layout/orgChart1"/>
-    <dgm:cxn modelId="{DB0719DA-A2B5-4348-9EEF-2202EC054246}" type="presParOf" srcId="{59BB6C4A-8DFE-40E9-818D-91C926278F13}" destId="{F6C858FB-85BC-4E05-836D-3E1B4990E461}" srcOrd="0" destOrd="0" presId="urn:microsoft.com/office/officeart/2005/8/layout/orgChart1"/>
-    <dgm:cxn modelId="{4B66582B-093B-4A7B-A8F1-1F4C1F57B435}" type="presParOf" srcId="{59BB6C4A-8DFE-40E9-818D-91C926278F13}" destId="{454ABA71-4EF6-4580-A00E-AEE37FDEFCA1}" srcOrd="1" destOrd="0" presId="urn:microsoft.com/office/officeart/2005/8/layout/orgChart1"/>
-    <dgm:cxn modelId="{5689B859-0597-47CD-A8CA-0090D245E975}" type="presParOf" srcId="{84072DF8-A0DE-43AF-A507-632F848ABE32}" destId="{0F3989D6-0410-4FFB-ACAB-DB370F7AD05E}" srcOrd="1" destOrd="0" presId="urn:microsoft.com/office/officeart/2005/8/layout/orgChart1"/>
-    <dgm:cxn modelId="{20609420-36E0-47FA-8CBD-772BFCC791EA}" type="presParOf" srcId="{84072DF8-A0DE-43AF-A507-632F848ABE32}" destId="{7E333A67-9A1F-40DC-80BA-F9E9D5B0309E}" srcOrd="2" destOrd="0" presId="urn:microsoft.com/office/officeart/2005/8/layout/orgChart1"/>
+    <dgm:cxn modelId="{7BC7FB49-E4A9-4163-90F9-BEB554279993}" type="presParOf" srcId="{4BD7EC80-85F3-427E-BC12-0D8F40B5BA56}" destId="{7D763417-112C-4C91-8FEB-7DC391844D3E}" srcOrd="0" destOrd="0" presId="urn:microsoft.com/office/officeart/2005/8/layout/hierarchy4"/>
+    <dgm:cxn modelId="{22847BDA-B56A-41A9-A19A-13897B8C6FD8}" type="presParOf" srcId="{7D763417-112C-4C91-8FEB-7DC391844D3E}" destId="{2562A761-AAAB-49CA-B44C-3A26863901E5}" srcOrd="0" destOrd="0" presId="urn:microsoft.com/office/officeart/2005/8/layout/hierarchy4"/>
+    <dgm:cxn modelId="{40B2C4B3-E72E-4020-AA40-E78EE6FE498B}" type="presParOf" srcId="{7D763417-112C-4C91-8FEB-7DC391844D3E}" destId="{B797B509-4611-44AA-BBE9-4862CAFE4A92}" srcOrd="1" destOrd="0" presId="urn:microsoft.com/office/officeart/2005/8/layout/hierarchy4"/>
+    <dgm:cxn modelId="{44A8EED6-387E-4B69-8823-B65CC3AE414E}" type="presParOf" srcId="{7D763417-112C-4C91-8FEB-7DC391844D3E}" destId="{FBC4CD44-4A91-482F-B902-9E787AEE991D}" srcOrd="2" destOrd="0" presId="urn:microsoft.com/office/officeart/2005/8/layout/hierarchy4"/>
+    <dgm:cxn modelId="{39F6DACD-C981-4CA9-B9EF-B5B78BFA0608}" type="presParOf" srcId="{FBC4CD44-4A91-482F-B902-9E787AEE991D}" destId="{FCC10E07-2114-431A-ABC5-0903F405E33E}" srcOrd="0" destOrd="0" presId="urn:microsoft.com/office/officeart/2005/8/layout/hierarchy4"/>
+    <dgm:cxn modelId="{62FF784B-2E61-45DE-B42F-F4D265748C2F}" type="presParOf" srcId="{FCC10E07-2114-431A-ABC5-0903F405E33E}" destId="{B398A156-90CA-4A8F-810A-2CC337503166}" srcOrd="0" destOrd="0" presId="urn:microsoft.com/office/officeart/2005/8/layout/hierarchy4"/>
+    <dgm:cxn modelId="{C7454374-3A64-4D62-9497-AC31B1F2E66D}" type="presParOf" srcId="{FCC10E07-2114-431A-ABC5-0903F405E33E}" destId="{AEF50CF0-0210-4E35-B788-1D0D485F79E4}" srcOrd="1" destOrd="0" presId="urn:microsoft.com/office/officeart/2005/8/layout/hierarchy4"/>
+    <dgm:cxn modelId="{E192E867-D30C-41A6-979D-25A56D817A6C}" type="presParOf" srcId="{FCC10E07-2114-431A-ABC5-0903F405E33E}" destId="{501C891B-C7C7-48A2-A38E-628A7BB12A99}" srcOrd="2" destOrd="0" presId="urn:microsoft.com/office/officeart/2005/8/layout/hierarchy4"/>
+    <dgm:cxn modelId="{727175F0-88B6-4DFB-AB6B-31B25594E4C8}" type="presParOf" srcId="{501C891B-C7C7-48A2-A38E-628A7BB12A99}" destId="{72C062E1-B509-4154-B8C3-66B536567C9D}" srcOrd="0" destOrd="0" presId="urn:microsoft.com/office/officeart/2005/8/layout/hierarchy4"/>
+    <dgm:cxn modelId="{76FBC447-9C9D-4EA5-9605-729A9148F7F0}" type="presParOf" srcId="{72C062E1-B509-4154-B8C3-66B536567C9D}" destId="{C943332F-98E4-43B4-99D7-A4C6438397DF}" srcOrd="0" destOrd="0" presId="urn:microsoft.com/office/officeart/2005/8/layout/hierarchy4"/>
+    <dgm:cxn modelId="{A50C8D72-2A4C-4BA1-87ED-6ACE9E044CEC}" type="presParOf" srcId="{72C062E1-B509-4154-B8C3-66B536567C9D}" destId="{3CC6DC92-E9FB-4D77-84B6-8E19517E2BB1}" srcOrd="1" destOrd="0" presId="urn:microsoft.com/office/officeart/2005/8/layout/hierarchy4"/>
+    <dgm:cxn modelId="{8401D18B-33CD-42CF-9E91-3573732D0B93}" type="presParOf" srcId="{501C891B-C7C7-48A2-A38E-628A7BB12A99}" destId="{58FCF3FE-69DC-412A-BD21-6B90CD6CFDF7}" srcOrd="1" destOrd="0" presId="urn:microsoft.com/office/officeart/2005/8/layout/hierarchy4"/>
+    <dgm:cxn modelId="{896E2786-3E62-4358-A175-4F65319B83F7}" type="presParOf" srcId="{501C891B-C7C7-48A2-A38E-628A7BB12A99}" destId="{10DAA6DA-3795-4957-8823-86CFC99F322F}" srcOrd="2" destOrd="0" presId="urn:microsoft.com/office/officeart/2005/8/layout/hierarchy4"/>
+    <dgm:cxn modelId="{DDB3F9F8-AC5E-4F55-A577-E26F0912CE65}" type="presParOf" srcId="{10DAA6DA-3795-4957-8823-86CFC99F322F}" destId="{452E2428-BA60-4353-93D1-F3E5AEFDC879}" srcOrd="0" destOrd="0" presId="urn:microsoft.com/office/officeart/2005/8/layout/hierarchy4"/>
+    <dgm:cxn modelId="{75BA255C-1CCC-40F9-B34D-34E133840DD8}" type="presParOf" srcId="{10DAA6DA-3795-4957-8823-86CFC99F322F}" destId="{C5306CCC-7741-44B6-B3A1-F50A5AEA3056}" srcOrd="1" destOrd="0" presId="urn:microsoft.com/office/officeart/2005/8/layout/hierarchy4"/>
+    <dgm:cxn modelId="{5CF71424-3360-4EDD-81CB-91D0859028ED}" type="presParOf" srcId="{FBC4CD44-4A91-482F-B902-9E787AEE991D}" destId="{9D5E04FD-EE89-40F3-B0F5-104954467E61}" srcOrd="1" destOrd="0" presId="urn:microsoft.com/office/officeart/2005/8/layout/hierarchy4"/>
+    <dgm:cxn modelId="{69115A03-ACE8-4A0F-B2D8-32201C7FDC5F}" type="presParOf" srcId="{FBC4CD44-4A91-482F-B902-9E787AEE991D}" destId="{0EFBB0FA-C29F-4DF5-A6AB-16CB0B34B25F}" srcOrd="2" destOrd="0" presId="urn:microsoft.com/office/officeart/2005/8/layout/hierarchy4"/>
+    <dgm:cxn modelId="{0B055512-3F0D-4C53-ACC0-78A62D096B76}" type="presParOf" srcId="{0EFBB0FA-C29F-4DF5-A6AB-16CB0B34B25F}" destId="{ACADEBCA-98F3-40BB-AC69-9633312B7D78}" srcOrd="0" destOrd="0" presId="urn:microsoft.com/office/officeart/2005/8/layout/hierarchy4"/>
+    <dgm:cxn modelId="{FC7A5D21-2F79-4E43-B066-73EE18E6DF41}" type="presParOf" srcId="{0EFBB0FA-C29F-4DF5-A6AB-16CB0B34B25F}" destId="{9286627B-3439-40C7-885C-40B2D1A7A8B8}" srcOrd="1" destOrd="0" presId="urn:microsoft.com/office/officeart/2005/8/layout/hierarchy4"/>
+    <dgm:cxn modelId="{8E850E08-5859-484E-833A-AA585A368D1C}" type="presParOf" srcId="{0EFBB0FA-C29F-4DF5-A6AB-16CB0B34B25F}" destId="{E19CE739-015F-4437-B5AC-B2E66352285F}" srcOrd="2" destOrd="0" presId="urn:microsoft.com/office/officeart/2005/8/layout/hierarchy4"/>
+    <dgm:cxn modelId="{F0622C9B-521C-477A-B899-806094E3BB6A}" type="presParOf" srcId="{E19CE739-015F-4437-B5AC-B2E66352285F}" destId="{E4A28DCE-5577-4D15-97CA-9CF0A1E21DAD}" srcOrd="0" destOrd="0" presId="urn:microsoft.com/office/officeart/2005/8/layout/hierarchy4"/>
+    <dgm:cxn modelId="{F4AB634D-9CFE-495D-9456-4119867A1B5F}" type="presParOf" srcId="{E4A28DCE-5577-4D15-97CA-9CF0A1E21DAD}" destId="{261243F7-1EA0-4615-A2A9-F8E5EEFE1B81}" srcOrd="0" destOrd="0" presId="urn:microsoft.com/office/officeart/2005/8/layout/hierarchy4"/>
+    <dgm:cxn modelId="{30923FD5-774C-451C-85A4-7B1B0C217DD8}" type="presParOf" srcId="{E4A28DCE-5577-4D15-97CA-9CF0A1E21DAD}" destId="{F16965CD-115E-4334-A93B-D89CE626C6EF}" srcOrd="1" destOrd="0" presId="urn:microsoft.com/office/officeart/2005/8/layout/hierarchy4"/>
+    <dgm:cxn modelId="{8DD7B805-177E-48D0-B42C-BAF916B9FF95}" type="presParOf" srcId="{FBC4CD44-4A91-482F-B902-9E787AEE991D}" destId="{6D723B89-4CCC-4ED0-A0E3-29A866F2ED2C}" srcOrd="3" destOrd="0" presId="urn:microsoft.com/office/officeart/2005/8/layout/hierarchy4"/>
+    <dgm:cxn modelId="{C7286339-B31D-4AD1-8130-CC0EE1000FBD}" type="presParOf" srcId="{FBC4CD44-4A91-482F-B902-9E787AEE991D}" destId="{15D22D56-1EA1-40D5-AA4B-AD5BC4A8324F}" srcOrd="4" destOrd="0" presId="urn:microsoft.com/office/officeart/2005/8/layout/hierarchy4"/>
+    <dgm:cxn modelId="{808E0D34-86B2-4DA2-A789-AC8E94ECCE63}" type="presParOf" srcId="{15D22D56-1EA1-40D5-AA4B-AD5BC4A8324F}" destId="{8AADE217-201E-4DDC-ADDA-787E0AF61F02}" srcOrd="0" destOrd="0" presId="urn:microsoft.com/office/officeart/2005/8/layout/hierarchy4"/>
+    <dgm:cxn modelId="{C03B2024-ECC1-484A-98A7-5C123DB4A3D6}" type="presParOf" srcId="{15D22D56-1EA1-40D5-AA4B-AD5BC4A8324F}" destId="{5FC80247-F558-4494-80D5-7CA64252C0AE}" srcOrd="1" destOrd="0" presId="urn:microsoft.com/office/officeart/2005/8/layout/hierarchy4"/>
+    <dgm:cxn modelId="{41456E0B-04AE-4AB8-B11B-7C950D82FA6B}" type="presParOf" srcId="{15D22D56-1EA1-40D5-AA4B-AD5BC4A8324F}" destId="{9B4C33C6-53E9-4038-8865-04E7A836F3F5}" srcOrd="2" destOrd="0" presId="urn:microsoft.com/office/officeart/2005/8/layout/hierarchy4"/>
+    <dgm:cxn modelId="{A1ADFD8C-ECE4-4384-A6A4-ADB96F4C27B0}" type="presParOf" srcId="{9B4C33C6-53E9-4038-8865-04E7A836F3F5}" destId="{4A68B6E5-2D4A-45D2-8E08-A9506570C5A3}" srcOrd="0" destOrd="0" presId="urn:microsoft.com/office/officeart/2005/8/layout/hierarchy4"/>
+    <dgm:cxn modelId="{CAF73BEA-63E5-4DE0-A6A6-69D5F69E094E}" type="presParOf" srcId="{4A68B6E5-2D4A-45D2-8E08-A9506570C5A3}" destId="{F10B9C03-1045-450C-BE15-CB9A01E7B89B}" srcOrd="0" destOrd="0" presId="urn:microsoft.com/office/officeart/2005/8/layout/hierarchy4"/>
+    <dgm:cxn modelId="{D51DF179-3E9A-4716-939B-956CDF244AEA}" type="presParOf" srcId="{4A68B6E5-2D4A-45D2-8E08-A9506570C5A3}" destId="{9B682BB5-EBBB-4A74-AAB8-C8AE17CEF10F}" srcOrd="1" destOrd="0" presId="urn:microsoft.com/office/officeart/2005/8/layout/hierarchy4"/>
+    <dgm:cxn modelId="{3D9AD0C6-7365-41FA-A6DF-09144DE2ADB8}" type="presParOf" srcId="{FBC4CD44-4A91-482F-B902-9E787AEE991D}" destId="{C9D6FB85-D03E-4F9A-B5B3-AEEC67C91AFC}" srcOrd="5" destOrd="0" presId="urn:microsoft.com/office/officeart/2005/8/layout/hierarchy4"/>
+    <dgm:cxn modelId="{605A737E-DD3E-4531-9EB2-CD5A53EE4DFB}" type="presParOf" srcId="{FBC4CD44-4A91-482F-B902-9E787AEE991D}" destId="{C6FD61F2-0DAA-4610-A2AC-BE6653F5B0E2}" srcOrd="6" destOrd="0" presId="urn:microsoft.com/office/officeart/2005/8/layout/hierarchy4"/>
+    <dgm:cxn modelId="{E8220C45-5284-4EEA-9398-023EE4D10E05}" type="presParOf" srcId="{C6FD61F2-0DAA-4610-A2AC-BE6653F5B0E2}" destId="{A1B4FFEF-3E00-452D-9846-82DBFBC5348B}" srcOrd="0" destOrd="0" presId="urn:microsoft.com/office/officeart/2005/8/layout/hierarchy4"/>
+    <dgm:cxn modelId="{E2DA15F3-AF72-4073-80B0-EBA8A96D9E46}" type="presParOf" srcId="{C6FD61F2-0DAA-4610-A2AC-BE6653F5B0E2}" destId="{BFDBF08D-0D2A-4D8B-A894-B7D8BA9C32A9}" srcOrd="1" destOrd="0" presId="urn:microsoft.com/office/officeart/2005/8/layout/hierarchy4"/>
+    <dgm:cxn modelId="{ECE0C38A-DABC-404C-9FAE-DEA45F520ADC}" type="presParOf" srcId="{4BD7EC80-85F3-427E-BC12-0D8F40B5BA56}" destId="{4E77AD66-1FFD-4A37-AC11-CFDEA8BC7E52}" srcOrd="1" destOrd="0" presId="urn:microsoft.com/office/officeart/2005/8/layout/hierarchy4"/>
+    <dgm:cxn modelId="{BD62DEA4-2F3E-4437-BF12-5CB82118EA59}" type="presParOf" srcId="{4BD7EC80-85F3-427E-BC12-0D8F40B5BA56}" destId="{40DB67FB-5123-4C5F-BF0E-81C81E8D91C5}" srcOrd="2" destOrd="0" presId="urn:microsoft.com/office/officeart/2005/8/layout/hierarchy4"/>
+    <dgm:cxn modelId="{B1690E63-D9E1-47F7-914D-2220436327CD}" type="presParOf" srcId="{40DB67FB-5123-4C5F-BF0E-81C81E8D91C5}" destId="{1A8168E8-91B6-418D-BF35-B080EB8F3A33}" srcOrd="0" destOrd="0" presId="urn:microsoft.com/office/officeart/2005/8/layout/hierarchy4"/>
+    <dgm:cxn modelId="{C8A0731B-FBE1-4705-96A8-4DFB101E978B}" type="presParOf" srcId="{40DB67FB-5123-4C5F-BF0E-81C81E8D91C5}" destId="{A8AE032B-D607-4E7D-873A-573B8ED6D5FE}" srcOrd="1" destOrd="0" presId="urn:microsoft.com/office/officeart/2005/8/layout/hierarchy4"/>
   </dgm:cxnLst>
   <dgm:bg/>
   <dgm:whole/>
@@ -7084,420 +6964,20 @@
       <dsp:cNvGrpSpPr/>
     </dsp:nvGrpSpPr>
     <dsp:grpSpPr/>
-    <dsp:sp modelId="{778567A7-AA4D-49EB-BB4A-FB5C15D9BCEA}">
+    <dsp:sp modelId="{2562A761-AAAB-49CA-B44C-3A26863901E5}">
       <dsp:nvSpPr>
         <dsp:cNvPr id="0" name=""/>
         <dsp:cNvSpPr/>
       </dsp:nvSpPr>
       <dsp:spPr>
         <a:xfrm>
-          <a:off x="4561004" y="1977055"/>
-          <a:ext cx="244897" cy="1910199"/>
+          <a:off x="4440" y="1547"/>
+          <a:ext cx="5358763" cy="1226425"/>
         </a:xfrm>
-        <a:custGeom>
-          <a:avLst/>
-          <a:gdLst/>
-          <a:ahLst/>
-          <a:cxnLst/>
-          <a:rect l="0" t="0" r="0" b="0"/>
-          <a:pathLst>
-            <a:path>
-              <a:moveTo>
-                <a:pt x="0" y="0"/>
-              </a:moveTo>
-              <a:lnTo>
-                <a:pt x="0" y="1910199"/>
-              </a:lnTo>
-              <a:lnTo>
-                <a:pt x="244897" y="1910199"/>
-              </a:lnTo>
-            </a:path>
-          </a:pathLst>
-        </a:custGeom>
-        <a:noFill/>
-        <a:ln w="19050" cap="rnd" cmpd="sng" algn="ctr">
-          <a:solidFill>
-            <a:schemeClr val="accent3">
-              <a:hueOff val="0"/>
-              <a:satOff val="0"/>
-              <a:lumOff val="0"/>
-              <a:alphaOff val="0"/>
-            </a:schemeClr>
-          </a:solidFill>
-          <a:prstDash val="solid"/>
-        </a:ln>
-        <a:effectLst/>
-      </dsp:spPr>
-      <dsp:style>
-        <a:lnRef idx="2">
-          <a:scrgbClr r="0" g="0" b="0"/>
-        </a:lnRef>
-        <a:fillRef idx="0">
-          <a:scrgbClr r="0" g="0" b="0"/>
-        </a:fillRef>
-        <a:effectRef idx="0">
-          <a:scrgbClr r="0" g="0" b="0"/>
-        </a:effectRef>
-        <a:fontRef idx="minor"/>
-      </dsp:style>
-    </dsp:sp>
-    <dsp:sp modelId="{4739B041-4F2C-4BE5-937B-62C72DA93F26}">
-      <dsp:nvSpPr>
-        <dsp:cNvPr id="0" name=""/>
-        <dsp:cNvSpPr/>
-      </dsp:nvSpPr>
-      <dsp:spPr>
-        <a:xfrm>
-          <a:off x="4561004" y="1977055"/>
-          <a:ext cx="244897" cy="751018"/>
-        </a:xfrm>
-        <a:custGeom>
-          <a:avLst/>
-          <a:gdLst/>
-          <a:ahLst/>
-          <a:cxnLst/>
-          <a:rect l="0" t="0" r="0" b="0"/>
-          <a:pathLst>
-            <a:path>
-              <a:moveTo>
-                <a:pt x="0" y="0"/>
-              </a:moveTo>
-              <a:lnTo>
-                <a:pt x="0" y="751018"/>
-              </a:lnTo>
-              <a:lnTo>
-                <a:pt x="244897" y="751018"/>
-              </a:lnTo>
-            </a:path>
-          </a:pathLst>
-        </a:custGeom>
-        <a:noFill/>
-        <a:ln w="19050" cap="rnd" cmpd="sng" algn="ctr">
-          <a:solidFill>
-            <a:schemeClr val="accent3">
-              <a:hueOff val="0"/>
-              <a:satOff val="0"/>
-              <a:lumOff val="0"/>
-              <a:alphaOff val="0"/>
-            </a:schemeClr>
-          </a:solidFill>
-          <a:prstDash val="solid"/>
-        </a:ln>
-        <a:effectLst/>
-      </dsp:spPr>
-      <dsp:style>
-        <a:lnRef idx="2">
-          <a:scrgbClr r="0" g="0" b="0"/>
-        </a:lnRef>
-        <a:fillRef idx="0">
-          <a:scrgbClr r="0" g="0" b="0"/>
-        </a:fillRef>
-        <a:effectRef idx="0">
-          <a:scrgbClr r="0" g="0" b="0"/>
-        </a:effectRef>
-        <a:fontRef idx="minor"/>
-      </dsp:style>
-    </dsp:sp>
-    <dsp:sp modelId="{64E1B90A-B90F-41C2-B8ED-466D14DB5D78}">
-      <dsp:nvSpPr>
-        <dsp:cNvPr id="0" name=""/>
-        <dsp:cNvSpPr/>
-      </dsp:nvSpPr>
-      <dsp:spPr>
-        <a:xfrm>
-          <a:off x="3238559" y="817875"/>
-          <a:ext cx="1975504" cy="342856"/>
-        </a:xfrm>
-        <a:custGeom>
-          <a:avLst/>
-          <a:gdLst/>
-          <a:ahLst/>
-          <a:cxnLst/>
-          <a:rect l="0" t="0" r="0" b="0"/>
-          <a:pathLst>
-            <a:path>
-              <a:moveTo>
-                <a:pt x="0" y="0"/>
-              </a:moveTo>
-              <a:lnTo>
-                <a:pt x="0" y="171428"/>
-              </a:lnTo>
-              <a:lnTo>
-                <a:pt x="1975504" y="171428"/>
-              </a:lnTo>
-              <a:lnTo>
-                <a:pt x="1975504" y="342856"/>
-              </a:lnTo>
-            </a:path>
-          </a:pathLst>
-        </a:custGeom>
-        <a:noFill/>
-        <a:ln w="19050" cap="rnd" cmpd="sng" algn="ctr">
-          <a:solidFill>
-            <a:schemeClr val="accent2">
-              <a:hueOff val="0"/>
-              <a:satOff val="0"/>
-              <a:lumOff val="0"/>
-              <a:alphaOff val="0"/>
-            </a:schemeClr>
-          </a:solidFill>
-          <a:prstDash val="solid"/>
-        </a:ln>
-        <a:effectLst/>
-      </dsp:spPr>
-      <dsp:style>
-        <a:lnRef idx="2">
-          <a:scrgbClr r="0" g="0" b="0"/>
-        </a:lnRef>
-        <a:fillRef idx="0">
-          <a:scrgbClr r="0" g="0" b="0"/>
-        </a:fillRef>
-        <a:effectRef idx="0">
-          <a:scrgbClr r="0" g="0" b="0"/>
-        </a:effectRef>
-        <a:fontRef idx="minor"/>
-      </dsp:style>
-    </dsp:sp>
-    <dsp:sp modelId="{14A310ED-58A5-48B0-9CD0-7FE82B4B5503}">
-      <dsp:nvSpPr>
-        <dsp:cNvPr id="0" name=""/>
-        <dsp:cNvSpPr/>
-      </dsp:nvSpPr>
-      <dsp:spPr>
-        <a:xfrm>
-          <a:off x="2585499" y="1977055"/>
-          <a:ext cx="244897" cy="751018"/>
-        </a:xfrm>
-        <a:custGeom>
-          <a:avLst/>
-          <a:gdLst/>
-          <a:ahLst/>
-          <a:cxnLst/>
-          <a:rect l="0" t="0" r="0" b="0"/>
-          <a:pathLst>
-            <a:path>
-              <a:moveTo>
-                <a:pt x="0" y="0"/>
-              </a:moveTo>
-              <a:lnTo>
-                <a:pt x="0" y="751018"/>
-              </a:lnTo>
-              <a:lnTo>
-                <a:pt x="244897" y="751018"/>
-              </a:lnTo>
-            </a:path>
-          </a:pathLst>
-        </a:custGeom>
-        <a:noFill/>
-        <a:ln w="19050" cap="rnd" cmpd="sng" algn="ctr">
-          <a:solidFill>
-            <a:schemeClr val="accent3">
-              <a:hueOff val="0"/>
-              <a:satOff val="0"/>
-              <a:lumOff val="0"/>
-              <a:alphaOff val="0"/>
-            </a:schemeClr>
-          </a:solidFill>
-          <a:prstDash val="solid"/>
-        </a:ln>
-        <a:effectLst/>
-      </dsp:spPr>
-      <dsp:style>
-        <a:lnRef idx="2">
-          <a:scrgbClr r="0" g="0" b="0"/>
-        </a:lnRef>
-        <a:fillRef idx="0">
-          <a:scrgbClr r="0" g="0" b="0"/>
-        </a:fillRef>
-        <a:effectRef idx="0">
-          <a:scrgbClr r="0" g="0" b="0"/>
-        </a:effectRef>
-        <a:fontRef idx="minor"/>
-      </dsp:style>
-    </dsp:sp>
-    <dsp:sp modelId="{4C631FAE-DD42-4FD5-B6BB-224690EB2D32}">
-      <dsp:nvSpPr>
-        <dsp:cNvPr id="0" name=""/>
-        <dsp:cNvSpPr/>
-      </dsp:nvSpPr>
-      <dsp:spPr>
-        <a:xfrm>
-          <a:off x="3192839" y="817875"/>
-          <a:ext cx="91440" cy="342856"/>
-        </a:xfrm>
-        <a:custGeom>
-          <a:avLst/>
-          <a:gdLst/>
-          <a:ahLst/>
-          <a:cxnLst/>
-          <a:rect l="0" t="0" r="0" b="0"/>
-          <a:pathLst>
-            <a:path>
-              <a:moveTo>
-                <a:pt x="45720" y="0"/>
-              </a:moveTo>
-              <a:lnTo>
-                <a:pt x="45720" y="342856"/>
-              </a:lnTo>
-            </a:path>
-          </a:pathLst>
-        </a:custGeom>
-        <a:noFill/>
-        <a:ln w="19050" cap="rnd" cmpd="sng" algn="ctr">
-          <a:solidFill>
-            <a:schemeClr val="accent2">
-              <a:hueOff val="0"/>
-              <a:satOff val="0"/>
-              <a:lumOff val="0"/>
-              <a:alphaOff val="0"/>
-            </a:schemeClr>
-          </a:solidFill>
-          <a:prstDash val="solid"/>
-        </a:ln>
-        <a:effectLst/>
-      </dsp:spPr>
-      <dsp:style>
-        <a:lnRef idx="2">
-          <a:scrgbClr r="0" g="0" b="0"/>
-        </a:lnRef>
-        <a:fillRef idx="0">
-          <a:scrgbClr r="0" g="0" b="0"/>
-        </a:fillRef>
-        <a:effectRef idx="0">
-          <a:scrgbClr r="0" g="0" b="0"/>
-        </a:effectRef>
-        <a:fontRef idx="minor"/>
-      </dsp:style>
-    </dsp:sp>
-    <dsp:sp modelId="{BF099527-4E62-4A18-B686-44C65FB15A0F}">
-      <dsp:nvSpPr>
-        <dsp:cNvPr id="0" name=""/>
-        <dsp:cNvSpPr/>
-      </dsp:nvSpPr>
-      <dsp:spPr>
-        <a:xfrm>
-          <a:off x="609994" y="1977055"/>
-          <a:ext cx="244897" cy="751018"/>
-        </a:xfrm>
-        <a:custGeom>
-          <a:avLst/>
-          <a:gdLst/>
-          <a:ahLst/>
-          <a:cxnLst/>
-          <a:rect l="0" t="0" r="0" b="0"/>
-          <a:pathLst>
-            <a:path>
-              <a:moveTo>
-                <a:pt x="0" y="0"/>
-              </a:moveTo>
-              <a:lnTo>
-                <a:pt x="0" y="751018"/>
-              </a:lnTo>
-              <a:lnTo>
-                <a:pt x="244897" y="751018"/>
-              </a:lnTo>
-            </a:path>
-          </a:pathLst>
-        </a:custGeom>
-        <a:noFill/>
-        <a:ln w="19050" cap="rnd" cmpd="sng" algn="ctr">
-          <a:solidFill>
-            <a:schemeClr val="accent3">
-              <a:hueOff val="0"/>
-              <a:satOff val="0"/>
-              <a:lumOff val="0"/>
-              <a:alphaOff val="0"/>
-            </a:schemeClr>
-          </a:solidFill>
-          <a:prstDash val="solid"/>
-        </a:ln>
-        <a:effectLst/>
-      </dsp:spPr>
-      <dsp:style>
-        <a:lnRef idx="2">
-          <a:scrgbClr r="0" g="0" b="0"/>
-        </a:lnRef>
-        <a:fillRef idx="0">
-          <a:scrgbClr r="0" g="0" b="0"/>
-        </a:fillRef>
-        <a:effectRef idx="0">
-          <a:scrgbClr r="0" g="0" b="0"/>
-        </a:effectRef>
-        <a:fontRef idx="minor"/>
-      </dsp:style>
-    </dsp:sp>
-    <dsp:sp modelId="{8B4B8631-2C1F-4B38-92B8-4475AF0EC457}">
-      <dsp:nvSpPr>
-        <dsp:cNvPr id="0" name=""/>
-        <dsp:cNvSpPr/>
-      </dsp:nvSpPr>
-      <dsp:spPr>
-        <a:xfrm>
-          <a:off x="1263054" y="817875"/>
-          <a:ext cx="1975504" cy="342856"/>
-        </a:xfrm>
-        <a:custGeom>
-          <a:avLst/>
-          <a:gdLst/>
-          <a:ahLst/>
-          <a:cxnLst/>
-          <a:rect l="0" t="0" r="0" b="0"/>
-          <a:pathLst>
-            <a:path>
-              <a:moveTo>
-                <a:pt x="1975504" y="0"/>
-              </a:moveTo>
-              <a:lnTo>
-                <a:pt x="1975504" y="171428"/>
-              </a:lnTo>
-              <a:lnTo>
-                <a:pt x="0" y="171428"/>
-              </a:lnTo>
-              <a:lnTo>
-                <a:pt x="0" y="342856"/>
-              </a:lnTo>
-            </a:path>
-          </a:pathLst>
-        </a:custGeom>
-        <a:noFill/>
-        <a:ln w="19050" cap="rnd" cmpd="sng" algn="ctr">
-          <a:solidFill>
-            <a:schemeClr val="accent2">
-              <a:hueOff val="0"/>
-              <a:satOff val="0"/>
-              <a:lumOff val="0"/>
-              <a:alphaOff val="0"/>
-            </a:schemeClr>
-          </a:solidFill>
-          <a:prstDash val="solid"/>
-        </a:ln>
-        <a:effectLst/>
-      </dsp:spPr>
-      <dsp:style>
-        <a:lnRef idx="2">
-          <a:scrgbClr r="0" g="0" b="0"/>
-        </a:lnRef>
-        <a:fillRef idx="0">
-          <a:scrgbClr r="0" g="0" b="0"/>
-        </a:fillRef>
-        <a:effectRef idx="0">
-          <a:scrgbClr r="0" g="0" b="0"/>
-        </a:effectRef>
-        <a:fontRef idx="minor"/>
-      </dsp:style>
-    </dsp:sp>
-    <dsp:sp modelId="{99FA4E85-81DC-4E4D-A65D-D4D0F93028A0}">
-      <dsp:nvSpPr>
-        <dsp:cNvPr id="0" name=""/>
-        <dsp:cNvSpPr/>
-      </dsp:nvSpPr>
-      <dsp:spPr>
-        <a:xfrm>
-          <a:off x="2422235" y="1550"/>
-          <a:ext cx="1632648" cy="816324"/>
-        </a:xfrm>
-        <a:prstGeom prst="rect">
-          <a:avLst/>
+        <a:prstGeom prst="roundRect">
+          <a:avLst>
+            <a:gd name="adj" fmla="val 10000"/>
+          </a:avLst>
         </a:prstGeom>
         <a:gradFill rotWithShape="0">
           <a:gsLst>
@@ -7559,12 +7039,12 @@
         </a:fontRef>
       </dsp:style>
       <dsp:txBody>
-        <a:bodyPr spcFirstLastPara="0" vert="horz" wrap="square" lIns="16510" tIns="16510" rIns="16510" bIns="16510" numCol="1" spcCol="1270" anchor="ctr" anchorCtr="0">
+        <a:bodyPr spcFirstLastPara="0" vert="horz" wrap="square" lIns="91440" tIns="91440" rIns="91440" bIns="91440" numCol="1" spcCol="1270" anchor="ctr" anchorCtr="0">
           <a:noAutofit/>
         </a:bodyPr>
         <a:lstStyle/>
         <a:p>
-          <a:pPr marL="0" lvl="0" indent="0" algn="ctr" defTabSz="1155700">
+          <a:pPr marL="0" lvl="0" indent="0" algn="ctr" defTabSz="1066800">
             <a:lnSpc>
               <a:spcPct val="90000"/>
             </a:lnSpc>
@@ -7577,29 +7057,31 @@
             <a:buNone/>
           </a:pPr>
           <a:r>
-            <a:rPr lang="es-ES" sz="2600" kern="1200" dirty="0"/>
+            <a:rPr lang="es-ES" sz="2400" kern="1200" dirty="0"/>
             <a:t>Control de acceso</a:t>
           </a:r>
-          <a:endParaRPr lang="en-US" sz="2600" kern="1200" dirty="0"/>
+          <a:endParaRPr lang="en-US" sz="2400" kern="1200" dirty="0"/>
         </a:p>
       </dsp:txBody>
       <dsp:txXfrm>
-        <a:off x="2422235" y="1550"/>
-        <a:ext cx="1632648" cy="816324"/>
+        <a:off x="40361" y="37468"/>
+        <a:ext cx="5286921" cy="1154583"/>
       </dsp:txXfrm>
     </dsp:sp>
-    <dsp:sp modelId="{C1D4CE90-245A-4C18-940D-82E92D3A70DD}">
+    <dsp:sp modelId="{B398A156-90CA-4A8F-810A-2CC337503166}">
       <dsp:nvSpPr>
         <dsp:cNvPr id="0" name=""/>
         <dsp:cNvSpPr/>
       </dsp:nvSpPr>
       <dsp:spPr>
         <a:xfrm>
-          <a:off x="446730" y="1160731"/>
-          <a:ext cx="1632648" cy="816324"/>
+          <a:off x="4440" y="1342954"/>
+          <a:ext cx="2066980" cy="1226425"/>
         </a:xfrm>
-        <a:prstGeom prst="rect">
-          <a:avLst/>
+        <a:prstGeom prst="roundRect">
+          <a:avLst>
+            <a:gd name="adj" fmla="val 10000"/>
+          </a:avLst>
         </a:prstGeom>
         <a:gradFill rotWithShape="0">
           <a:gsLst>
@@ -7661,12 +7143,12 @@
         </a:fontRef>
       </dsp:style>
       <dsp:txBody>
-        <a:bodyPr spcFirstLastPara="0" vert="horz" wrap="square" lIns="16510" tIns="16510" rIns="16510" bIns="16510" numCol="1" spcCol="1270" anchor="ctr" anchorCtr="0">
+        <a:bodyPr spcFirstLastPara="0" vert="horz" wrap="square" lIns="64770" tIns="64770" rIns="64770" bIns="64770" numCol="1" spcCol="1270" anchor="ctr" anchorCtr="0">
           <a:noAutofit/>
         </a:bodyPr>
         <a:lstStyle/>
         <a:p>
-          <a:pPr marL="0" lvl="0" indent="0" algn="ctr" defTabSz="1155700">
+          <a:pPr marL="0" lvl="0" indent="0" algn="ctr" defTabSz="755650">
             <a:lnSpc>
               <a:spcPct val="90000"/>
             </a:lnSpc>
@@ -7679,29 +7161,31 @@
             <a:buNone/>
           </a:pPr>
           <a:r>
-            <a:rPr lang="es-ES" sz="2600" kern="1200" dirty="0"/>
+            <a:rPr lang="es-ES" sz="1700" kern="1200" dirty="0"/>
             <a:t>Tarjeta magnética</a:t>
           </a:r>
-          <a:endParaRPr lang="en-US" sz="2600" kern="1200" dirty="0"/>
+          <a:endParaRPr lang="en-US" sz="1700" kern="1200" dirty="0"/>
         </a:p>
       </dsp:txBody>
       <dsp:txXfrm>
-        <a:off x="446730" y="1160731"/>
-        <a:ext cx="1632648" cy="816324"/>
+        <a:off x="40361" y="1378875"/>
+        <a:ext cx="1995138" cy="1154583"/>
       </dsp:txXfrm>
     </dsp:sp>
-    <dsp:sp modelId="{C61E8997-7F4A-4AE0-9611-3F593B12637D}">
+    <dsp:sp modelId="{C943332F-98E4-43B4-99D7-A4C6438397DF}">
       <dsp:nvSpPr>
         <dsp:cNvPr id="0" name=""/>
         <dsp:cNvSpPr/>
       </dsp:nvSpPr>
       <dsp:spPr>
         <a:xfrm>
-          <a:off x="854892" y="2319912"/>
-          <a:ext cx="1632648" cy="816324"/>
+          <a:off x="4440" y="2684361"/>
+          <a:ext cx="1012233" cy="1226425"/>
         </a:xfrm>
-        <a:prstGeom prst="rect">
-          <a:avLst/>
+        <a:prstGeom prst="roundRect">
+          <a:avLst>
+            <a:gd name="adj" fmla="val 10000"/>
+          </a:avLst>
         </a:prstGeom>
         <a:gradFill rotWithShape="0">
           <a:gsLst>
@@ -7763,12 +7247,12 @@
         </a:fontRef>
       </dsp:style>
       <dsp:txBody>
-        <a:bodyPr spcFirstLastPara="0" vert="horz" wrap="square" lIns="16510" tIns="16510" rIns="16510" bIns="16510" numCol="1" spcCol="1270" anchor="ctr" anchorCtr="0">
+        <a:bodyPr spcFirstLastPara="0" vert="horz" wrap="square" lIns="53340" tIns="53340" rIns="53340" bIns="53340" numCol="1" spcCol="1270" anchor="ctr" anchorCtr="0">
           <a:noAutofit/>
         </a:bodyPr>
         <a:lstStyle/>
         <a:p>
-          <a:pPr marL="0" lvl="0" indent="0" algn="ctr" defTabSz="1155700">
+          <a:pPr marL="0" lvl="0" indent="0" algn="ctr" defTabSz="622300">
             <a:lnSpc>
               <a:spcPct val="90000"/>
             </a:lnSpc>
@@ -7781,33 +7265,139 @@
             <a:buNone/>
           </a:pPr>
           <a:r>
-            <a:rPr lang="es-ES" sz="2600" kern="1200" dirty="0"/>
+            <a:rPr lang="es-ES" sz="1400" kern="1200" dirty="0"/>
             <a:t>Lector </a:t>
           </a:r>
           <a:r>
-            <a:rPr lang="es-ES" sz="2600" kern="1200" dirty="0" err="1"/>
+            <a:rPr lang="es-ES" sz="1400" kern="1200" dirty="0" err="1"/>
             <a:t>Magtek</a:t>
           </a:r>
-          <a:endParaRPr lang="en-US" sz="2600" kern="1200" dirty="0"/>
+          <a:endParaRPr lang="en-US" sz="1400" kern="1200" dirty="0"/>
         </a:p>
       </dsp:txBody>
       <dsp:txXfrm>
-        <a:off x="854892" y="2319912"/>
-        <a:ext cx="1632648" cy="816324"/>
+        <a:off x="34087" y="2714008"/>
+        <a:ext cx="952939" cy="1167131"/>
       </dsp:txXfrm>
     </dsp:sp>
-    <dsp:sp modelId="{102EEC43-5DFD-4721-BD50-C07D3B3CB77D}">
+    <dsp:sp modelId="{452E2428-BA60-4353-93D1-F3E5AEFDC879}">
       <dsp:nvSpPr>
         <dsp:cNvPr id="0" name=""/>
         <dsp:cNvSpPr/>
       </dsp:nvSpPr>
       <dsp:spPr>
         <a:xfrm>
-          <a:off x="2422235" y="1160731"/>
-          <a:ext cx="1632648" cy="816324"/>
+          <a:off x="1086082" y="2673397"/>
+          <a:ext cx="1012233" cy="1226425"/>
         </a:xfrm>
-        <a:prstGeom prst="rect">
-          <a:avLst/>
+        <a:prstGeom prst="roundRect">
+          <a:avLst>
+            <a:gd name="adj" fmla="val 10000"/>
+          </a:avLst>
+        </a:prstGeom>
+        <a:gradFill rotWithShape="0">
+          <a:gsLst>
+            <a:gs pos="0">
+              <a:schemeClr val="accent3">
+                <a:hueOff val="0"/>
+                <a:satOff val="0"/>
+                <a:lumOff val="0"/>
+                <a:alphaOff val="0"/>
+                <a:tint val="96000"/>
+                <a:lumMod val="100000"/>
+              </a:schemeClr>
+            </a:gs>
+            <a:gs pos="78000">
+              <a:schemeClr val="accent3">
+                <a:hueOff val="0"/>
+                <a:satOff val="0"/>
+                <a:lumOff val="0"/>
+                <a:alphaOff val="0"/>
+                <a:shade val="94000"/>
+                <a:lumMod val="94000"/>
+              </a:schemeClr>
+            </a:gs>
+          </a:gsLst>
+          <a:lin ang="5400000" scaled="0"/>
+        </a:gradFill>
+        <a:ln>
+          <a:noFill/>
+        </a:ln>
+        <a:effectLst>
+          <a:outerShdw blurRad="50800" dist="38100" dir="5400000" rotWithShape="0">
+            <a:srgbClr val="000000">
+              <a:alpha val="35000"/>
+            </a:srgbClr>
+          </a:outerShdw>
+        </a:effectLst>
+        <a:scene3d>
+          <a:camera prst="orthographicFront">
+            <a:rot lat="0" lon="0" rev="0"/>
+          </a:camera>
+          <a:lightRig rig="threePt" dir="tl"/>
+        </a:scene3d>
+        <a:sp3d prstMaterial="plastic">
+          <a:bevelT w="0" h="0"/>
+        </a:sp3d>
+      </dsp:spPr>
+      <dsp:style>
+        <a:lnRef idx="0">
+          <a:scrgbClr r="0" g="0" b="0"/>
+        </a:lnRef>
+        <a:fillRef idx="3">
+          <a:scrgbClr r="0" g="0" b="0"/>
+        </a:fillRef>
+        <a:effectRef idx="3">
+          <a:scrgbClr r="0" g="0" b="0"/>
+        </a:effectRef>
+        <a:fontRef idx="minor">
+          <a:schemeClr val="lt1"/>
+        </a:fontRef>
+      </dsp:style>
+      <dsp:txBody>
+        <a:bodyPr spcFirstLastPara="0" vert="horz" wrap="square" lIns="53340" tIns="53340" rIns="53340" bIns="53340" numCol="1" spcCol="1270" anchor="ctr" anchorCtr="0">
+          <a:noAutofit/>
+        </a:bodyPr>
+        <a:lstStyle/>
+        <a:p>
+          <a:pPr marL="0" lvl="0" indent="0" algn="ctr" defTabSz="622300">
+            <a:lnSpc>
+              <a:spcPct val="90000"/>
+            </a:lnSpc>
+            <a:spcBef>
+              <a:spcPct val="0"/>
+            </a:spcBef>
+            <a:spcAft>
+              <a:spcPct val="35000"/>
+            </a:spcAft>
+            <a:buNone/>
+          </a:pPr>
+          <a:r>
+            <a:rPr lang="es-AR" sz="1400" kern="1200" dirty="0" err="1"/>
+            <a:t>SysTick</a:t>
+          </a:r>
+          <a:endParaRPr lang="en-US" sz="1400" kern="1200" dirty="0"/>
+        </a:p>
+      </dsp:txBody>
+      <dsp:txXfrm>
+        <a:off x="1115729" y="2703044"/>
+        <a:ext cx="952939" cy="1167131"/>
+      </dsp:txXfrm>
+    </dsp:sp>
+    <dsp:sp modelId="{ACADEBCA-98F3-40BB-AC69-9633312B7D78}">
+      <dsp:nvSpPr>
+        <dsp:cNvPr id="0" name=""/>
+        <dsp:cNvSpPr/>
+      </dsp:nvSpPr>
+      <dsp:spPr>
+        <a:xfrm>
+          <a:off x="2156448" y="1342954"/>
+          <a:ext cx="1012233" cy="1226425"/>
+        </a:xfrm>
+        <a:prstGeom prst="roundRect">
+          <a:avLst>
+            <a:gd name="adj" fmla="val 10000"/>
+          </a:avLst>
         </a:prstGeom>
         <a:gradFill rotWithShape="0">
           <a:gsLst>
@@ -7869,12 +7459,12 @@
         </a:fontRef>
       </dsp:style>
       <dsp:txBody>
-        <a:bodyPr spcFirstLastPara="0" vert="horz" wrap="square" lIns="16510" tIns="16510" rIns="16510" bIns="16510" numCol="1" spcCol="1270" anchor="ctr" anchorCtr="0">
+        <a:bodyPr spcFirstLastPara="0" vert="horz" wrap="square" lIns="64770" tIns="64770" rIns="64770" bIns="64770" numCol="1" spcCol="1270" anchor="ctr" anchorCtr="0">
           <a:noAutofit/>
         </a:bodyPr>
         <a:lstStyle/>
         <a:p>
-          <a:pPr marL="0" lvl="0" indent="0" algn="ctr" defTabSz="1155700">
+          <a:pPr marL="0" lvl="0" indent="0" algn="ctr" defTabSz="755650">
             <a:lnSpc>
               <a:spcPct val="90000"/>
             </a:lnSpc>
@@ -7887,33 +7477,35 @@
             <a:buNone/>
           </a:pPr>
           <a:r>
-            <a:rPr lang="es-ES" sz="2600" kern="1200" dirty="0" err="1"/>
+            <a:rPr lang="es-ES" sz="1700" kern="1200" dirty="0" err="1"/>
             <a:t>Encoder</a:t>
           </a:r>
           <a:r>
-            <a:rPr lang="es-ES" sz="2600" kern="1200" dirty="0"/>
+            <a:rPr lang="es-ES" sz="1700" kern="1200" dirty="0"/>
             <a:t> rotativo</a:t>
           </a:r>
-          <a:endParaRPr lang="en-US" sz="2600" kern="1200" dirty="0"/>
+          <a:endParaRPr lang="en-US" sz="1700" kern="1200" dirty="0"/>
         </a:p>
       </dsp:txBody>
       <dsp:txXfrm>
-        <a:off x="2422235" y="1160731"/>
-        <a:ext cx="1632648" cy="816324"/>
+        <a:off x="2186095" y="1372601"/>
+        <a:ext cx="952939" cy="1167131"/>
       </dsp:txXfrm>
     </dsp:sp>
-    <dsp:sp modelId="{5F675612-2F39-455F-BBA2-9FB87721620C}">
+    <dsp:sp modelId="{261243F7-1EA0-4615-A2A9-F8E5EEFE1B81}">
       <dsp:nvSpPr>
         <dsp:cNvPr id="0" name=""/>
         <dsp:cNvSpPr/>
       </dsp:nvSpPr>
       <dsp:spPr>
         <a:xfrm>
-          <a:off x="2830397" y="2319912"/>
-          <a:ext cx="1632648" cy="816324"/>
+          <a:off x="2156448" y="2684361"/>
+          <a:ext cx="1012233" cy="1226425"/>
         </a:xfrm>
-        <a:prstGeom prst="rect">
-          <a:avLst/>
+        <a:prstGeom prst="roundRect">
+          <a:avLst>
+            <a:gd name="adj" fmla="val 10000"/>
+          </a:avLst>
         </a:prstGeom>
         <a:gradFill rotWithShape="0">
           <a:gsLst>
@@ -7975,12 +7567,12 @@
         </a:fontRef>
       </dsp:style>
       <dsp:txBody>
-        <a:bodyPr spcFirstLastPara="0" vert="horz" wrap="square" lIns="16510" tIns="16510" rIns="16510" bIns="16510" numCol="1" spcCol="1270" anchor="ctr" anchorCtr="0">
+        <a:bodyPr spcFirstLastPara="0" vert="horz" wrap="square" lIns="53340" tIns="53340" rIns="53340" bIns="53340" numCol="1" spcCol="1270" anchor="ctr" anchorCtr="0">
           <a:noAutofit/>
         </a:bodyPr>
         <a:lstStyle/>
         <a:p>
-          <a:pPr marL="0" lvl="0" indent="0" algn="ctr" defTabSz="1155700">
+          <a:pPr marL="0" lvl="0" indent="0" algn="ctr" defTabSz="622300">
             <a:lnSpc>
               <a:spcPct val="90000"/>
             </a:lnSpc>
@@ -7993,28 +7585,30 @@
             <a:buNone/>
           </a:pPr>
           <a:r>
-            <a:rPr lang="en-US" sz="2600" kern="1200" dirty="0"/>
+            <a:rPr lang="en-US" sz="1400" kern="1200" dirty="0"/>
             <a:t>GPIO</a:t>
           </a:r>
         </a:p>
       </dsp:txBody>
       <dsp:txXfrm>
-        <a:off x="2830397" y="2319912"/>
-        <a:ext cx="1632648" cy="816324"/>
+        <a:off x="2186095" y="2714008"/>
+        <a:ext cx="952939" cy="1167131"/>
       </dsp:txXfrm>
     </dsp:sp>
-    <dsp:sp modelId="{9427073D-523A-414B-8333-31CD6FA992C2}">
+    <dsp:sp modelId="{8AADE217-201E-4DDC-ADDA-787E0AF61F02}">
       <dsp:nvSpPr>
         <dsp:cNvPr id="0" name=""/>
         <dsp:cNvSpPr/>
       </dsp:nvSpPr>
       <dsp:spPr>
         <a:xfrm>
-          <a:off x="4397740" y="1160731"/>
-          <a:ext cx="1632648" cy="816324"/>
+          <a:off x="3253709" y="1342954"/>
+          <a:ext cx="1012233" cy="1226425"/>
         </a:xfrm>
-        <a:prstGeom prst="rect">
-          <a:avLst/>
+        <a:prstGeom prst="roundRect">
+          <a:avLst>
+            <a:gd name="adj" fmla="val 10000"/>
+          </a:avLst>
         </a:prstGeom>
         <a:gradFill rotWithShape="0">
           <a:gsLst>
@@ -8076,12 +7670,12 @@
         </a:fontRef>
       </dsp:style>
       <dsp:txBody>
-        <a:bodyPr spcFirstLastPara="0" vert="horz" wrap="square" lIns="16510" tIns="16510" rIns="16510" bIns="16510" numCol="1" spcCol="1270" anchor="ctr" anchorCtr="0">
+        <a:bodyPr spcFirstLastPara="0" vert="horz" wrap="square" lIns="64770" tIns="64770" rIns="64770" bIns="64770" numCol="1" spcCol="1270" anchor="ctr" anchorCtr="0">
           <a:noAutofit/>
         </a:bodyPr>
         <a:lstStyle/>
         <a:p>
-          <a:pPr marL="0" lvl="0" indent="0" algn="ctr" defTabSz="1155700">
+          <a:pPr marL="0" lvl="0" indent="0" algn="ctr" defTabSz="755650">
             <a:lnSpc>
               <a:spcPct val="90000"/>
             </a:lnSpc>
@@ -8094,29 +7688,31 @@
             <a:buNone/>
           </a:pPr>
           <a:r>
-            <a:rPr lang="es-ES" sz="2600" kern="1200" dirty="0"/>
+            <a:rPr lang="es-ES" sz="1700" kern="1200" dirty="0"/>
             <a:t>Display</a:t>
           </a:r>
-          <a:endParaRPr lang="en-US" sz="2600" kern="1200" dirty="0"/>
+          <a:endParaRPr lang="en-US" sz="1700" kern="1200" dirty="0"/>
         </a:p>
       </dsp:txBody>
       <dsp:txXfrm>
-        <a:off x="4397740" y="1160731"/>
-        <a:ext cx="1632648" cy="816324"/>
+        <a:off x="3283356" y="1372601"/>
+        <a:ext cx="952939" cy="1167131"/>
       </dsp:txXfrm>
     </dsp:sp>
-    <dsp:sp modelId="{A1201F8A-26BB-4C8B-8C01-EBB5EDE60F47}">
+    <dsp:sp modelId="{F10B9C03-1045-450C-BE15-CB9A01E7B89B}">
       <dsp:nvSpPr>
         <dsp:cNvPr id="0" name=""/>
         <dsp:cNvSpPr/>
       </dsp:nvSpPr>
       <dsp:spPr>
         <a:xfrm>
-          <a:off x="4805902" y="2319912"/>
-          <a:ext cx="1632648" cy="816324"/>
+          <a:off x="3253709" y="2684361"/>
+          <a:ext cx="1012233" cy="1226425"/>
         </a:xfrm>
-        <a:prstGeom prst="rect">
-          <a:avLst/>
+        <a:prstGeom prst="roundRect">
+          <a:avLst>
+            <a:gd name="adj" fmla="val 10000"/>
+          </a:avLst>
         </a:prstGeom>
         <a:gradFill rotWithShape="0">
           <a:gsLst>
@@ -8178,12 +7774,12 @@
         </a:fontRef>
       </dsp:style>
       <dsp:txBody>
-        <a:bodyPr spcFirstLastPara="0" vert="horz" wrap="square" lIns="16510" tIns="16510" rIns="16510" bIns="16510" numCol="1" spcCol="1270" anchor="ctr" anchorCtr="0">
+        <a:bodyPr spcFirstLastPara="0" vert="horz" wrap="square" lIns="53340" tIns="53340" rIns="53340" bIns="53340" numCol="1" spcCol="1270" anchor="ctr" anchorCtr="0">
           <a:noAutofit/>
         </a:bodyPr>
         <a:lstStyle/>
         <a:p>
-          <a:pPr marL="0" lvl="0" indent="0" algn="ctr" defTabSz="1155700">
+          <a:pPr marL="0" lvl="0" indent="0" algn="ctr" defTabSz="622300">
             <a:lnSpc>
               <a:spcPct val="90000"/>
             </a:lnSpc>
@@ -8196,34 +7792,36 @@
             <a:buNone/>
           </a:pPr>
           <a:r>
-            <a:rPr lang="es-ES" sz="2600" kern="1200" dirty="0"/>
+            <a:rPr lang="es-ES" sz="1400" kern="1200" dirty="0"/>
             <a:t>Siete segmentos</a:t>
           </a:r>
-          <a:endParaRPr lang="en-US" sz="2600" kern="1200" dirty="0"/>
+          <a:endParaRPr lang="en-US" sz="1400" kern="1200" dirty="0"/>
         </a:p>
       </dsp:txBody>
       <dsp:txXfrm>
-        <a:off x="4805902" y="2319912"/>
-        <a:ext cx="1632648" cy="816324"/>
+        <a:off x="3283356" y="2714008"/>
+        <a:ext cx="952939" cy="1167131"/>
       </dsp:txXfrm>
     </dsp:sp>
-    <dsp:sp modelId="{3708C7D8-94D8-4FDF-8A09-CBD0C88345BB}">
+    <dsp:sp modelId="{A1B4FFEF-3E00-452D-9846-82DBFBC5348B}">
       <dsp:nvSpPr>
         <dsp:cNvPr id="0" name=""/>
         <dsp:cNvSpPr/>
       </dsp:nvSpPr>
       <dsp:spPr>
         <a:xfrm>
-          <a:off x="4805902" y="3479092"/>
-          <a:ext cx="1632648" cy="816324"/>
+          <a:off x="4350970" y="1342954"/>
+          <a:ext cx="1012233" cy="1226425"/>
         </a:xfrm>
-        <a:prstGeom prst="rect">
-          <a:avLst/>
+        <a:prstGeom prst="roundRect">
+          <a:avLst>
+            <a:gd name="adj" fmla="val 10000"/>
+          </a:avLst>
         </a:prstGeom>
         <a:gradFill rotWithShape="0">
           <a:gsLst>
             <a:gs pos="0">
-              <a:schemeClr val="accent3">
+              <a:schemeClr val="accent2">
                 <a:hueOff val="0"/>
                 <a:satOff val="0"/>
                 <a:lumOff val="0"/>
@@ -8233,7 +7831,7 @@
               </a:schemeClr>
             </a:gs>
             <a:gs pos="78000">
-              <a:schemeClr val="accent3">
+              <a:schemeClr val="accent2">
                 <a:hueOff val="0"/>
                 <a:satOff val="0"/>
                 <a:lumOff val="0"/>
@@ -8280,12 +7878,12 @@
         </a:fontRef>
       </dsp:style>
       <dsp:txBody>
-        <a:bodyPr spcFirstLastPara="0" vert="horz" wrap="square" lIns="16510" tIns="16510" rIns="16510" bIns="16510" numCol="1" spcCol="1270" anchor="ctr" anchorCtr="0">
+        <a:bodyPr spcFirstLastPara="0" vert="horz" wrap="square" lIns="64770" tIns="64770" rIns="64770" bIns="64770" numCol="1" spcCol="1270" anchor="ctr" anchorCtr="0">
           <a:noAutofit/>
         </a:bodyPr>
         <a:lstStyle/>
         <a:p>
-          <a:pPr marL="0" lvl="0" indent="0" algn="ctr" defTabSz="1155700">
+          <a:pPr marL="0" lvl="0" indent="0" algn="ctr" defTabSz="755650">
             <a:lnSpc>
               <a:spcPct val="90000"/>
             </a:lnSpc>
@@ -8298,28 +7896,30 @@
             <a:buNone/>
           </a:pPr>
           <a:r>
-            <a:rPr lang="en-US" sz="2600" kern="1200" dirty="0"/>
+            <a:rPr lang="en-US" sz="1700" kern="1200" dirty="0"/>
             <a:t>LEDs</a:t>
           </a:r>
         </a:p>
       </dsp:txBody>
       <dsp:txXfrm>
-        <a:off x="4805902" y="3479092"/>
-        <a:ext cx="1632648" cy="816324"/>
+        <a:off x="4380617" y="1372601"/>
+        <a:ext cx="952939" cy="1167131"/>
       </dsp:txXfrm>
     </dsp:sp>
-    <dsp:sp modelId="{F6C858FB-85BC-4E05-836D-3E1B4990E461}">
+    <dsp:sp modelId="{1A8168E8-91B6-418D-BF35-B080EB8F3A33}">
       <dsp:nvSpPr>
         <dsp:cNvPr id="0" name=""/>
         <dsp:cNvSpPr/>
       </dsp:nvSpPr>
       <dsp:spPr>
         <a:xfrm>
-          <a:off x="4397740" y="1550"/>
-          <a:ext cx="1632648" cy="816324"/>
+          <a:off x="5533258" y="1547"/>
+          <a:ext cx="1012233" cy="1226425"/>
         </a:xfrm>
-        <a:prstGeom prst="rect">
-          <a:avLst/>
+        <a:prstGeom prst="roundRect">
+          <a:avLst>
+            <a:gd name="adj" fmla="val 10000"/>
+          </a:avLst>
         </a:prstGeom>
         <a:gradFill rotWithShape="0">
           <a:gsLst>
@@ -8381,12 +7981,12 @@
         </a:fontRef>
       </dsp:style>
       <dsp:txBody>
-        <a:bodyPr spcFirstLastPara="0" vert="horz" wrap="square" lIns="16510" tIns="16510" rIns="16510" bIns="16510" numCol="1" spcCol="1270" anchor="ctr" anchorCtr="0">
+        <a:bodyPr spcFirstLastPara="0" vert="horz" wrap="square" lIns="91440" tIns="91440" rIns="91440" bIns="91440" numCol="1" spcCol="1270" anchor="ctr" anchorCtr="0">
           <a:noAutofit/>
         </a:bodyPr>
         <a:lstStyle/>
         <a:p>
-          <a:pPr marL="0" lvl="0" indent="0" algn="ctr" defTabSz="1155700">
+          <a:pPr marL="0" lvl="0" indent="0" algn="ctr" defTabSz="1066800">
             <a:lnSpc>
               <a:spcPct val="90000"/>
             </a:lnSpc>
@@ -8399,19 +7999,19 @@
             <a:buNone/>
           </a:pPr>
           <a:r>
-            <a:rPr lang="en-US" sz="2600" kern="1200" dirty="0"/>
+            <a:rPr lang="en-US" sz="2400" kern="1200" dirty="0"/>
             <a:t>Base de </a:t>
           </a:r>
           <a:r>
-            <a:rPr lang="en-US" sz="2600" kern="1200" dirty="0" err="1"/>
+            <a:rPr lang="en-US" sz="2400" kern="1200" dirty="0" err="1"/>
             <a:t>datos</a:t>
           </a:r>
-          <a:endParaRPr lang="en-US" sz="2600" kern="1200" dirty="0"/>
+          <a:endParaRPr lang="en-US" sz="2400" kern="1200" dirty="0"/>
         </a:p>
       </dsp:txBody>
       <dsp:txXfrm>
-        <a:off x="4397740" y="1550"/>
-        <a:ext cx="1632648" cy="816324"/>
+        <a:off x="5562905" y="31194"/>
+        <a:ext cx="952939" cy="1167131"/>
       </dsp:txXfrm>
     </dsp:sp>
   </dsp:spTree>
@@ -10225,12 +9825,13 @@
 </file>
 
 <file path=ppt/diagrams/layout1.xml><?xml version="1.0" encoding="utf-8"?>
-<dgm:layoutDef xmlns:dgm="http://schemas.openxmlformats.org/drawingml/2006/diagram" xmlns:a="http://schemas.openxmlformats.org/drawingml/2006/main" uniqueId="urn:microsoft.com/office/officeart/2005/8/layout/orgChart1">
+<dgm:layoutDef xmlns:dgm="http://schemas.openxmlformats.org/drawingml/2006/diagram" xmlns:a="http://schemas.openxmlformats.org/drawingml/2006/main" uniqueId="urn:microsoft.com/office/officeart/2005/8/layout/hierarchy4">
   <dgm:title val=""/>
   <dgm:desc val=""/>
   <dgm:catLst>
-    <dgm:cat type="hierarchy" pri="1000"/>
-    <dgm:cat type="convert" pri="6000"/>
+    <dgm:cat type="hierarchy" pri="4000"/>
+    <dgm:cat type="list" pri="24000"/>
+    <dgm:cat type="relationship" pri="10000"/>
   </dgm:catLst>
   <dgm:sampData>
     <dgm:dataModel>
@@ -10239,25 +9840,29 @@
         <dgm:pt modelId="1">
           <dgm:prSet phldr="1"/>
         </dgm:pt>
-        <dgm:pt modelId="2" type="asst">
+        <dgm:pt modelId="2">
+          <dgm:prSet phldr="1"/>
+        </dgm:pt>
+        <dgm:pt modelId="21">
+          <dgm:prSet phldr="1"/>
+        </dgm:pt>
+        <dgm:pt modelId="22">
           <dgm:prSet phldr="1"/>
         </dgm:pt>
         <dgm:pt modelId="3">
           <dgm:prSet phldr="1"/>
         </dgm:pt>
-        <dgm:pt modelId="4">
-          <dgm:prSet phldr="1"/>
-        </dgm:pt>
-        <dgm:pt modelId="5">
+        <dgm:pt modelId="31">
           <dgm:prSet phldr="1"/>
         </dgm:pt>
       </dgm:ptLst>
       <dgm:cxnLst>
-        <dgm:cxn modelId="5" srcId="0" destId="1" srcOrd="0" destOrd="0"/>
-        <dgm:cxn modelId="6" srcId="1" destId="2" srcOrd="0" destOrd="0"/>
-        <dgm:cxn modelId="7" srcId="1" destId="3" srcOrd="1" destOrd="0"/>
-        <dgm:cxn modelId="8" srcId="1" destId="4" srcOrd="2" destOrd="0"/>
-        <dgm:cxn modelId="9" srcId="1" destId="5" srcOrd="3" destOrd="0"/>
+        <dgm:cxn modelId="4" srcId="0" destId="1" srcOrd="0" destOrd="0"/>
+        <dgm:cxn modelId="5" srcId="1" destId="2" srcOrd="0" destOrd="0"/>
+        <dgm:cxn modelId="6" srcId="1" destId="3" srcOrd="1" destOrd="0"/>
+        <dgm:cxn modelId="23" srcId="2" destId="21" srcOrd="0" destOrd="0"/>
+        <dgm:cxn modelId="24" srcId="2" destId="22" srcOrd="1" destOrd="0"/>
+        <dgm:cxn modelId="33" srcId="3" destId="31" srcOrd="0" destOrd="0"/>
       </dgm:cxnLst>
       <dgm:bg/>
       <dgm:whole/>
@@ -10268,13 +9873,13 @@
       <dgm:ptLst>
         <dgm:pt modelId="0" type="doc"/>
         <dgm:pt modelId="1"/>
+        <dgm:pt modelId="11"/>
         <dgm:pt modelId="12"/>
-        <dgm:pt modelId="13"/>
       </dgm:ptLst>
       <dgm:cxnLst>
         <dgm:cxn modelId="2" srcId="0" destId="1" srcOrd="0" destOrd="0"/>
-        <dgm:cxn modelId="16" srcId="1" destId="12" srcOrd="1" destOrd="0"/>
-        <dgm:cxn modelId="17" srcId="1" destId="13" srcOrd="2" destOrd="0"/>
+        <dgm:cxn modelId="13" srcId="1" destId="11" srcOrd="0" destOrd="0"/>
+        <dgm:cxn modelId="14" srcId="1" destId="12" srcOrd="1" destOrd="0"/>
       </dgm:cxnLst>
       <dgm:bg/>
       <dgm:whole/>
@@ -10285,40 +9890,45 @@
       <dgm:ptLst>
         <dgm:pt modelId="0" type="doc"/>
         <dgm:pt modelId="1"/>
-        <dgm:pt modelId="11" type="asst"/>
-        <dgm:pt modelId="12"/>
-        <dgm:pt modelId="13"/>
-        <dgm:pt modelId="14"/>
+        <dgm:pt modelId="2"/>
+        <dgm:pt modelId="21"/>
+        <dgm:pt modelId="211"/>
+        <dgm:pt modelId="3"/>
+        <dgm:pt modelId="31"/>
+        <dgm:pt modelId="311"/>
       </dgm:ptLst>
       <dgm:cxnLst>
-        <dgm:cxn modelId="2" srcId="0" destId="1" srcOrd="0" destOrd="0"/>
-        <dgm:cxn modelId="15" srcId="1" destId="11" srcOrd="0" destOrd="0"/>
-        <dgm:cxn modelId="16" srcId="1" destId="12" srcOrd="1" destOrd="0"/>
-        <dgm:cxn modelId="17" srcId="1" destId="13" srcOrd="2" destOrd="0"/>
-        <dgm:cxn modelId="18" srcId="1" destId="14" srcOrd="2" destOrd="0"/>
+        <dgm:cxn modelId="4" srcId="0" destId="1" srcOrd="0" destOrd="0"/>
+        <dgm:cxn modelId="5" srcId="1" destId="2" srcOrd="0" destOrd="0"/>
+        <dgm:cxn modelId="6" srcId="1" destId="3" srcOrd="1" destOrd="0"/>
+        <dgm:cxn modelId="23" srcId="2" destId="21" srcOrd="0" destOrd="0"/>
+        <dgm:cxn modelId="24" srcId="21" destId="211" srcOrd="0" destOrd="0"/>
+        <dgm:cxn modelId="33" srcId="3" destId="31" srcOrd="0" destOrd="0"/>
+        <dgm:cxn modelId="34" srcId="31" destId="311" srcOrd="0" destOrd="0"/>
       </dgm:cxnLst>
       <dgm:bg/>
       <dgm:whole/>
     </dgm:dataModel>
   </dgm:clrData>
-  <dgm:layoutNode name="hierChild1">
+  <dgm:layoutNode name="Name0">
     <dgm:varLst>
-      <dgm:orgChart val="1"/>
       <dgm:chPref val="1"/>
       <dgm:dir/>
       <dgm:animOne val="branch"/>
       <dgm:animLvl val="lvl"/>
       <dgm:resizeHandles/>
     </dgm:varLst>
-    <dgm:choose name="Name0">
-      <dgm:if name="Name1" func="var" arg="dir" op="equ" val="norm">
-        <dgm:alg type="hierChild">
+    <dgm:choose name="Name1">
+      <dgm:if name="Name2" func="var" arg="dir" op="equ" val="norm">
+        <dgm:alg type="lin">
           <dgm:param type="linDir" val="fromL"/>
+          <dgm:param type="nodeVertAlign" val="t"/>
         </dgm:alg>
       </dgm:if>
-      <dgm:else name="Name2">
-        <dgm:alg type="hierChild">
+      <dgm:else name="Name3">
+        <dgm:alg type="lin">
           <dgm:param type="linDir" val="fromR"/>
+          <dgm:param type="nodeVertAlign" val="t"/>
         </dgm:alg>
       </dgm:else>
     </dgm:choose>
@@ -10327,1044 +9937,410 @@
     </dgm:shape>
     <dgm:presOf/>
     <dgm:constrLst>
-      <dgm:constr type="w" for="des" forName="rootComposite1" refType="w" fact="10"/>
-      <dgm:constr type="h" for="des" forName="rootComposite1" refType="w" refFor="des" refForName="rootComposite1" fact="0.5"/>
-      <dgm:constr type="w" for="des" forName="rootComposite" refType="w" fact="10"/>
-      <dgm:constr type="h" for="des" forName="rootComposite" refType="w" refFor="des" refForName="rootComposite1" fact="0.5"/>
-      <dgm:constr type="w" for="des" forName="rootComposite3" refType="w" fact="10"/>
-      <dgm:constr type="h" for="des" forName="rootComposite3" refType="w" refFor="des" refForName="rootComposite1" fact="0.5"/>
-      <dgm:constr type="primFontSz" for="des" ptType="node" op="equ"/>
-      <dgm:constr type="sp" for="des" op="equ"/>
-      <dgm:constr type="sp" for="des" forName="hierRoot1" refType="w" refFor="des" refForName="rootComposite1" fact="0.21"/>
-      <dgm:constr type="sp" for="des" forName="hierRoot2" refType="sp" refFor="des" refForName="hierRoot1"/>
-      <dgm:constr type="sp" for="des" forName="hierRoot3" refType="sp" refFor="des" refForName="hierRoot1"/>
-      <dgm:constr type="sibSp" refType="w" refFor="des" refForName="rootComposite1" fact="0.21"/>
-      <dgm:constr type="sibSp" for="des" forName="hierChild2" refType="sibSp"/>
-      <dgm:constr type="sibSp" for="des" forName="hierChild3" refType="sibSp"/>
-      <dgm:constr type="sibSp" for="des" forName="hierChild4" refType="sibSp"/>
-      <dgm:constr type="sibSp" for="des" forName="hierChild5" refType="sibSp"/>
-      <dgm:constr type="sibSp" for="des" forName="hierChild6" refType="sibSp"/>
-      <dgm:constr type="sibSp" for="des" forName="hierChild7" refType="sibSp"/>
-      <dgm:constr type="secSibSp" refType="w" refFor="des" refForName="rootComposite1" fact="0.21"/>
-      <dgm:constr type="secSibSp" for="des" forName="hierChild2" refType="secSibSp"/>
-      <dgm:constr type="secSibSp" for="des" forName="hierChild3" refType="secSibSp"/>
-      <dgm:constr type="secSibSp" for="des" forName="hierChild4" refType="secSibSp"/>
-      <dgm:constr type="secSibSp" for="des" forName="hierChild5" refType="secSibSp"/>
-      <dgm:constr type="secSibSp" for="des" forName="hierChild6" refType="secSibSp"/>
-      <dgm:constr type="secSibSp" for="des" forName="hierChild7" refType="secSibSp"/>
+      <dgm:constr type="w" for="ch" forName="vertOne" refType="w"/>
+      <dgm:constr type="w" for="des" forName="horzOne" refType="w"/>
+      <dgm:constr type="w" for="des" forName="txOne" refType="w"/>
+      <dgm:constr type="w" for="des" forName="vertTwo" refType="w"/>
+      <dgm:constr type="w" for="des" forName="horzTwo" refType="w"/>
+      <dgm:constr type="w" for="des" forName="txTwo" refType="w"/>
+      <dgm:constr type="w" for="des" forName="vertThree" refType="w"/>
+      <dgm:constr type="w" for="des" forName="horzThree" refType="w"/>
+      <dgm:constr type="w" for="des" forName="txThree" refType="w"/>
+      <dgm:constr type="w" for="des" forName="vertFour" refType="w"/>
+      <dgm:constr type="w" for="des" forName="horzFour" refType="w"/>
+      <dgm:constr type="w" for="des" forName="txFour" refType="w"/>
+      <dgm:constr type="h" for="des" ptType="node" op="equ"/>
+      <dgm:constr type="h" for="des" forName="txOne" refType="h"/>
+      <dgm:constr type="userH" for="des" ptType="node" refType="h" refFor="des" refForName="txOne"/>
+      <dgm:constr type="primFontSz" for="des" forName="txOne" val="65"/>
+      <dgm:constr type="primFontSz" for="des" forName="txTwo" val="65"/>
+      <dgm:constr type="primFontSz" for="des" forName="txTwo" refType="primFontSz" refFor="des" refForName="txOne" op="lte"/>
+      <dgm:constr type="primFontSz" for="des" forName="txThree" val="65"/>
+      <dgm:constr type="primFontSz" for="des" forName="txThree" refType="primFontSz" refFor="des" refForName="txOne" op="lte"/>
+      <dgm:constr type="primFontSz" for="des" forName="txThree" refType="primFontSz" refFor="des" refForName="txTwo" op="lte"/>
+      <dgm:constr type="primFontSz" for="des" forName="txFour" val="65"/>
+      <dgm:constr type="primFontSz" for="des" forName="txFour" refType="primFontSz" refFor="des" refForName="txOne" op="lte"/>
+      <dgm:constr type="primFontSz" for="des" forName="txFour" refType="primFontSz" refFor="des" refForName="txTwo" op="lte"/>
+      <dgm:constr type="primFontSz" for="des" forName="txFour" refType="primFontSz" refFor="des" refForName="txThree" op="lte"/>
+      <dgm:constr type="w" for="des" forName="sibSpaceOne" refType="w" fact="0.168"/>
+      <dgm:constr type="w" for="des" forName="sibSpaceTwo" refType="w" refFor="des" refForName="sibSpaceOne" op="equ" fact="0.5"/>
+      <dgm:constr type="w" for="des" forName="sibSpaceThree" refType="w" refFor="des" refForName="sibSpaceTwo" op="equ" fact="0.5"/>
+      <dgm:constr type="w" for="des" forName="sibSpaceFour" refType="w" refFor="des" refForName="sibSpaceThree" op="equ" fact="0.5"/>
+      <dgm:constr type="h" for="des" forName="parTransOne" refType="w" fact="0.056"/>
+      <dgm:constr type="h" for="des" forName="parTransTwo" refType="h" refFor="des" refForName="parTransOne" op="equ"/>
+      <dgm:constr type="h" for="des" forName="parTransThree" refType="h" refFor="des" refForName="parTransTwo" op="equ"/>
+      <dgm:constr type="h" for="des" forName="parTransFour" refType="h" refFor="des" refForName="parTransThree" op="equ"/>
     </dgm:constrLst>
     <dgm:ruleLst/>
-    <dgm:forEach name="Name3" axis="ch">
-      <dgm:forEach name="Name4" axis="self" ptType="node">
-        <dgm:layoutNode name="hierRoot1">
+    <dgm:forEach name="Name4" axis="ch" ptType="node">
+      <dgm:layoutNode name="vertOne">
+        <dgm:alg type="lin">
+          <dgm:param type="linDir" val="fromT"/>
+        </dgm:alg>
+        <dgm:shape xmlns:r="http://schemas.openxmlformats.org/officeDocument/2006/relationships" r:blip="">
+          <dgm:adjLst/>
+        </dgm:shape>
+        <dgm:presOf/>
+        <dgm:constrLst>
+          <dgm:constr type="w" for="ch" forName="txOne" refType="w" refFor="ch" refForName="horzOne" op="gte"/>
+        </dgm:constrLst>
+        <dgm:ruleLst/>
+        <dgm:layoutNode name="txOne" styleLbl="node0">
           <dgm:varLst>
-            <dgm:hierBranch val="init"/>
+            <dgm:chPref val="3"/>
           </dgm:varLst>
-          <dgm:choose name="Name5">
-            <dgm:if name="Name6" func="var" arg="hierBranch" op="equ" val="l">
-              <dgm:choose name="Name7">
-                <dgm:if name="Name8" axis="ch" ptType="asst" func="cnt" op="gte" val="1">
-                  <dgm:alg type="hierRoot">
-                    <dgm:param type="hierAlign" val="tR"/>
-                  </dgm:alg>
-                  <dgm:constrLst>
-                    <dgm:constr type="alignOff" val="0.65"/>
-                  </dgm:constrLst>
-                </dgm:if>
-                <dgm:else name="Name9">
-                  <dgm:alg type="hierRoot">
-                    <dgm:param type="hierAlign" val="tR"/>
-                  </dgm:alg>
-                  <dgm:constrLst>
-                    <dgm:constr type="alignOff" val="0.25"/>
-                  </dgm:constrLst>
-                </dgm:else>
-              </dgm:choose>
+          <dgm:alg type="tx"/>
+          <dgm:shape xmlns:r="http://schemas.openxmlformats.org/officeDocument/2006/relationships" type="roundRect" r:blip="">
+            <dgm:adjLst>
+              <dgm:adj idx="1" val="0.1"/>
+            </dgm:adjLst>
+          </dgm:shape>
+          <dgm:presOf axis="self"/>
+          <dgm:constrLst>
+            <dgm:constr type="tMarg" refType="primFontSz" fact="0.3"/>
+            <dgm:constr type="bMarg" refType="primFontSz" fact="0.3"/>
+            <dgm:constr type="lMarg" refType="primFontSz" fact="0.3"/>
+            <dgm:constr type="rMarg" refType="primFontSz" fact="0.3"/>
+          </dgm:constrLst>
+          <dgm:ruleLst>
+            <dgm:rule type="primFontSz" val="5" fact="NaN" max="NaN"/>
+          </dgm:ruleLst>
+        </dgm:layoutNode>
+        <dgm:choose name="Name5">
+          <dgm:if name="Name6" axis="des" ptType="node" func="cnt" op="gt" val="0">
+            <dgm:layoutNode name="parTransOne">
+              <dgm:alg type="sp"/>
+              <dgm:shape xmlns:r="http://schemas.openxmlformats.org/officeDocument/2006/relationships" r:blip="">
+                <dgm:adjLst/>
+              </dgm:shape>
+              <dgm:presOf/>
+              <dgm:constrLst/>
+              <dgm:ruleLst/>
+            </dgm:layoutNode>
+          </dgm:if>
+          <dgm:else name="Name7"/>
+        </dgm:choose>
+        <dgm:layoutNode name="horzOne">
+          <dgm:choose name="Name8">
+            <dgm:if name="Name9" func="var" arg="dir" op="equ" val="norm">
+              <dgm:alg type="lin">
+                <dgm:param type="linDir" val="fromL"/>
+                <dgm:param type="nodeVertAlign" val="t"/>
+              </dgm:alg>
             </dgm:if>
-            <dgm:if name="Name10" func="var" arg="hierBranch" op="equ" val="r">
-              <dgm:choose name="Name11">
-                <dgm:if name="Name12" axis="ch" ptType="asst" func="cnt" op="gte" val="1">
-                  <dgm:alg type="hierRoot">
-                    <dgm:param type="hierAlign" val="tL"/>
-                  </dgm:alg>
-                  <dgm:constrLst>
-                    <dgm:constr type="alignOff" val="0.65"/>
-                  </dgm:constrLst>
-                </dgm:if>
-                <dgm:else name="Name13">
-                  <dgm:alg type="hierRoot">
-                    <dgm:param type="hierAlign" val="tL"/>
-                  </dgm:alg>
-                  <dgm:constrLst>
-                    <dgm:constr type="alignOff" val="0.25"/>
-                  </dgm:constrLst>
-                </dgm:else>
-              </dgm:choose>
-            </dgm:if>
-            <dgm:if name="Name14" func="var" arg="hierBranch" op="equ" val="hang">
-              <dgm:alg type="hierRoot"/>
-              <dgm:constrLst>
-                <dgm:constr type="alignOff" val="0.65"/>
-              </dgm:constrLst>
-            </dgm:if>
-            <dgm:else name="Name15">
-              <dgm:alg type="hierRoot"/>
-              <dgm:constrLst>
-                <dgm:constr type="alignOff"/>
-                <dgm:constr type="bendDist" for="des" ptType="parTrans" refType="sp" fact="0.5"/>
-              </dgm:constrLst>
+            <dgm:else name="Name10">
+              <dgm:alg type="lin">
+                <dgm:param type="linDir" val="fromR"/>
+                <dgm:param type="nodeVertAlign" val="t"/>
+              </dgm:alg>
             </dgm:else>
           </dgm:choose>
           <dgm:shape xmlns:r="http://schemas.openxmlformats.org/officeDocument/2006/relationships" r:blip="">
             <dgm:adjLst/>
           </dgm:shape>
           <dgm:presOf/>
-          <dgm:ruleLst/>
-          <dgm:layoutNode name="rootComposite1">
-            <dgm:alg type="composite"/>
-            <dgm:shape xmlns:r="http://schemas.openxmlformats.org/officeDocument/2006/relationships" r:blip="">
-              <dgm:adjLst/>
-            </dgm:shape>
-            <dgm:presOf axis="self" ptType="node" cnt="1"/>
-            <dgm:choose name="Name16">
-              <dgm:if name="Name17" func="var" arg="hierBranch" op="equ" val="init">
-                <dgm:constrLst>
-                  <dgm:constr type="l" for="ch" forName="rootText1"/>
-                  <dgm:constr type="t" for="ch" forName="rootText1"/>
-                  <dgm:constr type="w" for="ch" forName="rootText1" refType="w"/>
-                  <dgm:constr type="h" for="ch" forName="rootText1" refType="h"/>
-                  <dgm:constr type="l" for="ch" forName="rootConnector1"/>
-                  <dgm:constr type="t" for="ch" forName="rootConnector1"/>
-                  <dgm:constr type="w" for="ch" forName="rootConnector1" refType="w" refFor="ch" refForName="rootText1" fact="0.2"/>
-                  <dgm:constr type="h" for="ch" forName="rootConnector1" refType="h" refFor="ch" refForName="rootText1"/>
-                </dgm:constrLst>
-              </dgm:if>
-              <dgm:if name="Name18" func="var" arg="hierBranch" op="equ" val="l">
-                <dgm:constrLst>
-                  <dgm:constr type="l" for="ch" forName="rootText1"/>
-                  <dgm:constr type="t" for="ch" forName="rootText1"/>
-                  <dgm:constr type="w" for="ch" forName="rootText1" refType="w"/>
-                  <dgm:constr type="h" for="ch" forName="rootText1" refType="h"/>
-                  <dgm:constr type="r" for="ch" forName="rootConnector1" refType="w"/>
-                  <dgm:constr type="t" for="ch" forName="rootConnector1"/>
-                  <dgm:constr type="w" for="ch" forName="rootConnector1" refType="w" refFor="ch" refForName="rootText1" fact="0.2"/>
-                  <dgm:constr type="h" for="ch" forName="rootConnector1" refType="h" refFor="ch" refForName="rootText1"/>
-                </dgm:constrLst>
-              </dgm:if>
-              <dgm:if name="Name19" func="var" arg="hierBranch" op="equ" val="r">
-                <dgm:constrLst>
-                  <dgm:constr type="l" for="ch" forName="rootText1"/>
-                  <dgm:constr type="t" for="ch" forName="rootText1"/>
-                  <dgm:constr type="w" for="ch" forName="rootText1" refType="w"/>
-                  <dgm:constr type="h" for="ch" forName="rootText1" refType="h"/>
-                  <dgm:constr type="l" for="ch" forName="rootConnector1"/>
-                  <dgm:constr type="t" for="ch" forName="rootConnector1"/>
-                  <dgm:constr type="w" for="ch" forName="rootConnector1" refType="w" refFor="ch" refForName="rootText1" fact="0.2"/>
-                  <dgm:constr type="h" for="ch" forName="rootConnector1" refType="h" refFor="ch" refForName="rootText1"/>
-                </dgm:constrLst>
-              </dgm:if>
-              <dgm:else name="Name20">
-                <dgm:constrLst>
-                  <dgm:constr type="l" for="ch" forName="rootText1"/>
-                  <dgm:constr type="t" for="ch" forName="rootText1"/>
-                  <dgm:constr type="w" for="ch" forName="rootText1" refType="w"/>
-                  <dgm:constr type="h" for="ch" forName="rootText1" refType="h"/>
-                  <dgm:constr type="r" for="ch" forName="rootConnector1" refType="w"/>
-                  <dgm:constr type="t" for="ch" forName="rootConnector1"/>
-                  <dgm:constr type="w" for="ch" forName="rootConnector1" refType="w" refFor="ch" refForName="rootText1" fact="0.2"/>
-                  <dgm:constr type="h" for="ch" forName="rootConnector1" refType="h" refFor="ch" refForName="rootText1"/>
-                </dgm:constrLst>
-              </dgm:else>
-            </dgm:choose>
-            <dgm:ruleLst/>
-            <dgm:layoutNode name="rootText1" styleLbl="node0">
-              <dgm:varLst>
-                <dgm:chPref val="3"/>
-              </dgm:varLst>
-              <dgm:alg type="tx"/>
-              <dgm:shape xmlns:r="http://schemas.openxmlformats.org/officeDocument/2006/relationships" type="rect" r:blip="">
+          <dgm:constrLst/>
+          <dgm:ruleLst>
+            <dgm:rule type="w" val="INF" fact="NaN" max="NaN"/>
+          </dgm:ruleLst>
+          <dgm:forEach name="Name11" axis="ch" ptType="node">
+            <dgm:layoutNode name="vertTwo">
+              <dgm:alg type="lin">
+                <dgm:param type="linDir" val="fromT"/>
+              </dgm:alg>
+              <dgm:shape xmlns:r="http://schemas.openxmlformats.org/officeDocument/2006/relationships" r:blip="">
                 <dgm:adjLst/>
               </dgm:shape>
-              <dgm:presOf axis="self" ptType="node" cnt="1"/>
+              <dgm:presOf/>
               <dgm:constrLst>
-                <dgm:constr type="primFontSz" val="65"/>
-                <dgm:constr type="lMarg" refType="primFontSz" fact="0.05"/>
-                <dgm:constr type="rMarg" refType="primFontSz" fact="0.05"/>
-                <dgm:constr type="tMarg" refType="primFontSz" fact="0.05"/>
-                <dgm:constr type="bMarg" refType="primFontSz" fact="0.05"/>
+                <dgm:constr type="w" for="ch" forName="txTwo" refType="w" refFor="ch" refForName="horzTwo" op="gte"/>
               </dgm:constrLst>
-              <dgm:ruleLst>
-                <dgm:rule type="primFontSz" val="5" fact="NaN" max="NaN"/>
-              </dgm:ruleLst>
-            </dgm:layoutNode>
-            <dgm:layoutNode name="rootConnector1" moveWith="rootText1">
-              <dgm:alg type="sp"/>
-              <dgm:shape xmlns:r="http://schemas.openxmlformats.org/officeDocument/2006/relationships" type="rect" r:blip="" hideGeom="1">
-                <dgm:adjLst/>
-              </dgm:shape>
-              <dgm:presOf axis="self" ptType="node" cnt="1"/>
-              <dgm:constrLst/>
               <dgm:ruleLst/>
-            </dgm:layoutNode>
-          </dgm:layoutNode>
-          <dgm:layoutNode name="hierChild2">
-            <dgm:choose name="Name21">
-              <dgm:if name="Name22" func="var" arg="hierBranch" op="equ" val="l">
-                <dgm:alg type="hierChild">
-                  <dgm:param type="chAlign" val="r"/>
-                  <dgm:param type="linDir" val="fromT"/>
-                </dgm:alg>
-              </dgm:if>
-              <dgm:if name="Name23" func="var" arg="hierBranch" op="equ" val="r">
-                <dgm:alg type="hierChild">
-                  <dgm:param type="chAlign" val="l"/>
-                  <dgm:param type="linDir" val="fromT"/>
-                </dgm:alg>
-              </dgm:if>
-              <dgm:if name="Name24" func="var" arg="hierBranch" op="equ" val="hang">
-                <dgm:choose name="Name25">
-                  <dgm:if name="Name26" func="var" arg="dir" op="equ" val="norm">
-                    <dgm:alg type="hierChild">
-                      <dgm:param type="chAlign" val="l"/>
-                      <dgm:param type="linDir" val="fromL"/>
-                      <dgm:param type="secChAlign" val="t"/>
-                      <dgm:param type="secLinDir" val="fromT"/>
-                    </dgm:alg>
-                  </dgm:if>
-                  <dgm:else name="Name27">
-                    <dgm:alg type="hierChild">
-                      <dgm:param type="chAlign" val="l"/>
-                      <dgm:param type="linDir" val="fromR"/>
-                      <dgm:param type="secChAlign" val="t"/>
-                      <dgm:param type="secLinDir" val="fromT"/>
-                    </dgm:alg>
-                  </dgm:else>
-                </dgm:choose>
-              </dgm:if>
-              <dgm:else name="Name28">
-                <dgm:choose name="Name29">
-                  <dgm:if name="Name30" func="var" arg="dir" op="equ" val="norm">
-                    <dgm:alg type="hierChild"/>
-                  </dgm:if>
-                  <dgm:else name="Name31">
-                    <dgm:alg type="hierChild">
-                      <dgm:param type="linDir" val="fromR"/>
-                    </dgm:alg>
-                  </dgm:else>
-                </dgm:choose>
-              </dgm:else>
-            </dgm:choose>
-            <dgm:shape xmlns:r="http://schemas.openxmlformats.org/officeDocument/2006/relationships" r:blip="">
-              <dgm:adjLst/>
-            </dgm:shape>
-            <dgm:presOf/>
-            <dgm:constrLst/>
-            <dgm:ruleLst/>
-            <dgm:forEach name="rep2a" axis="ch" ptType="nonAsst">
-              <dgm:forEach name="Name32" axis="precedSib" ptType="parTrans" st="-1" cnt="1">
-                <dgm:choose name="Name33">
-                  <dgm:if name="Name34" func="var" arg="hierBranch" op="equ" val="std">
-                    <dgm:layoutNode name="Name35">
-                      <dgm:alg type="conn">
-                        <dgm:param type="connRout" val="bend"/>
-                        <dgm:param type="dim" val="1D"/>
-                        <dgm:param type="endSty" val="noArr"/>
-                        <dgm:param type="begPts" val="bCtr"/>
-                        <dgm:param type="endPts" val="tCtr"/>
-                        <dgm:param type="bendPt" val="end"/>
-                      </dgm:alg>
-                      <dgm:shape xmlns:r="http://schemas.openxmlformats.org/officeDocument/2006/relationships" type="conn" r:blip="" zOrderOff="-99999">
-                        <dgm:adjLst/>
-                      </dgm:shape>
-                      <dgm:presOf axis="self"/>
-                      <dgm:constrLst>
-                        <dgm:constr type="begPad"/>
-                        <dgm:constr type="endPad"/>
-                      </dgm:constrLst>
-                      <dgm:ruleLst/>
-                    </dgm:layoutNode>
-                  </dgm:if>
-                  <dgm:if name="Name36" func="var" arg="hierBranch" op="equ" val="init">
-                    <dgm:layoutNode name="Name37">
-                      <dgm:choose name="Name38">
-                        <dgm:if name="Name39" axis="self" func="depth" op="lte" val="2">
-                          <dgm:alg type="conn">
-                            <dgm:param type="connRout" val="bend"/>
-                            <dgm:param type="dim" val="1D"/>
-                            <dgm:param type="endSty" val="noArr"/>
-                            <dgm:param type="begPts" val="bCtr"/>
-                            <dgm:param type="endPts" val="tCtr"/>
-                            <dgm:param type="bendPt" val="end"/>
-                          </dgm:alg>
-                        </dgm:if>
-                        <dgm:else name="Name40">
-                          <dgm:choose name="Name41">
-                            <dgm:if name="Name42" axis="par des" func="maxDepth" op="lte" val="1">
-                              <dgm:choose name="Name43">
-                                <dgm:if name="Name44" axis="par ch" ptType="node asst" func="cnt" op="gte" val="1">
-                                  <dgm:alg type="conn">
-                                    <dgm:param type="connRout" val="bend"/>
-                                    <dgm:param type="dim" val="1D"/>
-                                    <dgm:param type="endSty" val="noArr"/>
-                                    <dgm:param type="begPts" val="bCtr"/>
-                                    <dgm:param type="endPts" val="midL midR"/>
-                                  </dgm:alg>
-                                </dgm:if>
-                                <dgm:else name="Name45">
-                                  <dgm:alg type="conn">
-                                    <dgm:param type="connRout" val="bend"/>
-                                    <dgm:param type="dim" val="1D"/>
-                                    <dgm:param type="endSty" val="noArr"/>
-                                    <dgm:param type="begPts" val="bCtr"/>
-                                    <dgm:param type="endPts" val="midL midR"/>
-                                    <dgm:param type="srcNode" val="rootConnector"/>
-                                  </dgm:alg>
-                                </dgm:else>
-                              </dgm:choose>
-                            </dgm:if>
-                            <dgm:else name="Name46">
-                              <dgm:alg type="conn">
-                                <dgm:param type="connRout" val="bend"/>
-                                <dgm:param type="dim" val="1D"/>
-                                <dgm:param type="endSty" val="noArr"/>
-                                <dgm:param type="begPts" val="bCtr"/>
-                                <dgm:param type="endPts" val="tCtr"/>
-                                <dgm:param type="bendPt" val="end"/>
-                              </dgm:alg>
-                            </dgm:else>
-                          </dgm:choose>
-                        </dgm:else>
-                      </dgm:choose>
-                      <dgm:shape xmlns:r="http://schemas.openxmlformats.org/officeDocument/2006/relationships" type="conn" r:blip="" zOrderOff="-99999">
-                        <dgm:adjLst/>
-                      </dgm:shape>
-                      <dgm:presOf axis="self"/>
-                      <dgm:constrLst>
-                        <dgm:constr type="begPad"/>
-                        <dgm:constr type="endPad"/>
-                      </dgm:constrLst>
-                      <dgm:ruleLst/>
-                    </dgm:layoutNode>
-                  </dgm:if>
-                  <dgm:if name="Name47" func="var" arg="hierBranch" op="equ" val="hang">
-                    <dgm:layoutNode name="Name48">
-                      <dgm:alg type="conn">
-                        <dgm:param type="connRout" val="bend"/>
-                        <dgm:param type="dim" val="1D"/>
-                        <dgm:param type="endSty" val="noArr"/>
-                        <dgm:param type="begPts" val="bCtr"/>
-                        <dgm:param type="endPts" val="midL midR"/>
-                      </dgm:alg>
-                      <dgm:shape xmlns:r="http://schemas.openxmlformats.org/officeDocument/2006/relationships" type="conn" r:blip="" zOrderOff="-99999">
-                        <dgm:adjLst/>
-                      </dgm:shape>
-                      <dgm:presOf axis="self"/>
-                      <dgm:constrLst>
-                        <dgm:constr type="begPad"/>
-                        <dgm:constr type="endPad"/>
-                      </dgm:constrLst>
-                      <dgm:ruleLst/>
-                    </dgm:layoutNode>
-                  </dgm:if>
-                  <dgm:else name="Name49">
-                    <dgm:layoutNode name="Name50">
-                      <dgm:choose name="Name51">
-                        <dgm:if name="Name52" axis="self" func="depth" op="lte" val="2">
-                          <dgm:choose name="Name53">
-                            <dgm:if name="Name54" axis="par ch" ptType="node asst" func="cnt" op="gte" val="1">
-                              <dgm:alg type="conn">
-                                <dgm:param type="connRout" val="bend"/>
-                                <dgm:param type="dim" val="1D"/>
-                                <dgm:param type="endSty" val="noArr"/>
-                                <dgm:param type="begPts" val="bCtr"/>
-                                <dgm:param type="endPts" val="midL midR"/>
-                              </dgm:alg>
-                            </dgm:if>
-                            <dgm:else name="Name55">
-                              <dgm:alg type="conn">
-                                <dgm:param type="connRout" val="bend"/>
-                                <dgm:param type="dim" val="1D"/>
-                                <dgm:param type="endSty" val="noArr"/>
-                                <dgm:param type="begPts" val="bCtr"/>
-                                <dgm:param type="endPts" val="midL midR"/>
-                                <dgm:param type="srcNode" val="rootConnector1"/>
-                              </dgm:alg>
-                            </dgm:else>
-                          </dgm:choose>
-                        </dgm:if>
-                        <dgm:else name="Name56">
-                          <dgm:choose name="Name57">
-                            <dgm:if name="Name58" axis="par ch" ptType="node asst" func="cnt" op="gte" val="1">
-                              <dgm:alg type="conn">
-                                <dgm:param type="connRout" val="bend"/>
-                                <dgm:param type="dim" val="1D"/>
-                                <dgm:param type="endSty" val="noArr"/>
-                                <dgm:param type="begPts" val="bCtr"/>
-                                <dgm:param type="endPts" val="midL midR"/>
-                              </dgm:alg>
-                            </dgm:if>
-                            <dgm:else name="Name59">
-                              <dgm:alg type="conn">
-                                <dgm:param type="connRout" val="bend"/>
-                                <dgm:param type="dim" val="1D"/>
-                                <dgm:param type="endSty" val="noArr"/>
-                                <dgm:param type="begPts" val="bCtr"/>
-                                <dgm:param type="endPts" val="midL midR"/>
-                                <dgm:param type="srcNode" val="rootConnector"/>
-                              </dgm:alg>
-                            </dgm:else>
-                          </dgm:choose>
-                        </dgm:else>
-                      </dgm:choose>
-                      <dgm:shape xmlns:r="http://schemas.openxmlformats.org/officeDocument/2006/relationships" type="conn" r:blip="" zOrderOff="-99999">
-                        <dgm:adjLst/>
-                      </dgm:shape>
-                      <dgm:presOf axis="self"/>
-                      <dgm:constrLst>
-                        <dgm:constr type="begPad"/>
-                        <dgm:constr type="endPad"/>
-                      </dgm:constrLst>
-                      <dgm:ruleLst/>
-                    </dgm:layoutNode>
-                  </dgm:else>
-                </dgm:choose>
-              </dgm:forEach>
-              <dgm:layoutNode name="hierRoot2">
+              <dgm:layoutNode name="txTwo">
                 <dgm:varLst>
-                  <dgm:hierBranch val="init"/>
+                  <dgm:chPref val="3"/>
                 </dgm:varLst>
-                <dgm:choose name="Name60">
-                  <dgm:if name="Name61" func="var" arg="hierBranch" op="equ" val="l">
-                    <dgm:choose name="Name62">
-                      <dgm:if name="Name63" axis="ch" ptType="asst" func="cnt" op="gte" val="1">
-                        <dgm:alg type="hierRoot">
-                          <dgm:param type="hierAlign" val="tR"/>
-                        </dgm:alg>
-                        <dgm:shape xmlns:r="http://schemas.openxmlformats.org/officeDocument/2006/relationships" r:blip="">
-                          <dgm:adjLst/>
-                        </dgm:shape>
-                        <dgm:presOf/>
-                        <dgm:constrLst>
-                          <dgm:constr type="alignOff" val="0.65"/>
-                        </dgm:constrLst>
-                      </dgm:if>
-                      <dgm:else name="Name64">
-                        <dgm:alg type="hierRoot">
-                          <dgm:param type="hierAlign" val="tR"/>
-                        </dgm:alg>
-                        <dgm:shape xmlns:r="http://schemas.openxmlformats.org/officeDocument/2006/relationships" r:blip="">
-                          <dgm:adjLst/>
-                        </dgm:shape>
-                        <dgm:presOf/>
-                        <dgm:constrLst>
-                          <dgm:constr type="alignOff" val="0.25"/>
-                        </dgm:constrLst>
-                      </dgm:else>
-                    </dgm:choose>
-                  </dgm:if>
-                  <dgm:if name="Name65" func="var" arg="hierBranch" op="equ" val="r">
-                    <dgm:choose name="Name66">
-                      <dgm:if name="Name67" axis="ch" ptType="asst" func="cnt" op="gte" val="1">
-                        <dgm:alg type="hierRoot">
-                          <dgm:param type="hierAlign" val="tL"/>
-                        </dgm:alg>
-                        <dgm:shape xmlns:r="http://schemas.openxmlformats.org/officeDocument/2006/relationships" r:blip="">
-                          <dgm:adjLst/>
-                        </dgm:shape>
-                        <dgm:presOf/>
-                        <dgm:constrLst>
-                          <dgm:constr type="alignOff" val="0.65"/>
-                        </dgm:constrLst>
-                      </dgm:if>
-                      <dgm:else name="Name68">
-                        <dgm:alg type="hierRoot">
-                          <dgm:param type="hierAlign" val="tL"/>
-                        </dgm:alg>
-                        <dgm:shape xmlns:r="http://schemas.openxmlformats.org/officeDocument/2006/relationships" r:blip="">
-                          <dgm:adjLst/>
-                        </dgm:shape>
-                        <dgm:presOf/>
-                        <dgm:constrLst>
-                          <dgm:constr type="alignOff" val="0.25"/>
-                        </dgm:constrLst>
-                      </dgm:else>
-                    </dgm:choose>
-                  </dgm:if>
-                  <dgm:if name="Name69" func="var" arg="hierBranch" op="equ" val="std">
-                    <dgm:alg type="hierRoot"/>
+                <dgm:alg type="tx"/>
+                <dgm:shape xmlns:r="http://schemas.openxmlformats.org/officeDocument/2006/relationships" type="roundRect" r:blip="">
+                  <dgm:adjLst>
+                    <dgm:adj idx="1" val="0.1"/>
+                  </dgm:adjLst>
+                </dgm:shape>
+                <dgm:presOf axis="self"/>
+                <dgm:constrLst>
+                  <dgm:constr type="userH"/>
+                  <dgm:constr type="h" refType="userH"/>
+                  <dgm:constr type="tMarg" refType="primFontSz" fact="0.3"/>
+                  <dgm:constr type="bMarg" refType="primFontSz" fact="0.3"/>
+                  <dgm:constr type="lMarg" refType="primFontSz" fact="0.3"/>
+                  <dgm:constr type="rMarg" refType="primFontSz" fact="0.3"/>
+                </dgm:constrLst>
+                <dgm:ruleLst>
+                  <dgm:rule type="primFontSz" val="5" fact="NaN" max="NaN"/>
+                </dgm:ruleLst>
+              </dgm:layoutNode>
+              <dgm:choose name="Name12">
+                <dgm:if name="Name13" axis="des" ptType="node" func="cnt" op="gt" val="0">
+                  <dgm:layoutNode name="parTransTwo">
+                    <dgm:alg type="sp"/>
                     <dgm:shape xmlns:r="http://schemas.openxmlformats.org/officeDocument/2006/relationships" r:blip="">
                       <dgm:adjLst/>
                     </dgm:shape>
                     <dgm:presOf/>
-                    <dgm:constrLst>
-                      <dgm:constr type="alignOff"/>
-                      <dgm:constr type="bendDist" for="des" ptType="parTrans" refType="sp" fact="0.5"/>
-                    </dgm:constrLst>
-                  </dgm:if>
-                  <dgm:if name="Name70" func="var" arg="hierBranch" op="equ" val="init">
-                    <dgm:choose name="Name71">
-                      <dgm:if name="Name72" axis="des" func="maxDepth" op="lte" val="1">
-                        <dgm:choose name="Name73">
-                          <dgm:if name="Name74" axis="ch" ptType="asst" func="cnt" op="gte" val="1">
-                            <dgm:alg type="hierRoot">
-                              <dgm:param type="hierAlign" val="tL"/>
-                            </dgm:alg>
-                            <dgm:shape xmlns:r="http://schemas.openxmlformats.org/officeDocument/2006/relationships" r:blip="">
-                              <dgm:adjLst/>
-                            </dgm:shape>
-                            <dgm:presOf/>
-                            <dgm:constrLst>
-                              <dgm:constr type="alignOff" val="0.65"/>
-                            </dgm:constrLst>
-                          </dgm:if>
-                          <dgm:else name="Name75">
-                            <dgm:alg type="hierRoot">
-                              <dgm:param type="hierAlign" val="tL"/>
-                            </dgm:alg>
-                            <dgm:shape xmlns:r="http://schemas.openxmlformats.org/officeDocument/2006/relationships" r:blip="">
-                              <dgm:adjLst/>
-                            </dgm:shape>
-                            <dgm:presOf/>
-                            <dgm:constrLst>
-                              <dgm:constr type="alignOff" val="0.25"/>
-                            </dgm:constrLst>
-                          </dgm:else>
-                        </dgm:choose>
-                      </dgm:if>
-                      <dgm:else name="Name76">
-                        <dgm:alg type="hierRoot"/>
-                        <dgm:shape xmlns:r="http://schemas.openxmlformats.org/officeDocument/2006/relationships" r:blip="">
-                          <dgm:adjLst/>
-                        </dgm:shape>
-                        <dgm:presOf/>
-                        <dgm:constrLst>
-                          <dgm:constr type="alignOff"/>
-                          <dgm:constr type="bendDist" for="des" ptType="parTrans" refType="sp" fact="0.5"/>
-                        </dgm:constrLst>
-                      </dgm:else>
-                    </dgm:choose>
-                  </dgm:if>
-                  <dgm:else name="Name77">
-                    <dgm:alg type="hierRoot"/>
-                    <dgm:shape xmlns:r="http://schemas.openxmlformats.org/officeDocument/2006/relationships" r:blip="">
-                      <dgm:adjLst/>
-                    </dgm:shape>
-                    <dgm:presOf/>
-                    <dgm:constrLst>
-                      <dgm:constr type="alignOff" val="0.65"/>
-                    </dgm:constrLst>
-                  </dgm:else>
-                </dgm:choose>
-                <dgm:ruleLst/>
-                <dgm:layoutNode name="rootComposite">
-                  <dgm:alg type="composite"/>
-                  <dgm:shape xmlns:r="http://schemas.openxmlformats.org/officeDocument/2006/relationships" r:blip="">
-                    <dgm:adjLst/>
-                  </dgm:shape>
-                  <dgm:presOf axis="self" ptType="node" cnt="1"/>
-                  <dgm:choose name="Name78">
-                    <dgm:if name="Name79" func="var" arg="hierBranch" op="equ" val="init">
-                      <dgm:constrLst>
-                        <dgm:constr type="l" for="ch" forName="rootText"/>
-                        <dgm:constr type="t" for="ch" forName="rootText"/>
-                        <dgm:constr type="w" for="ch" forName="rootText" refType="w"/>
-                        <dgm:constr type="h" for="ch" forName="rootText" refType="h"/>
-                        <dgm:constr type="l" for="ch" forName="rootConnector"/>
-                        <dgm:constr type="t" for="ch" forName="rootConnector"/>
-                        <dgm:constr type="w" for="ch" forName="rootConnector" refType="w" refFor="ch" refForName="rootText" fact="0.2"/>
-                        <dgm:constr type="h" for="ch" forName="rootConnector" refType="h" refFor="ch" refForName="rootText"/>
-                      </dgm:constrLst>
-                    </dgm:if>
-                    <dgm:if name="Name80" func="var" arg="hierBranch" op="equ" val="l">
-                      <dgm:constrLst>
-                        <dgm:constr type="l" for="ch" forName="rootText"/>
-                        <dgm:constr type="t" for="ch" forName="rootText"/>
-                        <dgm:constr type="w" for="ch" forName="rootText" refType="w"/>
-                        <dgm:constr type="h" for="ch" forName="rootText" refType="h"/>
-                        <dgm:constr type="r" for="ch" forName="rootConnector" refType="w"/>
-                        <dgm:constr type="t" for="ch" forName="rootConnector"/>
-                        <dgm:constr type="w" for="ch" forName="rootConnector" refType="w" refFor="ch" refForName="rootText" fact="0.2"/>
-                        <dgm:constr type="h" for="ch" forName="rootConnector" refType="h" refFor="ch" refForName="rootText"/>
-                      </dgm:constrLst>
-                    </dgm:if>
-                    <dgm:if name="Name81" func="var" arg="hierBranch" op="equ" val="r">
-                      <dgm:constrLst>
-                        <dgm:constr type="l" for="ch" forName="rootText"/>
-                        <dgm:constr type="t" for="ch" forName="rootText"/>
-                        <dgm:constr type="w" for="ch" forName="rootText" refType="w"/>
-                        <dgm:constr type="h" for="ch" forName="rootText" refType="h"/>
-                        <dgm:constr type="l" for="ch" forName="rootConnector"/>
-                        <dgm:constr type="t" for="ch" forName="rootConnector"/>
-                        <dgm:constr type="w" for="ch" forName="rootConnector" refType="w" refFor="ch" refForName="rootText" fact="0.2"/>
-                        <dgm:constr type="h" for="ch" forName="rootConnector" refType="h" refFor="ch" refForName="rootText"/>
-                      </dgm:constrLst>
-                    </dgm:if>
-                    <dgm:else name="Name82">
-                      <dgm:constrLst>
-                        <dgm:constr type="l" for="ch" forName="rootText"/>
-                        <dgm:constr type="t" for="ch" forName="rootText"/>
-                        <dgm:constr type="w" for="ch" forName="rootText" refType="w"/>
-                        <dgm:constr type="h" for="ch" forName="rootText" refType="h"/>
-                        <dgm:constr type="r" for="ch" forName="rootConnector" refType="w"/>
-                        <dgm:constr type="t" for="ch" forName="rootConnector"/>
-                        <dgm:constr type="w" for="ch" forName="rootConnector" refType="w" refFor="ch" refForName="rootText" fact="0.2"/>
-                        <dgm:constr type="h" for="ch" forName="rootConnector" refType="h" refFor="ch" refForName="rootText"/>
-                      </dgm:constrLst>
-                    </dgm:else>
-                  </dgm:choose>
-                  <dgm:ruleLst/>
-                  <dgm:layoutNode name="rootText">
-                    <dgm:varLst>
-                      <dgm:chPref val="3"/>
-                    </dgm:varLst>
-                    <dgm:alg type="tx"/>
-                    <dgm:shape xmlns:r="http://schemas.openxmlformats.org/officeDocument/2006/relationships" type="rect" r:blip="">
-                      <dgm:adjLst/>
-                    </dgm:shape>
-                    <dgm:presOf axis="self" ptType="node" cnt="1"/>
-                    <dgm:constrLst>
-                      <dgm:constr type="primFontSz" val="65"/>
-                      <dgm:constr type="lMarg" refType="primFontSz" fact="0.05"/>
-                      <dgm:constr type="rMarg" refType="primFontSz" fact="0.05"/>
-                      <dgm:constr type="tMarg" refType="primFontSz" fact="0.05"/>
-                      <dgm:constr type="bMarg" refType="primFontSz" fact="0.05"/>
-                    </dgm:constrLst>
-                    <dgm:ruleLst>
-                      <dgm:rule type="primFontSz" val="5" fact="NaN" max="NaN"/>
-                    </dgm:ruleLst>
-                  </dgm:layoutNode>
-                  <dgm:layoutNode name="rootConnector" moveWith="rootText">
-                    <dgm:alg type="sp"/>
-                    <dgm:shape xmlns:r="http://schemas.openxmlformats.org/officeDocument/2006/relationships" type="rect" r:blip="" hideGeom="1">
-                      <dgm:adjLst/>
-                    </dgm:shape>
-                    <dgm:presOf axis="self" ptType="node" cnt="1"/>
                     <dgm:constrLst/>
                     <dgm:ruleLst/>
                   </dgm:layoutNode>
-                </dgm:layoutNode>
-                <dgm:layoutNode name="hierChild4">
-                  <dgm:choose name="Name83">
-                    <dgm:if name="Name84" func="var" arg="hierBranch" op="equ" val="l">
-                      <dgm:alg type="hierChild">
-                        <dgm:param type="chAlign" val="r"/>
-                        <dgm:param type="linDir" val="fromT"/>
-                      </dgm:alg>
-                    </dgm:if>
-                    <dgm:if name="Name85" func="var" arg="hierBranch" op="equ" val="r">
-                      <dgm:alg type="hierChild">
-                        <dgm:param type="chAlign" val="l"/>
-                        <dgm:param type="linDir" val="fromT"/>
-                      </dgm:alg>
-                    </dgm:if>
-                    <dgm:if name="Name86" func="var" arg="hierBranch" op="equ" val="hang">
-                      <dgm:choose name="Name87">
-                        <dgm:if name="Name88" func="var" arg="dir" op="equ" val="norm">
-                          <dgm:alg type="hierChild">
-                            <dgm:param type="chAlign" val="l"/>
-                            <dgm:param type="linDir" val="fromL"/>
-                            <dgm:param type="secChAlign" val="t"/>
-                            <dgm:param type="secLinDir" val="fromT"/>
-                          </dgm:alg>
-                        </dgm:if>
-                        <dgm:else name="Name89">
-                          <dgm:alg type="hierChild">
-                            <dgm:param type="chAlign" val="l"/>
-                            <dgm:param type="linDir" val="fromR"/>
-                            <dgm:param type="secChAlign" val="t"/>
-                            <dgm:param type="secLinDir" val="fromT"/>
-                          </dgm:alg>
-                        </dgm:else>
-                      </dgm:choose>
-                    </dgm:if>
-                    <dgm:if name="Name90" func="var" arg="hierBranch" op="equ" val="std">
-                      <dgm:choose name="Name91">
-                        <dgm:if name="Name92" func="var" arg="dir" op="equ" val="norm">
-                          <dgm:alg type="hierChild"/>
-                        </dgm:if>
-                        <dgm:else name="Name93">
-                          <dgm:alg type="hierChild">
-                            <dgm:param type="linDir" val="fromR"/>
-                          </dgm:alg>
-                        </dgm:else>
-                      </dgm:choose>
-                    </dgm:if>
-                    <dgm:if name="Name94" func="var" arg="hierBranch" op="equ" val="init">
-                      <dgm:choose name="Name95">
-                        <dgm:if name="Name96" axis="des" func="maxDepth" op="lte" val="1">
-                          <dgm:alg type="hierChild">
-                            <dgm:param type="chAlign" val="l"/>
-                            <dgm:param type="linDir" val="fromT"/>
-                          </dgm:alg>
-                        </dgm:if>
-                        <dgm:else name="Name97">
-                          <dgm:choose name="Name98">
-                            <dgm:if name="Name99" func="var" arg="dir" op="equ" val="norm">
-                              <dgm:alg type="hierChild"/>
-                            </dgm:if>
-                            <dgm:else name="Name100">
-                              <dgm:alg type="hierChild">
-                                <dgm:param type="linDir" val="fromR"/>
-                              </dgm:alg>
-                            </dgm:else>
-                          </dgm:choose>
-                        </dgm:else>
-                      </dgm:choose>
-                    </dgm:if>
-                    <dgm:else name="Name101"/>
-                  </dgm:choose>
-                  <dgm:shape xmlns:r="http://schemas.openxmlformats.org/officeDocument/2006/relationships" r:blip="">
-                    <dgm:adjLst/>
-                  </dgm:shape>
-                  <dgm:presOf/>
-                  <dgm:constrLst/>
-                  <dgm:ruleLst/>
-                  <dgm:forEach name="Name102" ref="rep2a"/>
-                </dgm:layoutNode>
-                <dgm:layoutNode name="hierChild5">
-                  <dgm:choose name="Name103">
-                    <dgm:if name="Name104" func="var" arg="dir" op="equ" val="norm">
-                      <dgm:alg type="hierChild">
-                        <dgm:param type="chAlign" val="l"/>
-                        <dgm:param type="linDir" val="fromL"/>
-                        <dgm:param type="secChAlign" val="t"/>
-                        <dgm:param type="secLinDir" val="fromT"/>
-                      </dgm:alg>
-                    </dgm:if>
-                    <dgm:else name="Name105">
-                      <dgm:alg type="hierChild">
-                        <dgm:param type="chAlign" val="l"/>
-                        <dgm:param type="linDir" val="fromR"/>
-                        <dgm:param type="secChAlign" val="t"/>
-                        <dgm:param type="secLinDir" val="fromT"/>
-                      </dgm:alg>
-                    </dgm:else>
-                  </dgm:choose>
-                  <dgm:shape xmlns:r="http://schemas.openxmlformats.org/officeDocument/2006/relationships" r:blip="">
-                    <dgm:adjLst/>
-                  </dgm:shape>
-                  <dgm:presOf/>
-                  <dgm:constrLst/>
-                  <dgm:ruleLst/>
-                  <dgm:forEach name="Name106" ref="rep2b"/>
-                </dgm:layoutNode>
-              </dgm:layoutNode>
-            </dgm:forEach>
-          </dgm:layoutNode>
-          <dgm:layoutNode name="hierChild3">
-            <dgm:choose name="Name107">
-              <dgm:if name="Name108" func="var" arg="dir" op="equ" val="norm">
-                <dgm:alg type="hierChild">
-                  <dgm:param type="chAlign" val="l"/>
-                  <dgm:param type="linDir" val="fromL"/>
-                  <dgm:param type="secChAlign" val="t"/>
-                  <dgm:param type="secLinDir" val="fromT"/>
-                </dgm:alg>
-              </dgm:if>
-              <dgm:else name="Name109">
-                <dgm:alg type="hierChild">
-                  <dgm:param type="chAlign" val="l"/>
-                  <dgm:param type="linDir" val="fromR"/>
-                  <dgm:param type="secChAlign" val="t"/>
-                  <dgm:param type="secLinDir" val="fromT"/>
-                </dgm:alg>
-              </dgm:else>
-            </dgm:choose>
-            <dgm:shape xmlns:r="http://schemas.openxmlformats.org/officeDocument/2006/relationships" r:blip="">
-              <dgm:adjLst/>
-            </dgm:shape>
-            <dgm:presOf/>
-            <dgm:constrLst/>
-            <dgm:ruleLst/>
-            <dgm:forEach name="rep2b" axis="ch" ptType="asst">
-              <dgm:forEach name="Name110" axis="precedSib" ptType="parTrans" st="-1" cnt="1">
-                <dgm:layoutNode name="Name111">
-                  <dgm:alg type="conn">
-                    <dgm:param type="connRout" val="bend"/>
-                    <dgm:param type="dim" val="1D"/>
-                    <dgm:param type="endSty" val="noArr"/>
-                    <dgm:param type="begPts" val="bCtr"/>
-                    <dgm:param type="endPts" val="midL midR"/>
-                  </dgm:alg>
-                  <dgm:shape xmlns:r="http://schemas.openxmlformats.org/officeDocument/2006/relationships" type="conn" r:blip="" zOrderOff="-99999">
-                    <dgm:adjLst/>
-                  </dgm:shape>
-                  <dgm:presOf axis="self"/>
-                  <dgm:constrLst>
-                    <dgm:constr type="begPad"/>
-                    <dgm:constr type="endPad"/>
-                  </dgm:constrLst>
-                  <dgm:ruleLst/>
-                </dgm:layoutNode>
-              </dgm:forEach>
-              <dgm:layoutNode name="hierRoot3">
-                <dgm:varLst>
-                  <dgm:hierBranch val="init"/>
-                </dgm:varLst>
-                <dgm:choose name="Name112">
-                  <dgm:if name="Name113" func="var" arg="hierBranch" op="equ" val="l">
-                    <dgm:alg type="hierRoot">
-                      <dgm:param type="hierAlign" val="tR"/>
+                </dgm:if>
+                <dgm:else name="Name14"/>
+              </dgm:choose>
+              <dgm:layoutNode name="horzTwo">
+                <dgm:choose name="Name15">
+                  <dgm:if name="Name16" func="var" arg="dir" op="equ" val="norm">
+                    <dgm:alg type="lin">
+                      <dgm:param type="linDir" val="fromL"/>
+                      <dgm:param type="nodeVertAlign" val="t"/>
+                    </dgm:alg>
+                  </dgm:if>
+                  <dgm:else name="Name17">
+                    <dgm:alg type="lin">
+                      <dgm:param type="linDir" val="fromR"/>
+                      <dgm:param type="nodeVertAlign" val="t"/>
+                    </dgm:alg>
+                  </dgm:else>
+                </dgm:choose>
+                <dgm:shape xmlns:r="http://schemas.openxmlformats.org/officeDocument/2006/relationships" r:blip="">
+                  <dgm:adjLst/>
+                </dgm:shape>
+                <dgm:presOf/>
+                <dgm:constrLst/>
+                <dgm:ruleLst>
+                  <dgm:rule type="w" val="INF" fact="NaN" max="NaN"/>
+                </dgm:ruleLst>
+                <dgm:forEach name="Name18" axis="ch" ptType="node">
+                  <dgm:layoutNode name="vertThree">
+                    <dgm:alg type="lin">
+                      <dgm:param type="linDir" val="fromT"/>
                     </dgm:alg>
                     <dgm:shape xmlns:r="http://schemas.openxmlformats.org/officeDocument/2006/relationships" r:blip="">
                       <dgm:adjLst/>
                     </dgm:shape>
                     <dgm:presOf/>
                     <dgm:constrLst>
-                      <dgm:constr type="alignOff" val="0.65"/>
+                      <dgm:constr type="w" for="ch" forName="txThree" refType="w" refFor="ch" refForName="horzThree" op="gte"/>
                     </dgm:constrLst>
-                  </dgm:if>
-                  <dgm:if name="Name114" func="var" arg="hierBranch" op="equ" val="r">
-                    <dgm:alg type="hierRoot">
-                      <dgm:param type="hierAlign" val="tL"/>
-                    </dgm:alg>
+                    <dgm:ruleLst/>
+                    <dgm:layoutNode name="txThree">
+                      <dgm:varLst>
+                        <dgm:chPref val="3"/>
+                      </dgm:varLst>
+                      <dgm:alg type="tx"/>
+                      <dgm:shape xmlns:r="http://schemas.openxmlformats.org/officeDocument/2006/relationships" type="roundRect" r:blip="">
+                        <dgm:adjLst>
+                          <dgm:adj idx="1" val="0.1"/>
+                        </dgm:adjLst>
+                      </dgm:shape>
+                      <dgm:presOf axis="self"/>
+                      <dgm:constrLst>
+                        <dgm:constr type="userH"/>
+                        <dgm:constr type="h" refType="userH"/>
+                        <dgm:constr type="tMarg" refType="primFontSz" fact="0.3"/>
+                        <dgm:constr type="bMarg" refType="primFontSz" fact="0.3"/>
+                        <dgm:constr type="lMarg" refType="primFontSz" fact="0.3"/>
+                        <dgm:constr type="rMarg" refType="primFontSz" fact="0.3"/>
+                      </dgm:constrLst>
+                      <dgm:ruleLst>
+                        <dgm:rule type="primFontSz" val="5" fact="NaN" max="NaN"/>
+                      </dgm:ruleLst>
+                    </dgm:layoutNode>
+                    <dgm:choose name="Name19">
+                      <dgm:if name="Name20" axis="des" ptType="node" func="cnt" op="gt" val="0">
+                        <dgm:layoutNode name="parTransThree">
+                          <dgm:alg type="sp"/>
+                          <dgm:shape xmlns:r="http://schemas.openxmlformats.org/officeDocument/2006/relationships" r:blip="">
+                            <dgm:adjLst/>
+                          </dgm:shape>
+                          <dgm:presOf/>
+                          <dgm:constrLst/>
+                          <dgm:ruleLst/>
+                        </dgm:layoutNode>
+                      </dgm:if>
+                      <dgm:else name="Name21"/>
+                    </dgm:choose>
+                    <dgm:layoutNode name="horzThree">
+                      <dgm:choose name="Name22">
+                        <dgm:if name="Name23" func="var" arg="dir" op="equ" val="norm">
+                          <dgm:alg type="lin">
+                            <dgm:param type="linDir" val="fromL"/>
+                            <dgm:param type="nodeVertAlign" val="t"/>
+                          </dgm:alg>
+                        </dgm:if>
+                        <dgm:else name="Name24">
+                          <dgm:alg type="lin">
+                            <dgm:param type="linDir" val="fromR"/>
+                            <dgm:param type="nodeVertAlign" val="t"/>
+                          </dgm:alg>
+                        </dgm:else>
+                      </dgm:choose>
+                      <dgm:shape xmlns:r="http://schemas.openxmlformats.org/officeDocument/2006/relationships" r:blip="">
+                        <dgm:adjLst/>
+                      </dgm:shape>
+                      <dgm:presOf/>
+                      <dgm:constrLst/>
+                      <dgm:ruleLst>
+                        <dgm:rule type="w" val="INF" fact="NaN" max="NaN"/>
+                      </dgm:ruleLst>
+                      <dgm:forEach name="repeat" axis="ch" ptType="node">
+                        <dgm:layoutNode name="vertFour">
+                          <dgm:varLst>
+                            <dgm:chPref val="3"/>
+                          </dgm:varLst>
+                          <dgm:alg type="lin">
+                            <dgm:param type="linDir" val="fromT"/>
+                          </dgm:alg>
+                          <dgm:shape xmlns:r="http://schemas.openxmlformats.org/officeDocument/2006/relationships" r:blip="">
+                            <dgm:adjLst/>
+                          </dgm:shape>
+                          <dgm:presOf/>
+                          <dgm:constrLst>
+                            <dgm:constr type="w" for="ch" forName="txFour" refType="w" refFor="ch" refForName="horzFour" op="gte"/>
+                          </dgm:constrLst>
+                          <dgm:ruleLst/>
+                          <dgm:layoutNode name="txFour">
+                            <dgm:varLst>
+                              <dgm:chPref val="3"/>
+                            </dgm:varLst>
+                            <dgm:alg type="tx"/>
+                            <dgm:shape xmlns:r="http://schemas.openxmlformats.org/officeDocument/2006/relationships" type="roundRect" r:blip="">
+                              <dgm:adjLst>
+                                <dgm:adj idx="1" val="0.1"/>
+                              </dgm:adjLst>
+                            </dgm:shape>
+                            <dgm:presOf axis="self"/>
+                            <dgm:constrLst>
+                              <dgm:constr type="userH"/>
+                              <dgm:constr type="h" refType="userH"/>
+                              <dgm:constr type="tMarg" refType="primFontSz" fact="0.3"/>
+                              <dgm:constr type="bMarg" refType="primFontSz" fact="0.3"/>
+                              <dgm:constr type="lMarg" refType="primFontSz" fact="0.3"/>
+                              <dgm:constr type="rMarg" refType="primFontSz" fact="0.3"/>
+                            </dgm:constrLst>
+                            <dgm:ruleLst>
+                              <dgm:rule type="primFontSz" val="5" fact="NaN" max="NaN"/>
+                            </dgm:ruleLst>
+                          </dgm:layoutNode>
+                          <dgm:choose name="Name25">
+                            <dgm:if name="Name26" axis="des" ptType="node" func="cnt" op="gt" val="0">
+                              <dgm:layoutNode name="parTransFour">
+                                <dgm:alg type="sp"/>
+                                <dgm:shape xmlns:r="http://schemas.openxmlformats.org/officeDocument/2006/relationships" r:blip="">
+                                  <dgm:adjLst/>
+                                </dgm:shape>
+                                <dgm:presOf/>
+                                <dgm:constrLst/>
+                                <dgm:ruleLst/>
+                              </dgm:layoutNode>
+                            </dgm:if>
+                            <dgm:else name="Name27"/>
+                          </dgm:choose>
+                          <dgm:layoutNode name="horzFour">
+                            <dgm:choose name="Name28">
+                              <dgm:if name="Name29" func="var" arg="dir" op="equ" val="norm">
+                                <dgm:alg type="lin">
+                                  <dgm:param type="linDir" val="fromL"/>
+                                  <dgm:param type="nodeVertAlign" val="t"/>
+                                </dgm:alg>
+                              </dgm:if>
+                              <dgm:else name="Name30">
+                                <dgm:alg type="lin">
+                                  <dgm:param type="linDir" val="fromR"/>
+                                  <dgm:param type="nodeVertAlign" val="t"/>
+                                </dgm:alg>
+                              </dgm:else>
+                            </dgm:choose>
+                            <dgm:shape xmlns:r="http://schemas.openxmlformats.org/officeDocument/2006/relationships" r:blip="">
+                              <dgm:adjLst/>
+                            </dgm:shape>
+                            <dgm:presOf/>
+                            <dgm:constrLst/>
+                            <dgm:ruleLst>
+                              <dgm:rule type="w" val="INF" fact="NaN" max="NaN"/>
+                            </dgm:ruleLst>
+                            <dgm:forEach name="Name31" ref="repeat"/>
+                          </dgm:layoutNode>
+                        </dgm:layoutNode>
+                        <dgm:choose name="Name32">
+                          <dgm:if name="Name33" axis="self" ptType="node" func="revPos" op="gte" val="2">
+                            <dgm:forEach name="Name34" axis="followSib" ptType="sibTrans" cnt="1">
+                              <dgm:layoutNode name="sibSpaceFour">
+                                <dgm:alg type="sp"/>
+                                <dgm:shape xmlns:r="http://schemas.openxmlformats.org/officeDocument/2006/relationships" r:blip="">
+                                  <dgm:adjLst/>
+                                </dgm:shape>
+                                <dgm:presOf/>
+                                <dgm:constrLst/>
+                                <dgm:ruleLst/>
+                              </dgm:layoutNode>
+                            </dgm:forEach>
+                          </dgm:if>
+                          <dgm:else name="Name35"/>
+                        </dgm:choose>
+                      </dgm:forEach>
+                    </dgm:layoutNode>
+                  </dgm:layoutNode>
+                  <dgm:choose name="Name36">
+                    <dgm:if name="Name37" axis="self" ptType="node" func="revPos" op="gte" val="2">
+                      <dgm:forEach name="Name38" axis="followSib" ptType="sibTrans" cnt="1">
+                        <dgm:layoutNode name="sibSpaceThree">
+                          <dgm:alg type="sp"/>
+                          <dgm:shape xmlns:r="http://schemas.openxmlformats.org/officeDocument/2006/relationships" r:blip="">
+                            <dgm:adjLst/>
+                          </dgm:shape>
+                          <dgm:presOf/>
+                          <dgm:constrLst/>
+                          <dgm:ruleLst/>
+                        </dgm:layoutNode>
+                      </dgm:forEach>
+                    </dgm:if>
+                    <dgm:else name="Name39"/>
+                  </dgm:choose>
+                </dgm:forEach>
+              </dgm:layoutNode>
+            </dgm:layoutNode>
+            <dgm:choose name="Name40">
+              <dgm:if name="Name41" axis="self" ptType="node" func="revPos" op="gte" val="2">
+                <dgm:forEach name="Name42" axis="followSib" ptType="sibTrans" cnt="1">
+                  <dgm:layoutNode name="sibSpaceTwo">
+                    <dgm:alg type="sp"/>
                     <dgm:shape xmlns:r="http://schemas.openxmlformats.org/officeDocument/2006/relationships" r:blip="">
                       <dgm:adjLst/>
                     </dgm:shape>
                     <dgm:presOf/>
-                    <dgm:constrLst>
-                      <dgm:constr type="alignOff" val="0.65"/>
-                    </dgm:constrLst>
-                  </dgm:if>
-                  <dgm:if name="Name115" func="var" arg="hierBranch" op="equ" val="hang">
-                    <dgm:alg type="hierRoot"/>
-                    <dgm:shape xmlns:r="http://schemas.openxmlformats.org/officeDocument/2006/relationships" r:blip="">
-                      <dgm:adjLst/>
-                    </dgm:shape>
-                    <dgm:presOf/>
-                    <dgm:constrLst>
-                      <dgm:constr type="alignOff" val="0.65"/>
-                    </dgm:constrLst>
-                  </dgm:if>
-                  <dgm:if name="Name116" func="var" arg="hierBranch" op="equ" val="std">
-                    <dgm:alg type="hierRoot"/>
-                    <dgm:shape xmlns:r="http://schemas.openxmlformats.org/officeDocument/2006/relationships" r:blip="">
-                      <dgm:adjLst/>
-                    </dgm:shape>
-                    <dgm:presOf/>
-                    <dgm:constrLst>
-                      <dgm:constr type="alignOff"/>
-                      <dgm:constr type="bendDist" for="des" ptType="parTrans" refType="sp" fact="0.5"/>
-                    </dgm:constrLst>
-                  </dgm:if>
-                  <dgm:if name="Name117" func="var" arg="hierBranch" op="equ" val="init">
-                    <dgm:choose name="Name118">
-                      <dgm:if name="Name119" axis="des" func="maxDepth" op="lte" val="1">
-                        <dgm:alg type="hierRoot">
-                          <dgm:param type="hierAlign" val="tL"/>
-                        </dgm:alg>
-                        <dgm:shape xmlns:r="http://schemas.openxmlformats.org/officeDocument/2006/relationships" r:blip="">
-                          <dgm:adjLst/>
-                        </dgm:shape>
-                        <dgm:presOf/>
-                        <dgm:constrLst>
-                          <dgm:constr type="alignOff" val="0.65"/>
-                        </dgm:constrLst>
-                      </dgm:if>
-                      <dgm:else name="Name120">
-                        <dgm:alg type="hierRoot"/>
-                        <dgm:shape xmlns:r="http://schemas.openxmlformats.org/officeDocument/2006/relationships" r:blip="">
-                          <dgm:adjLst/>
-                        </dgm:shape>
-                        <dgm:presOf/>
-                        <dgm:constrLst>
-                          <dgm:constr type="alignOff"/>
-                          <dgm:constr type="bendDist" for="des" ptType="parTrans" refType="sp" fact="0.5"/>
-                        </dgm:constrLst>
-                      </dgm:else>
-                    </dgm:choose>
-                  </dgm:if>
-                  <dgm:else name="Name121"/>
-                </dgm:choose>
-                <dgm:ruleLst/>
-                <dgm:layoutNode name="rootComposite3">
-                  <dgm:alg type="composite"/>
-                  <dgm:shape xmlns:r="http://schemas.openxmlformats.org/officeDocument/2006/relationships" r:blip="">
-                    <dgm:adjLst/>
-                  </dgm:shape>
-                  <dgm:presOf axis="self" ptType="node" cnt="1"/>
-                  <dgm:choose name="Name122">
-                    <dgm:if name="Name123" func="var" arg="hierBranch" op="equ" val="init">
-                      <dgm:constrLst>
-                        <dgm:constr type="l" for="ch" forName="rootText3"/>
-                        <dgm:constr type="t" for="ch" forName="rootText3"/>
-                        <dgm:constr type="w" for="ch" forName="rootText3" refType="w"/>
-                        <dgm:constr type="h" for="ch" forName="rootText3" refType="h"/>
-                        <dgm:constr type="l" for="ch" forName="rootConnector3"/>
-                        <dgm:constr type="t" for="ch" forName="rootConnector3"/>
-                        <dgm:constr type="w" for="ch" forName="rootConnector3" refType="w" refFor="ch" refForName="rootText3" fact="0.2"/>
-                        <dgm:constr type="h" for="ch" forName="rootConnector3" refType="h" refFor="ch" refForName="rootText3"/>
-                      </dgm:constrLst>
-                    </dgm:if>
-                    <dgm:if name="Name124" func="var" arg="hierBranch" op="equ" val="l">
-                      <dgm:constrLst>
-                        <dgm:constr type="l" for="ch" forName="rootText3"/>
-                        <dgm:constr type="t" for="ch" forName="rootText3"/>
-                        <dgm:constr type="w" for="ch" forName="rootText3" refType="w"/>
-                        <dgm:constr type="h" for="ch" forName="rootText3" refType="h"/>
-                        <dgm:constr type="r" for="ch" forName="rootConnector3" refType="w"/>
-                        <dgm:constr type="t" for="ch" forName="rootConnector3"/>
-                        <dgm:constr type="w" for="ch" forName="rootConnector3" refType="w" refFor="ch" refForName="rootText3" fact="0.2"/>
-                        <dgm:constr type="h" for="ch" forName="rootConnector3" refType="h" refFor="ch" refForName="rootText3"/>
-                      </dgm:constrLst>
-                    </dgm:if>
-                    <dgm:if name="Name125" func="var" arg="hierBranch" op="equ" val="r">
-                      <dgm:constrLst>
-                        <dgm:constr type="l" for="ch" forName="rootText3"/>
-                        <dgm:constr type="t" for="ch" forName="rootText3"/>
-                        <dgm:constr type="w" for="ch" forName="rootText3" refType="w"/>
-                        <dgm:constr type="h" for="ch" forName="rootText3" refType="h"/>
-                        <dgm:constr type="l" for="ch" forName="rootConnector3"/>
-                        <dgm:constr type="t" for="ch" forName="rootConnector3"/>
-                        <dgm:constr type="w" for="ch" forName="rootConnector3" refType="w" refFor="ch" refForName="rootText3" fact="0.2"/>
-                        <dgm:constr type="h" for="ch" forName="rootConnector3" refType="h" refFor="ch" refForName="rootText3"/>
-                      </dgm:constrLst>
-                    </dgm:if>
-                    <dgm:else name="Name126">
-                      <dgm:constrLst>
-                        <dgm:constr type="l" for="ch" forName="rootText3"/>
-                        <dgm:constr type="t" for="ch" forName="rootText3"/>
-                        <dgm:constr type="w" for="ch" forName="rootText3" refType="w"/>
-                        <dgm:constr type="h" for="ch" forName="rootText3" refType="h"/>
-                        <dgm:constr type="r" for="ch" forName="rootConnector3" refType="w"/>
-                        <dgm:constr type="t" for="ch" forName="rootConnector3"/>
-                        <dgm:constr type="w" for="ch" forName="rootConnector3" refType="w" refFor="ch" refForName="rootText3" fact="0.2"/>
-                        <dgm:constr type="h" for="ch" forName="rootConnector3" refType="h" refFor="ch" refForName="rootText3"/>
-                      </dgm:constrLst>
-                    </dgm:else>
-                  </dgm:choose>
-                  <dgm:ruleLst/>
-                  <dgm:layoutNode name="rootText3">
-                    <dgm:varLst>
-                      <dgm:chPref val="3"/>
-                    </dgm:varLst>
-                    <dgm:alg type="tx"/>
-                    <dgm:shape xmlns:r="http://schemas.openxmlformats.org/officeDocument/2006/relationships" type="rect" r:blip="">
-                      <dgm:adjLst/>
-                    </dgm:shape>
-                    <dgm:presOf axis="self" ptType="node" cnt="1"/>
-                    <dgm:constrLst>
-                      <dgm:constr type="primFontSz" val="65"/>
-                      <dgm:constr type="lMarg" refType="primFontSz" fact="0.05"/>
-                      <dgm:constr type="rMarg" refType="primFontSz" fact="0.05"/>
-                      <dgm:constr type="tMarg" refType="primFontSz" fact="0.05"/>
-                      <dgm:constr type="bMarg" refType="primFontSz" fact="0.05"/>
-                    </dgm:constrLst>
-                    <dgm:ruleLst>
-                      <dgm:rule type="primFontSz" val="5" fact="NaN" max="NaN"/>
-                    </dgm:ruleLst>
-                  </dgm:layoutNode>
-                  <dgm:layoutNode name="rootConnector3" moveWith="rootText1">
-                    <dgm:alg type="sp"/>
-                    <dgm:shape xmlns:r="http://schemas.openxmlformats.org/officeDocument/2006/relationships" type="rect" r:blip="" hideGeom="1">
-                      <dgm:adjLst/>
-                    </dgm:shape>
-                    <dgm:presOf axis="self" ptType="node" cnt="1"/>
                     <dgm:constrLst/>
                     <dgm:ruleLst/>
                   </dgm:layoutNode>
-                </dgm:layoutNode>
-                <dgm:layoutNode name="hierChild6">
-                  <dgm:choose name="Name127">
-                    <dgm:if name="Name128" func="var" arg="hierBranch" op="equ" val="l">
-                      <dgm:alg type="hierChild">
-                        <dgm:param type="chAlign" val="r"/>
-                        <dgm:param type="linDir" val="fromT"/>
-                      </dgm:alg>
-                    </dgm:if>
-                    <dgm:if name="Name129" func="var" arg="hierBranch" op="equ" val="r">
-                      <dgm:alg type="hierChild">
-                        <dgm:param type="chAlign" val="l"/>
-                        <dgm:param type="linDir" val="fromT"/>
-                      </dgm:alg>
-                    </dgm:if>
-                    <dgm:if name="Name130" func="var" arg="hierBranch" op="equ" val="hang">
-                      <dgm:choose name="Name131">
-                        <dgm:if name="Name132" func="var" arg="dir" op="equ" val="norm">
-                          <dgm:alg type="hierChild">
-                            <dgm:param type="chAlign" val="l"/>
-                            <dgm:param type="linDir" val="fromL"/>
-                            <dgm:param type="secChAlign" val="t"/>
-                            <dgm:param type="secLinDir" val="fromT"/>
-                          </dgm:alg>
-                        </dgm:if>
-                        <dgm:else name="Name133">
-                          <dgm:alg type="hierChild">
-                            <dgm:param type="chAlign" val="l"/>
-                            <dgm:param type="linDir" val="fromR"/>
-                            <dgm:param type="secChAlign" val="t"/>
-                            <dgm:param type="secLinDir" val="fromT"/>
-                          </dgm:alg>
-                        </dgm:else>
-                      </dgm:choose>
-                    </dgm:if>
-                    <dgm:if name="Name134" func="var" arg="hierBranch" op="equ" val="std">
-                      <dgm:choose name="Name135">
-                        <dgm:if name="Name136" func="var" arg="dir" op="equ" val="norm">
-                          <dgm:alg type="hierChild"/>
-                        </dgm:if>
-                        <dgm:else name="Name137">
-                          <dgm:alg type="hierChild">
-                            <dgm:param type="linDir" val="fromR"/>
-                          </dgm:alg>
-                        </dgm:else>
-                      </dgm:choose>
-                    </dgm:if>
-                    <dgm:if name="Name138" func="var" arg="hierBranch" op="equ" val="init">
-                      <dgm:choose name="Name139">
-                        <dgm:if name="Name140" axis="des" func="maxDepth" op="lte" val="1">
-                          <dgm:alg type="hierChild">
-                            <dgm:param type="chAlign" val="l"/>
-                            <dgm:param type="linDir" val="fromT"/>
-                          </dgm:alg>
-                        </dgm:if>
-                        <dgm:else name="Name141">
-                          <dgm:alg type="hierChild"/>
-                        </dgm:else>
-                      </dgm:choose>
-                    </dgm:if>
-                    <dgm:else name="Name142"/>
-                  </dgm:choose>
-                  <dgm:shape xmlns:r="http://schemas.openxmlformats.org/officeDocument/2006/relationships" r:blip="">
-                    <dgm:adjLst/>
-                  </dgm:shape>
-                  <dgm:presOf/>
-                  <dgm:constrLst/>
-                  <dgm:ruleLst/>
-                  <dgm:forEach name="Name143" ref="rep2a"/>
-                </dgm:layoutNode>
-                <dgm:layoutNode name="hierChild7">
-                  <dgm:choose name="Name144">
-                    <dgm:if name="Name145" func="var" arg="dir" op="equ" val="norm">
-                      <dgm:alg type="hierChild">
-                        <dgm:param type="chAlign" val="l"/>
-                        <dgm:param type="linDir" val="fromL"/>
-                        <dgm:param type="secChAlign" val="t"/>
-                        <dgm:param type="secLinDir" val="fromT"/>
-                      </dgm:alg>
-                    </dgm:if>
-                    <dgm:else name="Name146">
-                      <dgm:alg type="hierChild">
-                        <dgm:param type="chAlign" val="l"/>
-                        <dgm:param type="linDir" val="fromR"/>
-                        <dgm:param type="secChAlign" val="t"/>
-                        <dgm:param type="secLinDir" val="fromT"/>
-                      </dgm:alg>
-                    </dgm:else>
-                  </dgm:choose>
-                  <dgm:shape xmlns:r="http://schemas.openxmlformats.org/officeDocument/2006/relationships" r:blip="">
-                    <dgm:adjLst/>
-                  </dgm:shape>
-                  <dgm:presOf/>
-                  <dgm:constrLst/>
-                  <dgm:ruleLst/>
-                  <dgm:forEach name="Name147" ref="rep2b"/>
-                </dgm:layoutNode>
-              </dgm:layoutNode>
-            </dgm:forEach>
-          </dgm:layoutNode>
+                </dgm:forEach>
+              </dgm:if>
+              <dgm:else name="Name43"/>
+            </dgm:choose>
+          </dgm:forEach>
         </dgm:layoutNode>
-      </dgm:forEach>
+      </dgm:layoutNode>
+      <dgm:choose name="Name44">
+        <dgm:if name="Name45" axis="self" ptType="node" func="revPos" op="gte" val="2">
+          <dgm:forEach name="Name46" axis="followSib" ptType="sibTrans" cnt="1">
+            <dgm:layoutNode name="sibSpaceOne">
+              <dgm:alg type="sp"/>
+              <dgm:shape xmlns:r="http://schemas.openxmlformats.org/officeDocument/2006/relationships" r:blip="">
+                <dgm:adjLst/>
+              </dgm:shape>
+              <dgm:presOf/>
+              <dgm:constrLst/>
+              <dgm:ruleLst/>
+            </dgm:layoutNode>
+          </dgm:forEach>
+        </dgm:if>
+        <dgm:else name="Name47"/>
+      </dgm:choose>
     </dgm:forEach>
   </dgm:layoutNode>
 </dgm:layoutDef>
@@ -34803,7 +33779,7 @@
           <a:p>
             <a:r>
               <a:rPr lang="es-ES" dirty="0"/>
-              <a:t>Interfaz</a:t>
+              <a:t>Interfaz de navegación</a:t>
             </a:r>
             <a:endParaRPr lang="en-US" dirty="0"/>
           </a:p>
@@ -35834,18 +34810,17 @@
           <a:lstStyle/>
           <a:p>
             <a:r>
+              <a:rPr lang="es-AR" sz="1800" dirty="0"/>
+              <a:t>A</a:t>
+            </a:r>
+            <a:r>
               <a:rPr lang="en-US" sz="1800" dirty="0" err="1"/>
-              <a:t>Organización</a:t>
+              <a:t>rquitectura</a:t>
             </a:r>
             <a:r>
               <a:rPr lang="en-US" sz="1800" dirty="0"/>
-              <a:t> del </a:t>
+              <a:t> de Firmware</a:t>
             </a:r>
-            <a:r>
-              <a:rPr lang="en-US" sz="1800" dirty="0" err="1"/>
-              <a:t>proyecto</a:t>
-            </a:r>
-            <a:endParaRPr lang="en-US" sz="1800" dirty="0"/>
           </a:p>
         </p:txBody>
       </p:sp>
@@ -36274,14 +35249,14 @@
             <p:ph idx="1"/>
             <p:extLst>
               <p:ext uri="{D42A27DB-BD31-4B8C-83A1-F6EECF244321}">
-                <p14:modId xmlns:p14="http://schemas.microsoft.com/office/powerpoint/2010/main" val="3902217364"/>
+                <p14:modId xmlns:p14="http://schemas.microsoft.com/office/powerpoint/2010/main" val="1208026862"/>
               </p:ext>
             </p:extLst>
           </p:nvPr>
         </p:nvGraphicFramePr>
         <p:xfrm>
           <a:off x="2849561" y="1744395"/>
-          <a:ext cx="6885281" cy="4296968"/>
+          <a:ext cx="6549933" cy="3912334"/>
         </p:xfrm>
         <a:graphic>
           <a:graphicData uri="http://schemas.openxmlformats.org/drawingml/2006/diagram">
@@ -36303,8 +35278,8 @@
         </p:nvSpPr>
         <p:spPr>
           <a:xfrm rot="5400000">
-            <a:off x="1149319" y="1892754"/>
-            <a:ext cx="788500" cy="1246128"/>
+            <a:off x="1135602" y="1422472"/>
+            <a:ext cx="913640" cy="1557486"/>
           </a:xfrm>
           <a:prstGeom prst="homePlate">
             <a:avLst/>
@@ -36387,8 +35362,8 @@
         </p:nvSpPr>
         <p:spPr>
           <a:xfrm rot="5400000">
-            <a:off x="1149319" y="2680034"/>
-            <a:ext cx="788500" cy="1246128"/>
+            <a:off x="1102998" y="2791601"/>
+            <a:ext cx="978848" cy="1557485"/>
           </a:xfrm>
           <a:prstGeom prst="homePlate">
             <a:avLst/>
@@ -36471,8 +35446,8 @@
         </p:nvSpPr>
         <p:spPr>
           <a:xfrm rot="5400000">
-            <a:off x="1150069" y="3467314"/>
-            <a:ext cx="788500" cy="1246128"/>
+            <a:off x="1087251" y="4144215"/>
+            <a:ext cx="1010342" cy="1557486"/>
           </a:xfrm>
           <a:prstGeom prst="homePlate">
             <a:avLst/>
